--- a/문서 및 동영상 자료/시스템 프로그래밍 MINT CHOCO.pptx
+++ b/문서 및 동영상 자료/시스템 프로그래밍 MINT CHOCO.pptx
@@ -5,7 +5,7 @@
     <p:sldMasterId id="2147483662" r:id="rId1"/>
   </p:sldMasterIdLst>
   <p:notesMasterIdLst>
-    <p:notesMasterId r:id="rId15"/>
+    <p:notesMasterId r:id="rId16"/>
   </p:notesMasterIdLst>
   <p:sldIdLst>
     <p:sldId id="296" r:id="rId2"/>
@@ -18,9 +18,10 @@
     <p:sldId id="309" r:id="rId9"/>
     <p:sldId id="305" r:id="rId10"/>
     <p:sldId id="306" r:id="rId11"/>
-    <p:sldId id="304" r:id="rId12"/>
-    <p:sldId id="298" r:id="rId13"/>
-    <p:sldId id="278" r:id="rId14"/>
+    <p:sldId id="310" r:id="rId12"/>
+    <p:sldId id="304" r:id="rId13"/>
+    <p:sldId id="298" r:id="rId14"/>
+    <p:sldId id="278" r:id="rId15"/>
   </p:sldIdLst>
   <p:sldSz cx="12192000" cy="6858000"/>
   <p:notesSz cx="6858000" cy="9144000"/>
@@ -220,7 +221,7 @@
           <a:p>
             <a:fld id="{02330C1E-AD7A-47B8-A0EC-585894DD2A04}" type="datetimeFigureOut">
               <a:rPr lang="ko-KR" altLang="en-US" smtClean="0"/>
-              <a:t>2018-12-19</a:t>
+              <a:t>2018-12-20</a:t>
             </a:fld>
             <a:endParaRPr lang="ko-KR" altLang="en-US"/>
           </a:p>
@@ -19300,20 +19301,7 @@
                 <a:latin typeface="나눔스퀘어" panose="020B0600000101010101" pitchFamily="50" charset="-127"/>
                 <a:ea typeface="나눔스퀘어" panose="020B0600000101010101" pitchFamily="50" charset="-127"/>
               </a:rPr>
-              <a:t>팀     장</a:t>
-            </a:r>
-            <a:r>
-              <a:rPr lang="ko-KR" altLang="en-US" sz="1600" b="1" spc="-150" dirty="0" smtClean="0">
-                <a:solidFill>
-                  <a:schemeClr val="tx1">
-                    <a:lumMod val="50000"/>
-                    <a:lumOff val="50000"/>
-                  </a:schemeClr>
-                </a:solidFill>
-                <a:latin typeface="나눔스퀘어" panose="020B0600000101010101" pitchFamily="50" charset="-127"/>
-                <a:ea typeface="나눔스퀘어" panose="020B0600000101010101" pitchFamily="50" charset="-127"/>
-              </a:rPr>
-              <a:t>  </a:t>
+              <a:t>팀     장  </a:t>
             </a:r>
             <a:r>
               <a:rPr lang="en-US" altLang="ko-KR" sz="1600" b="1" spc="-150" dirty="0" smtClean="0">
@@ -19404,20 +19392,7 @@
                 <a:latin typeface="나눔스퀘어" panose="020B0600000101010101" pitchFamily="50" charset="-127"/>
                 <a:ea typeface="나눔스퀘어" panose="020B0600000101010101" pitchFamily="50" charset="-127"/>
               </a:rPr>
-              <a:t>팀</a:t>
-            </a:r>
-            <a:r>
-              <a:rPr lang="ko-KR" altLang="en-US" sz="1600" b="1" spc="-150" dirty="0" smtClean="0">
-                <a:solidFill>
-                  <a:schemeClr val="tx1">
-                    <a:lumMod val="50000"/>
-                    <a:lumOff val="50000"/>
-                  </a:schemeClr>
-                </a:solidFill>
-                <a:latin typeface="나눔스퀘어" panose="020B0600000101010101" pitchFamily="50" charset="-127"/>
-                <a:ea typeface="나눔스퀘어" panose="020B0600000101010101" pitchFamily="50" charset="-127"/>
-              </a:rPr>
-              <a:t>     원  </a:t>
+              <a:t>팀     원  </a:t>
             </a:r>
             <a:r>
               <a:rPr lang="en-US" altLang="ko-KR" sz="1600" b="1" spc="-150" dirty="0" smtClean="0">
@@ -23128,6 +23103,267 @@
       </p:grpSpPr>
       <p:sp>
         <p:nvSpPr>
+          <p:cNvPr id="13" name="TextBox 12"/>
+          <p:cNvSpPr txBox="1"/>
+          <p:nvPr/>
+        </p:nvSpPr>
+        <p:spPr>
+          <a:xfrm>
+            <a:off x="1252948" y="699328"/>
+            <a:ext cx="6629400" cy="523220"/>
+          </a:xfrm>
+          <a:prstGeom prst="rect">
+            <a:avLst/>
+          </a:prstGeom>
+          <a:noFill/>
+          <a:scene3d>
+            <a:camera prst="obliqueBottomLeft"/>
+            <a:lightRig rig="threePt" dir="t"/>
+          </a:scene3d>
+        </p:spPr>
+        <p:txBody>
+          <a:bodyPr wrap="square" rtlCol="0">
+            <a:spAutoFit/>
+          </a:bodyPr>
+          <a:lstStyle/>
+          <a:p>
+            <a:r>
+              <a:rPr lang="ko-KR" altLang="en-US" sz="2800" spc="-150" dirty="0">
+                <a:solidFill>
+                  <a:srgbClr val="920815"/>
+                </a:solidFill>
+                <a:latin typeface="나눔스퀘어 ExtraBold" panose="020B0600000101010101" pitchFamily="50" charset="-127"/>
+                <a:ea typeface="나눔스퀘어 ExtraBold" panose="020B0600000101010101" pitchFamily="50" charset="-127"/>
+              </a:rPr>
+              <a:t>슬라이드 내용</a:t>
+            </a:r>
+            <a:r>
+              <a:rPr lang="ko-KR" altLang="en-US" sz="2800" spc="-150" dirty="0">
+                <a:solidFill>
+                  <a:schemeClr val="tx1">
+                    <a:lumMod val="75000"/>
+                    <a:lumOff val="25000"/>
+                  </a:schemeClr>
+                </a:solidFill>
+                <a:latin typeface="나눔스퀘어" panose="020B0600000101010101" pitchFamily="50" charset="-127"/>
+                <a:ea typeface="나눔스퀘어" panose="020B0600000101010101" pitchFamily="50" charset="-127"/>
+              </a:rPr>
+              <a:t>을 한 줄로 요약해주세요</a:t>
+            </a:r>
+          </a:p>
+        </p:txBody>
+      </p:sp>
+      <p:sp>
+        <p:nvSpPr>
+          <p:cNvPr id="16" name="TextBox 15"/>
+          <p:cNvSpPr txBox="1"/>
+          <p:nvPr/>
+        </p:nvSpPr>
+        <p:spPr>
+          <a:xfrm>
+            <a:off x="0" y="6422086"/>
+            <a:ext cx="12192000" cy="276999"/>
+          </a:xfrm>
+          <a:prstGeom prst="rect">
+            <a:avLst/>
+          </a:prstGeom>
+          <a:noFill/>
+          <a:scene3d>
+            <a:camera prst="obliqueBottomLeft"/>
+            <a:lightRig rig="threePt" dir="t"/>
+          </a:scene3d>
+        </p:spPr>
+        <p:txBody>
+          <a:bodyPr wrap="square" rtlCol="0">
+            <a:spAutoFit/>
+          </a:bodyPr>
+          <a:lstStyle/>
+          <a:p>
+            <a:pPr algn="ctr"/>
+            <a:r>
+              <a:rPr lang="en-US" altLang="ko-KR" sz="1200" spc="-150" dirty="0">
+                <a:solidFill>
+                  <a:schemeClr val="tx1">
+                    <a:lumMod val="75000"/>
+                    <a:lumOff val="25000"/>
+                  </a:schemeClr>
+                </a:solidFill>
+                <a:latin typeface="나눔스퀘어" panose="020B0600000101010101" pitchFamily="50" charset="-127"/>
+                <a:ea typeface="나눔스퀘어" panose="020B0600000101010101" pitchFamily="50" charset="-127"/>
+              </a:rPr>
+              <a:t>3</a:t>
+            </a:r>
+            <a:endParaRPr lang="ko-KR" altLang="en-US" sz="1200" spc="-150" dirty="0">
+              <a:solidFill>
+                <a:schemeClr val="tx1">
+                  <a:lumMod val="75000"/>
+                  <a:lumOff val="25000"/>
+                </a:schemeClr>
+              </a:solidFill>
+              <a:latin typeface="나눔스퀘어" panose="020B0600000101010101" pitchFamily="50" charset="-127"/>
+              <a:ea typeface="나눔스퀘어" panose="020B0600000101010101" pitchFamily="50" charset="-127"/>
+            </a:endParaRPr>
+          </a:p>
+        </p:txBody>
+      </p:sp>
+      <p:sp>
+        <p:nvSpPr>
+          <p:cNvPr id="8" name="TextBox 7"/>
+          <p:cNvSpPr txBox="1"/>
+          <p:nvPr/>
+        </p:nvSpPr>
+        <p:spPr>
+          <a:xfrm>
+            <a:off x="1252948" y="354893"/>
+            <a:ext cx="1219347" cy="461665"/>
+          </a:xfrm>
+          <a:prstGeom prst="rect">
+            <a:avLst/>
+          </a:prstGeom>
+          <a:noFill/>
+          <a:scene3d>
+            <a:camera prst="obliqueBottomLeft"/>
+            <a:lightRig rig="threePt" dir="t"/>
+          </a:scene3d>
+        </p:spPr>
+        <p:txBody>
+          <a:bodyPr wrap="square" rtlCol="0">
+            <a:spAutoFit/>
+          </a:bodyPr>
+          <a:lstStyle/>
+          <a:p>
+            <a:r>
+              <a:rPr lang="en-US" altLang="ko-KR" sz="2400" spc="-300" dirty="0" smtClean="0">
+                <a:ln w="25400">
+                  <a:noFill/>
+                </a:ln>
+                <a:solidFill>
+                  <a:schemeClr val="tx1">
+                    <a:lumMod val="65000"/>
+                    <a:lumOff val="35000"/>
+                  </a:schemeClr>
+                </a:solidFill>
+                <a:latin typeface="나눔스퀘어 ExtraBold" panose="020B0600000101010101" pitchFamily="50" charset="-127"/>
+                <a:ea typeface="나눔스퀘어 ExtraBold" panose="020B0600000101010101" pitchFamily="50" charset="-127"/>
+              </a:rPr>
+              <a:t>03</a:t>
+            </a:r>
+            <a:endParaRPr lang="ko-KR" altLang="en-US" sz="2400" spc="-300" dirty="0">
+              <a:ln w="25400">
+                <a:noFill/>
+              </a:ln>
+              <a:solidFill>
+                <a:schemeClr val="tx1">
+                  <a:lumMod val="65000"/>
+                  <a:lumOff val="35000"/>
+                </a:schemeClr>
+              </a:solidFill>
+              <a:latin typeface="나눔스퀘어" panose="020B0600000101010101" pitchFamily="50" charset="-127"/>
+              <a:ea typeface="나눔스퀘어" panose="020B0600000101010101" pitchFamily="50" charset="-127"/>
+            </a:endParaRPr>
+          </a:p>
+        </p:txBody>
+      </p:sp>
+      <p:sp>
+        <p:nvSpPr>
+          <p:cNvPr id="9" name="TextBox 8"/>
+          <p:cNvSpPr txBox="1"/>
+          <p:nvPr/>
+        </p:nvSpPr>
+        <p:spPr>
+          <a:xfrm>
+            <a:off x="1701351" y="458909"/>
+            <a:ext cx="2886320" cy="307777"/>
+          </a:xfrm>
+          <a:prstGeom prst="rect">
+            <a:avLst/>
+          </a:prstGeom>
+          <a:noFill/>
+          <a:scene3d>
+            <a:camera prst="obliqueBottomLeft"/>
+            <a:lightRig rig="threePt" dir="t"/>
+          </a:scene3d>
+        </p:spPr>
+        <p:txBody>
+          <a:bodyPr wrap="square" rtlCol="0">
+            <a:spAutoFit/>
+          </a:bodyPr>
+          <a:lstStyle/>
+          <a:p>
+            <a:r>
+              <a:rPr lang="ko-KR" altLang="en-US" sz="1400" spc="-150" dirty="0" smtClean="0">
+                <a:ln w="25400">
+                  <a:noFill/>
+                </a:ln>
+                <a:solidFill>
+                  <a:schemeClr val="tx1">
+                    <a:lumMod val="65000"/>
+                    <a:lumOff val="35000"/>
+                  </a:schemeClr>
+                </a:solidFill>
+                <a:latin typeface="나눔스퀘어" panose="020B0600000101010101" pitchFamily="50" charset="-127"/>
+                <a:ea typeface="나눔스퀘어" panose="020B0600000101010101" pitchFamily="50" charset="-127"/>
+              </a:rPr>
+              <a:t>프로젝트 핵심 요소</a:t>
+            </a:r>
+            <a:endParaRPr lang="ko-KR" altLang="en-US" sz="1400" spc="-150" dirty="0">
+              <a:ln w="25400">
+                <a:noFill/>
+              </a:ln>
+              <a:solidFill>
+                <a:schemeClr val="tx1">
+                  <a:lumMod val="65000"/>
+                  <a:lumOff val="35000"/>
+                </a:schemeClr>
+              </a:solidFill>
+              <a:latin typeface="나눔스퀘어" panose="020B0600000101010101" pitchFamily="50" charset="-127"/>
+              <a:ea typeface="나눔스퀘어" panose="020B0600000101010101" pitchFamily="50" charset="-127"/>
+            </a:endParaRPr>
+          </a:p>
+        </p:txBody>
+      </p:sp>
+    </p:spTree>
+    <p:extLst>
+      <p:ext uri="{BB962C8B-B14F-4D97-AF65-F5344CB8AC3E}">
+        <p14:creationId xmlns:p14="http://schemas.microsoft.com/office/powerpoint/2010/main" val="3738529053"/>
+      </p:ext>
+    </p:extLst>
+  </p:cSld>
+  <p:clrMapOvr>
+    <a:masterClrMapping/>
+  </p:clrMapOvr>
+  <p:transition spd="slow">
+    <p:push dir="u"/>
+  </p:transition>
+  <p:timing>
+    <p:tnLst>
+      <p:par>
+        <p:cTn id="1" dur="indefinite" restart="never" nodeType="tmRoot"/>
+      </p:par>
+    </p:tnLst>
+  </p:timing>
+</p:sld>
+</file>
+
+<file path=ppt/slides/slide12.xml><?xml version="1.0" encoding="utf-8"?>
+<p:sld xmlns:a="http://schemas.openxmlformats.org/drawingml/2006/main" xmlns:r="http://schemas.openxmlformats.org/officeDocument/2006/relationships" xmlns:p="http://schemas.openxmlformats.org/presentationml/2006/main">
+  <p:cSld>
+    <p:spTree>
+      <p:nvGrpSpPr>
+        <p:cNvPr id="1" name=""/>
+        <p:cNvGrpSpPr/>
+        <p:nvPr/>
+      </p:nvGrpSpPr>
+      <p:grpSpPr>
+        <a:xfrm>
+          <a:off x="0" y="0"/>
+          <a:ext cx="0" cy="0"/>
+          <a:chOff x="0" y="0"/>
+          <a:chExt cx="0" cy="0"/>
+        </a:xfrm>
+      </p:grpSpPr>
+      <p:sp>
+        <p:nvSpPr>
           <p:cNvPr id="68" name="이등변 삼각형 67"/>
           <p:cNvSpPr/>
           <p:nvPr/>
@@ -23640,7 +23876,7 @@
 </p:sld>
 </file>
 
-<file path=ppt/slides/slide12.xml><?xml version="1.0" encoding="utf-8"?>
+<file path=ppt/slides/slide13.xml><?xml version="1.0" encoding="utf-8"?>
 <p:sld xmlns:a="http://schemas.openxmlformats.org/drawingml/2006/main" xmlns:r="http://schemas.openxmlformats.org/officeDocument/2006/relationships" xmlns:p="http://schemas.openxmlformats.org/presentationml/2006/main">
   <p:cSld>
     <p:spTree>
@@ -23901,7 +24137,7 @@
 </p:sld>
 </file>
 
-<file path=ppt/slides/slide13.xml><?xml version="1.0" encoding="utf-8"?>
+<file path=ppt/slides/slide14.xml><?xml version="1.0" encoding="utf-8"?>
 <p:sld xmlns:a="http://schemas.openxmlformats.org/drawingml/2006/main" xmlns:r="http://schemas.openxmlformats.org/officeDocument/2006/relationships" xmlns:p="http://schemas.openxmlformats.org/presentationml/2006/main">
   <p:cSld>
     <p:spTree>

--- a/문서 및 동영상 자료/시스템 프로그래밍 MINT CHOCO.pptx
+++ b/문서 및 동영상 자료/시스템 프로그래밍 MINT CHOCO.pptx
@@ -26909,7 +26909,7 @@
           <a:lstStyle/>
           <a:p>
             <a:r>
-              <a:rPr lang="ko-KR" altLang="en-US" sz="1400" spc="-150" dirty="0" smtClean="0">
+              <a:rPr lang="ko-KR" altLang="en-US" sz="1400" spc="-150" smtClean="0">
                 <a:ln w="25400">
                   <a:noFill/>
                 </a:ln>
@@ -26922,7 +26922,23 @@
                 <a:latin typeface="나눔스퀘어" panose="020B0600000101010101" pitchFamily="50" charset="-127"/>
                 <a:ea typeface="나눔스퀘어" panose="020B0600000101010101" pitchFamily="50" charset="-127"/>
               </a:rPr>
-              <a:t>프로젝트 진행과정</a:t>
+              <a:t>프로젝트 </a:t>
+            </a:r>
+            <a:r>
+              <a:rPr lang="ko-KR" altLang="en-US" sz="1400" spc="-150" smtClean="0">
+                <a:ln w="25400">
+                  <a:noFill/>
+                </a:ln>
+                <a:solidFill>
+                  <a:schemeClr val="tx1">
+                    <a:lumMod val="65000"/>
+                    <a:lumOff val="35000"/>
+                  </a:schemeClr>
+                </a:solidFill>
+                <a:latin typeface="나눔스퀘어" panose="020B0600000101010101" pitchFamily="50" charset="-127"/>
+                <a:ea typeface="나눔스퀘어" panose="020B0600000101010101" pitchFamily="50" charset="-127"/>
+              </a:rPr>
+              <a:t>진행 과정</a:t>
             </a:r>
             <a:endParaRPr lang="ko-KR" altLang="en-US" sz="1400" spc="-150" dirty="0">
               <a:ln w="25400">

--- a/문서 및 동영상 자료/시스템 프로그래밍 MINT CHOCO.pptx
+++ b/문서 및 동영상 자료/시스템 프로그래밍 MINT CHOCO.pptx
@@ -5,7 +5,7 @@
     <p:sldMasterId id="2147483662" r:id="rId1"/>
   </p:sldMasterIdLst>
   <p:notesMasterIdLst>
-    <p:notesMasterId r:id="rId16"/>
+    <p:notesMasterId r:id="rId20"/>
   </p:notesMasterIdLst>
   <p:sldIdLst>
     <p:sldId id="296" r:id="rId2"/>
@@ -19,9 +19,13 @@
     <p:sldId id="305" r:id="rId10"/>
     <p:sldId id="306" r:id="rId11"/>
     <p:sldId id="310" r:id="rId12"/>
-    <p:sldId id="304" r:id="rId13"/>
-    <p:sldId id="298" r:id="rId14"/>
-    <p:sldId id="278" r:id="rId15"/>
+    <p:sldId id="313" r:id="rId13"/>
+    <p:sldId id="311" r:id="rId14"/>
+    <p:sldId id="312" r:id="rId15"/>
+    <p:sldId id="314" r:id="rId16"/>
+    <p:sldId id="304" r:id="rId17"/>
+    <p:sldId id="298" r:id="rId18"/>
+    <p:sldId id="278" r:id="rId19"/>
   </p:sldIdLst>
   <p:sldSz cx="12192000" cy="6858000"/>
   <p:notesSz cx="6858000" cy="9144000"/>
@@ -122,7 +126,7 @@
   </p:defaultTextStyle>
   <p:extLst>
     <p:ext uri="{EFAFB233-063F-42B5-8137-9DF3F51BA10A}">
-      <p15:sldGuideLst xmlns:p15="http://schemas.microsoft.com/office/powerpoint/2012/main">
+      <p15:sldGuideLst xmlns:p15="http://schemas.microsoft.com/office/powerpoint/2012/main" xmlns="">
         <p15:guide id="1" orient="horz" pos="2160" userDrawn="1">
           <p15:clr>
             <a:srgbClr val="A4A3A4"/>
@@ -22293,8 +22297,8 @@
           </p:nvSpPr>
           <p:spPr>
             <a:xfrm>
-              <a:off x="1839160" y="2292048"/>
-              <a:ext cx="1802976" cy="353148"/>
+              <a:off x="1839160" y="2369724"/>
+              <a:ext cx="1802976" cy="922741"/>
             </a:xfrm>
             <a:prstGeom prst="rect">
               <a:avLst/>
@@ -22405,7 +22409,7 @@
                 <a:defRPr lang="ko-KR" altLang="en-US"/>
               </a:pPr>
               <a:r>
-                <a:rPr lang="en-US" altLang="ko-KR" sz="2500" b="1" dirty="0" smtClean="0">
+                <a:rPr lang="ko-KR" altLang="en-US" sz="2500" b="1" dirty="0" smtClean="0">
                   <a:ln w="9525">
                     <a:solidFill>
                       <a:schemeClr val="bg1">
@@ -22419,7 +22423,96 @@
                   <a:latin typeface="나눔고딕"/>
                   <a:ea typeface="나눔고딕"/>
                 </a:rPr>
-                <a:t>2</a:t>
+                <a:t>문제 및</a:t>
+              </a:r>
+              <a:endParaRPr lang="en-US" altLang="ko-KR" sz="2500" b="1" dirty="0" smtClean="0">
+                <a:ln w="9525">
+                  <a:solidFill>
+                    <a:schemeClr val="bg1">
+                      <a:alpha val="55000"/>
+                    </a:schemeClr>
+                  </a:solidFill>
+                </a:ln>
+                <a:solidFill>
+                  <a:schemeClr val="bg1"/>
+                </a:solidFill>
+                <a:latin typeface="나눔고딕"/>
+                <a:ea typeface="나눔고딕"/>
+              </a:endParaRPr>
+            </a:p>
+            <a:p>
+              <a:pPr lvl="0" algn="ctr">
+                <a:defRPr lang="ko-KR" altLang="en-US"/>
+              </a:pPr>
+              <a:r>
+                <a:rPr lang="ko-KR" altLang="en-US" sz="2500" b="1" dirty="0" smtClean="0">
+                  <a:ln w="9525">
+                    <a:solidFill>
+                      <a:schemeClr val="bg1">
+                        <a:alpha val="55000"/>
+                      </a:schemeClr>
+                    </a:solidFill>
+                  </a:ln>
+                  <a:solidFill>
+                    <a:schemeClr val="bg1"/>
+                  </a:solidFill>
+                  <a:latin typeface="나눔고딕"/>
+                  <a:ea typeface="나눔고딕"/>
+                </a:rPr>
+                <a:t>화면 출력</a:t>
+              </a:r>
+              <a:endParaRPr lang="en-US" altLang="ko-KR" sz="2500" b="1" dirty="0" smtClean="0">
+                <a:ln w="9525">
+                  <a:solidFill>
+                    <a:schemeClr val="bg1">
+                      <a:alpha val="55000"/>
+                    </a:schemeClr>
+                  </a:solidFill>
+                </a:ln>
+                <a:solidFill>
+                  <a:schemeClr val="bg1"/>
+                </a:solidFill>
+                <a:latin typeface="나눔고딕"/>
+                <a:ea typeface="나눔고딕"/>
+              </a:endParaRPr>
+            </a:p>
+            <a:p>
+              <a:pPr lvl="0" algn="ctr">
+                <a:defRPr lang="ko-KR" altLang="en-US"/>
+              </a:pPr>
+              <a:r>
+                <a:rPr lang="ko-KR" altLang="en-US" sz="2500" b="1" dirty="0" smtClean="0">
+                  <a:ln w="9525">
+                    <a:solidFill>
+                      <a:schemeClr val="bg1">
+                        <a:alpha val="55000"/>
+                      </a:schemeClr>
+                    </a:solidFill>
+                  </a:ln>
+                  <a:solidFill>
+                    <a:schemeClr val="bg1"/>
+                  </a:solidFill>
+                  <a:latin typeface="나눔고딕"/>
+                  <a:ea typeface="나눔고딕"/>
+                </a:rPr>
+                <a:t>기</a:t>
+              </a:r>
+              <a:r>
+                <a:rPr lang="ko-KR" altLang="en-US" sz="2500" b="1" dirty="0">
+                  <a:ln w="9525">
+                    <a:solidFill>
+                      <a:schemeClr val="bg1">
+                        <a:alpha val="55000"/>
+                      </a:schemeClr>
+                    </a:solidFill>
+                  </a:ln>
+                  <a:solidFill>
+                    <a:schemeClr val="bg1"/>
+                  </a:solidFill>
+                  <a:latin typeface="나눔고딕"/>
+                  <a:ea typeface="나눔고딕"/>
+                </a:rPr>
+                <a:t>능</a:t>
               </a:r>
               <a:endParaRPr lang="ko-KR" altLang="en-US" sz="2500" b="1" dirty="0">
                 <a:ln w="9525">
@@ -22604,8 +22697,8 @@
           </p:nvSpPr>
           <p:spPr>
             <a:xfrm>
-              <a:off x="1839160" y="2292048"/>
-              <a:ext cx="1802976" cy="353148"/>
+              <a:off x="1814084" y="2517192"/>
+              <a:ext cx="1802976" cy="637944"/>
             </a:xfrm>
             <a:prstGeom prst="rect">
               <a:avLst/>
@@ -22716,7 +22809,7 @@
                 <a:defRPr lang="ko-KR" altLang="en-US"/>
               </a:pPr>
               <a:r>
-                <a:rPr lang="en-US" altLang="ko-KR" sz="2500" b="1" dirty="0" smtClean="0">
+                <a:rPr lang="ko-KR" altLang="en-US" sz="2500" b="1" dirty="0" smtClean="0">
                   <a:ln w="9525">
                     <a:solidFill>
                       <a:schemeClr val="bg1">
@@ -22730,7 +22823,43 @@
                   <a:latin typeface="나눔고딕"/>
                   <a:ea typeface="나눔고딕"/>
                 </a:rPr>
-                <a:t>1</a:t>
+                <a:t>캐릭터</a:t>
+              </a:r>
+              <a:endParaRPr lang="en-US" altLang="ko-KR" sz="2500" b="1" dirty="0" smtClean="0">
+                <a:ln w="9525">
+                  <a:solidFill>
+                    <a:schemeClr val="bg1">
+                      <a:alpha val="55000"/>
+                    </a:schemeClr>
+                  </a:solidFill>
+                </a:ln>
+                <a:solidFill>
+                  <a:schemeClr val="bg1"/>
+                </a:solidFill>
+                <a:latin typeface="나눔고딕"/>
+                <a:ea typeface="나눔고딕"/>
+              </a:endParaRPr>
+            </a:p>
+            <a:p>
+              <a:pPr lvl="0" algn="ctr">
+                <a:defRPr lang="ko-KR" altLang="en-US"/>
+              </a:pPr>
+              <a:r>
+                <a:rPr lang="ko-KR" altLang="en-US" sz="2500" b="1" dirty="0" smtClean="0">
+                  <a:ln w="9525">
+                    <a:solidFill>
+                      <a:schemeClr val="bg1">
+                        <a:alpha val="55000"/>
+                      </a:schemeClr>
+                    </a:solidFill>
+                  </a:ln>
+                  <a:solidFill>
+                    <a:schemeClr val="bg1"/>
+                  </a:solidFill>
+                  <a:latin typeface="나눔고딕"/>
+                  <a:ea typeface="나눔고딕"/>
+                </a:rPr>
+                <a:t>움직임 구현</a:t>
               </a:r>
               <a:endParaRPr lang="ko-KR" altLang="en-US" sz="2500" b="1" dirty="0">
                 <a:ln w="9525">
@@ -22915,8 +23044,8 @@
           </p:nvSpPr>
           <p:spPr>
             <a:xfrm>
-              <a:off x="1839160" y="2292048"/>
-              <a:ext cx="1802976" cy="353148"/>
+              <a:off x="1862784" y="2552181"/>
+              <a:ext cx="1802976" cy="637944"/>
             </a:xfrm>
             <a:prstGeom prst="rect">
               <a:avLst/>
@@ -23027,7 +23156,7 @@
                 <a:defRPr lang="ko-KR" altLang="en-US"/>
               </a:pPr>
               <a:r>
-                <a:rPr lang="en-US" altLang="ko-KR" sz="2500" b="1" dirty="0" smtClean="0">
+                <a:rPr lang="ko-KR" altLang="en-US" sz="2500" b="1" dirty="0" smtClean="0">
                   <a:ln w="9525">
                     <a:solidFill>
                       <a:schemeClr val="bg1">
@@ -23041,7 +23170,43 @@
                   <a:latin typeface="나눔고딕"/>
                   <a:ea typeface="나눔고딕"/>
                 </a:rPr>
-                <a:t>3</a:t>
+                <a:t>레벨 디자인</a:t>
+              </a:r>
+              <a:endParaRPr lang="en-US" altLang="ko-KR" sz="2500" b="1" dirty="0" smtClean="0">
+                <a:ln w="9525">
+                  <a:solidFill>
+                    <a:schemeClr val="bg1">
+                      <a:alpha val="55000"/>
+                    </a:schemeClr>
+                  </a:solidFill>
+                </a:ln>
+                <a:solidFill>
+                  <a:schemeClr val="bg1"/>
+                </a:solidFill>
+                <a:latin typeface="나눔고딕"/>
+                <a:ea typeface="나눔고딕"/>
+              </a:endParaRPr>
+            </a:p>
+            <a:p>
+              <a:pPr lvl="0" algn="ctr">
+                <a:defRPr lang="ko-KR" altLang="en-US"/>
+              </a:pPr>
+              <a:r>
+                <a:rPr lang="ko-KR" altLang="en-US" sz="2500" b="1" dirty="0" smtClean="0">
+                  <a:ln w="9525">
+                    <a:solidFill>
+                      <a:schemeClr val="bg1">
+                        <a:alpha val="55000"/>
+                      </a:schemeClr>
+                    </a:solidFill>
+                  </a:ln>
+                  <a:solidFill>
+                    <a:schemeClr val="bg1"/>
+                  </a:solidFill>
+                  <a:latin typeface="나눔고딕"/>
+                  <a:ea typeface="나눔고딕"/>
+                </a:rPr>
+                <a:t> 기능</a:t>
               </a:r>
               <a:endParaRPr lang="ko-KR" altLang="en-US" sz="2500" b="1" dirty="0">
                 <a:ln w="9525">
@@ -23103,6 +23268,55 @@
       </p:grpSpPr>
       <p:sp>
         <p:nvSpPr>
+          <p:cNvPr id="5" name="TextBox 4"/>
+          <p:cNvSpPr txBox="1"/>
+          <p:nvPr/>
+        </p:nvSpPr>
+        <p:spPr>
+          <a:xfrm>
+            <a:off x="6884879" y="1948065"/>
+            <a:ext cx="4565379" cy="380823"/>
+          </a:xfrm>
+          <a:prstGeom prst="rect">
+            <a:avLst/>
+          </a:prstGeom>
+          <a:noFill/>
+          <a:scene3d>
+            <a:camera prst="obliqueBottomLeft"/>
+            <a:lightRig rig="threePt" dir="t"/>
+          </a:scene3d>
+        </p:spPr>
+        <p:txBody>
+          <a:bodyPr wrap="square" rtlCol="0">
+            <a:spAutoFit/>
+          </a:bodyPr>
+          <a:lstStyle/>
+          <a:p>
+            <a:r>
+              <a:rPr lang="ko-KR" altLang="en-US" b="1" spc="-150" dirty="0" smtClean="0">
+                <a:solidFill>
+                  <a:schemeClr val="bg1"/>
+                </a:solidFill>
+                <a:latin typeface="나눔스퀘어 ExtraBold" panose="020B0600000101010101" pitchFamily="50" charset="-127"/>
+                <a:ea typeface="나눔스퀘어 ExtraBold" panose="020B0600000101010101" pitchFamily="50" charset="-127"/>
+              </a:rPr>
+              <a:t>단에 </a:t>
+            </a:r>
+            <a:r>
+              <a:rPr lang="ko-KR" altLang="en-US" b="1" spc="-150" dirty="0">
+                <a:solidFill>
+                  <a:schemeClr val="bg1"/>
+                </a:solidFill>
+                <a:latin typeface="나눔스퀘어 ExtraBold" panose="020B0600000101010101" pitchFamily="50" charset="-127"/>
+                <a:ea typeface="나눔스퀘어 ExtraBold" panose="020B0600000101010101" pitchFamily="50" charset="-127"/>
+              </a:rPr>
+              <a:t>어울리는 소제목을 적어주세요</a:t>
+            </a:r>
+          </a:p>
+        </p:txBody>
+      </p:sp>
+      <p:sp>
+        <p:nvSpPr>
           <p:cNvPr id="13" name="TextBox 12"/>
           <p:cNvSpPr txBox="1"/>
           <p:nvPr/>
@@ -23128,17 +23342,7 @@
           <a:lstStyle/>
           <a:p>
             <a:r>
-              <a:rPr lang="ko-KR" altLang="en-US" sz="2800" spc="-150" dirty="0">
-                <a:solidFill>
-                  <a:srgbClr val="920815"/>
-                </a:solidFill>
-                <a:latin typeface="나눔스퀘어 ExtraBold" panose="020B0600000101010101" pitchFamily="50" charset="-127"/>
-                <a:ea typeface="나눔스퀘어 ExtraBold" panose="020B0600000101010101" pitchFamily="50" charset="-127"/>
-              </a:rPr>
-              <a:t>슬라이드 내용</a:t>
-            </a:r>
-            <a:r>
-              <a:rPr lang="ko-KR" altLang="en-US" sz="2800" spc="-150" dirty="0">
+              <a:rPr lang="ko-KR" altLang="en-US" sz="2800" spc="-150" dirty="0" smtClean="0">
                 <a:solidFill>
                   <a:schemeClr val="tx1">
                     <a:lumMod val="75000"/>
@@ -23148,8 +23352,926 @@
                 <a:latin typeface="나눔스퀘어" panose="020B0600000101010101" pitchFamily="50" charset="-127"/>
                 <a:ea typeface="나눔스퀘어" panose="020B0600000101010101" pitchFamily="50" charset="-127"/>
               </a:rPr>
-              <a:t>을 한 줄로 요약해주세요</a:t>
+              <a:t>캐릭터 움직임 구현 </a:t>
             </a:r>
+            <a:r>
+              <a:rPr lang="en-US" altLang="ko-KR" sz="2800" spc="-150" dirty="0" smtClean="0">
+                <a:solidFill>
+                  <a:schemeClr val="tx1">
+                    <a:lumMod val="75000"/>
+                    <a:lumOff val="25000"/>
+                  </a:schemeClr>
+                </a:solidFill>
+                <a:latin typeface="나눔스퀘어" panose="020B0600000101010101" pitchFamily="50" charset="-127"/>
+                <a:ea typeface="나눔스퀘어" panose="020B0600000101010101" pitchFamily="50" charset="-127"/>
+              </a:rPr>
+              <a:t>– 1. Player</a:t>
+            </a:r>
+            <a:endParaRPr lang="ko-KR" altLang="en-US" sz="2800" spc="-150" dirty="0">
+              <a:solidFill>
+                <a:schemeClr val="tx1">
+                  <a:lumMod val="75000"/>
+                  <a:lumOff val="25000"/>
+                </a:schemeClr>
+              </a:solidFill>
+              <a:latin typeface="나눔스퀘어" panose="020B0600000101010101" pitchFamily="50" charset="-127"/>
+              <a:ea typeface="나눔스퀘어" panose="020B0600000101010101" pitchFamily="50" charset="-127"/>
+            </a:endParaRPr>
+          </a:p>
+        </p:txBody>
+      </p:sp>
+      <p:sp>
+        <p:nvSpPr>
+          <p:cNvPr id="14" name="TextBox 13"/>
+          <p:cNvSpPr txBox="1"/>
+          <p:nvPr/>
+        </p:nvSpPr>
+        <p:spPr>
+          <a:xfrm>
+            <a:off x="1235030" y="298480"/>
+            <a:ext cx="1219347" cy="461665"/>
+          </a:xfrm>
+          <a:prstGeom prst="rect">
+            <a:avLst/>
+          </a:prstGeom>
+          <a:noFill/>
+          <a:scene3d>
+            <a:camera prst="obliqueBottomLeft"/>
+            <a:lightRig rig="threePt" dir="t"/>
+          </a:scene3d>
+        </p:spPr>
+        <p:txBody>
+          <a:bodyPr wrap="square" rtlCol="0">
+            <a:spAutoFit/>
+          </a:bodyPr>
+          <a:lstStyle/>
+          <a:p>
+            <a:r>
+              <a:rPr lang="en-US" altLang="ko-KR" sz="2400" spc="-300" dirty="0" smtClean="0">
+                <a:ln w="25400">
+                  <a:noFill/>
+                </a:ln>
+                <a:solidFill>
+                  <a:schemeClr val="tx1">
+                    <a:lumMod val="65000"/>
+                    <a:lumOff val="35000"/>
+                  </a:schemeClr>
+                </a:solidFill>
+                <a:latin typeface="나눔스퀘어 ExtraBold" panose="020B0600000101010101" pitchFamily="50" charset="-127"/>
+                <a:ea typeface="나눔스퀘어 ExtraBold" panose="020B0600000101010101" pitchFamily="50" charset="-127"/>
+              </a:rPr>
+              <a:t>03</a:t>
+            </a:r>
+            <a:endParaRPr lang="ko-KR" altLang="en-US" sz="2400" spc="-300" dirty="0">
+              <a:ln w="25400">
+                <a:noFill/>
+              </a:ln>
+              <a:solidFill>
+                <a:schemeClr val="tx1">
+                  <a:lumMod val="65000"/>
+                  <a:lumOff val="35000"/>
+                </a:schemeClr>
+              </a:solidFill>
+              <a:latin typeface="나눔스퀘어" panose="020B0600000101010101" pitchFamily="50" charset="-127"/>
+              <a:ea typeface="나눔스퀘어" panose="020B0600000101010101" pitchFamily="50" charset="-127"/>
+            </a:endParaRPr>
+          </a:p>
+        </p:txBody>
+      </p:sp>
+      <p:sp>
+        <p:nvSpPr>
+          <p:cNvPr id="15" name="TextBox 14"/>
+          <p:cNvSpPr txBox="1"/>
+          <p:nvPr/>
+        </p:nvSpPr>
+        <p:spPr>
+          <a:xfrm>
+            <a:off x="1683433" y="402496"/>
+            <a:ext cx="2886320" cy="307777"/>
+          </a:xfrm>
+          <a:prstGeom prst="rect">
+            <a:avLst/>
+          </a:prstGeom>
+          <a:noFill/>
+          <a:scene3d>
+            <a:camera prst="obliqueBottomLeft"/>
+            <a:lightRig rig="threePt" dir="t"/>
+          </a:scene3d>
+        </p:spPr>
+        <p:txBody>
+          <a:bodyPr wrap="square" rtlCol="0">
+            <a:spAutoFit/>
+          </a:bodyPr>
+          <a:lstStyle/>
+          <a:p>
+            <a:r>
+              <a:rPr lang="ko-KR" altLang="en-US" sz="1400" spc="-150" dirty="0" smtClean="0">
+                <a:ln w="25400">
+                  <a:noFill/>
+                </a:ln>
+                <a:solidFill>
+                  <a:schemeClr val="tx1">
+                    <a:lumMod val="65000"/>
+                    <a:lumOff val="35000"/>
+                  </a:schemeClr>
+                </a:solidFill>
+                <a:latin typeface="나눔스퀘어" panose="020B0600000101010101" pitchFamily="50" charset="-127"/>
+                <a:ea typeface="나눔스퀘어" panose="020B0600000101010101" pitchFamily="50" charset="-127"/>
+              </a:rPr>
+              <a:t>프로젝트 핵심 요소</a:t>
+            </a:r>
+            <a:endParaRPr lang="ko-KR" altLang="en-US" sz="1400" spc="-150" dirty="0">
+              <a:ln w="25400">
+                <a:noFill/>
+              </a:ln>
+              <a:solidFill>
+                <a:schemeClr val="tx1">
+                  <a:lumMod val="65000"/>
+                  <a:lumOff val="35000"/>
+                </a:schemeClr>
+              </a:solidFill>
+              <a:latin typeface="나눔스퀘어" panose="020B0600000101010101" pitchFamily="50" charset="-127"/>
+              <a:ea typeface="나눔스퀘어" panose="020B0600000101010101" pitchFamily="50" charset="-127"/>
+            </a:endParaRPr>
+          </a:p>
+        </p:txBody>
+      </p:sp>
+      <p:sp>
+        <p:nvSpPr>
+          <p:cNvPr id="16" name="TextBox 15"/>
+          <p:cNvSpPr txBox="1"/>
+          <p:nvPr/>
+        </p:nvSpPr>
+        <p:spPr>
+          <a:xfrm>
+            <a:off x="0" y="6422086"/>
+            <a:ext cx="12192000" cy="276999"/>
+          </a:xfrm>
+          <a:prstGeom prst="rect">
+            <a:avLst/>
+          </a:prstGeom>
+          <a:noFill/>
+          <a:scene3d>
+            <a:camera prst="obliqueBottomLeft"/>
+            <a:lightRig rig="threePt" dir="t"/>
+          </a:scene3d>
+        </p:spPr>
+        <p:txBody>
+          <a:bodyPr wrap="square" rtlCol="0">
+            <a:spAutoFit/>
+          </a:bodyPr>
+          <a:lstStyle/>
+          <a:p>
+            <a:pPr algn="ctr"/>
+            <a:r>
+              <a:rPr lang="en-US" altLang="ko-KR" sz="1200" spc="-150" dirty="0">
+                <a:solidFill>
+                  <a:schemeClr val="tx1">
+                    <a:lumMod val="75000"/>
+                    <a:lumOff val="25000"/>
+                  </a:schemeClr>
+                </a:solidFill>
+                <a:latin typeface="나눔스퀘어" panose="020B0600000101010101" pitchFamily="50" charset="-127"/>
+                <a:ea typeface="나눔스퀘어" panose="020B0600000101010101" pitchFamily="50" charset="-127"/>
+              </a:rPr>
+              <a:t>3</a:t>
+            </a:r>
+            <a:endParaRPr lang="ko-KR" altLang="en-US" sz="1200" spc="-150" dirty="0">
+              <a:solidFill>
+                <a:schemeClr val="tx1">
+                  <a:lumMod val="75000"/>
+                  <a:lumOff val="25000"/>
+                </a:schemeClr>
+              </a:solidFill>
+              <a:latin typeface="나눔스퀘어" panose="020B0600000101010101" pitchFamily="50" charset="-127"/>
+              <a:ea typeface="나눔스퀘어" panose="020B0600000101010101" pitchFamily="50" charset="-127"/>
+            </a:endParaRPr>
+          </a:p>
+        </p:txBody>
+      </p:sp>
+      <p:pic>
+        <p:nvPicPr>
+          <p:cNvPr id="2050" name="Picture 2"/>
+          <p:cNvPicPr>
+            <a:picLocks noChangeAspect="1" noChangeArrowheads="1"/>
+          </p:cNvPicPr>
+          <p:nvPr/>
+        </p:nvPicPr>
+        <p:blipFill>
+          <a:blip r:embed="rId2">
+            <a:extLst>
+              <a:ext uri="{28A0092B-C50C-407E-A947-70E740481C1C}">
+                <a14:useLocalDpi xmlns:a14="http://schemas.microsoft.com/office/drawing/2010/main" val="0"/>
+              </a:ext>
+            </a:extLst>
+          </a:blip>
+          <a:srcRect/>
+          <a:stretch>
+            <a:fillRect/>
+          </a:stretch>
+        </p:blipFill>
+        <p:spPr bwMode="auto">
+          <a:xfrm>
+            <a:off x="160633" y="1560299"/>
+            <a:ext cx="5561521" cy="4861787"/>
+          </a:xfrm>
+          <a:prstGeom prst="rect">
+            <a:avLst/>
+          </a:prstGeom>
+          <a:noFill/>
+          <a:ln>
+            <a:noFill/>
+          </a:ln>
+          <a:extLst>
+            <a:ext uri="{909E8E84-426E-40DD-AFC4-6F175D3DCCD1}">
+              <a14:hiddenFill xmlns:a14="http://schemas.microsoft.com/office/drawing/2010/main">
+                <a:solidFill>
+                  <a:schemeClr val="accent1"/>
+                </a:solidFill>
+              </a14:hiddenFill>
+            </a:ext>
+            <a:ext uri="{91240B29-F687-4F45-9708-019B960494DF}">
+              <a14:hiddenLine xmlns:a14="http://schemas.microsoft.com/office/drawing/2010/main" w="9525">
+                <a:solidFill>
+                  <a:schemeClr val="tx1"/>
+                </a:solidFill>
+                <a:miter lim="800000"/>
+                <a:headEnd/>
+                <a:tailEnd/>
+              </a14:hiddenLine>
+            </a:ext>
+          </a:extLst>
+        </p:spPr>
+      </p:pic>
+      <p:pic>
+        <p:nvPicPr>
+          <p:cNvPr id="2051" name="Picture 3"/>
+          <p:cNvPicPr>
+            <a:picLocks noChangeAspect="1" noChangeArrowheads="1"/>
+          </p:cNvPicPr>
+          <p:nvPr/>
+        </p:nvPicPr>
+        <p:blipFill>
+          <a:blip r:embed="rId3">
+            <a:extLst>
+              <a:ext uri="{28A0092B-C50C-407E-A947-70E740481C1C}">
+                <a14:useLocalDpi xmlns:a14="http://schemas.microsoft.com/office/drawing/2010/main" val="0"/>
+              </a:ext>
+            </a:extLst>
+          </a:blip>
+          <a:srcRect/>
+          <a:stretch>
+            <a:fillRect/>
+          </a:stretch>
+        </p:blipFill>
+        <p:spPr bwMode="auto">
+          <a:xfrm>
+            <a:off x="531029" y="1948065"/>
+            <a:ext cx="5191125" cy="2743200"/>
+          </a:xfrm>
+          <a:prstGeom prst="rect">
+            <a:avLst/>
+          </a:prstGeom>
+          <a:noFill/>
+          <a:ln>
+            <a:noFill/>
+          </a:ln>
+          <a:extLst>
+            <a:ext uri="{909E8E84-426E-40DD-AFC4-6F175D3DCCD1}">
+              <a14:hiddenFill xmlns:a14="http://schemas.microsoft.com/office/drawing/2010/main">
+                <a:solidFill>
+                  <a:schemeClr val="accent1"/>
+                </a:solidFill>
+              </a14:hiddenFill>
+            </a:ext>
+            <a:ext uri="{91240B29-F687-4F45-9708-019B960494DF}">
+              <a14:hiddenLine xmlns:a14="http://schemas.microsoft.com/office/drawing/2010/main" w="9525">
+                <a:solidFill>
+                  <a:schemeClr val="tx1"/>
+                </a:solidFill>
+                <a:miter lim="800000"/>
+                <a:headEnd/>
+                <a:tailEnd/>
+              </a14:hiddenLine>
+            </a:ext>
+          </a:extLst>
+        </p:spPr>
+      </p:pic>
+      <p:sp>
+        <p:nvSpPr>
+          <p:cNvPr id="3" name="TextBox 2"/>
+          <p:cNvSpPr txBox="1"/>
+          <p:nvPr/>
+        </p:nvSpPr>
+        <p:spPr>
+          <a:xfrm>
+            <a:off x="5943599" y="2887286"/>
+            <a:ext cx="4895385" cy="923330"/>
+          </a:xfrm>
+          <a:prstGeom prst="rect">
+            <a:avLst/>
+          </a:prstGeom>
+          <a:noFill/>
+          <a:scene3d>
+            <a:camera prst="obliqueBottomLeft"/>
+            <a:lightRig rig="threePt" dir="t"/>
+          </a:scene3d>
+        </p:spPr>
+        <p:txBody>
+          <a:bodyPr wrap="square" rtlCol="0">
+            <a:spAutoFit/>
+          </a:bodyPr>
+          <a:lstStyle/>
+          <a:p>
+            <a:r>
+              <a:rPr lang="ko-KR" altLang="en-US" spc="-150" dirty="0" smtClean="0"/>
+              <a:t>사용자가 입력한 키를 받아들이는 함수</a:t>
+            </a:r>
+            <a:endParaRPr lang="en-US" altLang="ko-KR" spc="-150" dirty="0" smtClean="0"/>
+          </a:p>
+          <a:p>
+            <a:endParaRPr lang="en-US" altLang="ko-KR" spc="-150" dirty="0"/>
+          </a:p>
+          <a:p>
+            <a:r>
+              <a:rPr lang="ko-KR" altLang="en-US" spc="-150" dirty="0" smtClean="0"/>
+              <a:t>사용자가  키를 </a:t>
+            </a:r>
+            <a:r>
+              <a:rPr lang="en-US" altLang="ko-KR" spc="-150" dirty="0"/>
+              <a:t> </a:t>
+            </a:r>
+            <a:r>
+              <a:rPr lang="ko-KR" altLang="en-US" spc="-150" dirty="0" smtClean="0"/>
+              <a:t>입력할 경우 </a:t>
+            </a:r>
+            <a:r>
+              <a:rPr lang="en-US" altLang="ko-KR" spc="-150" dirty="0" err="1" smtClean="0"/>
+              <a:t>key_handling</a:t>
+            </a:r>
+            <a:r>
+              <a:rPr lang="ko-KR" altLang="en-US" spc="-150" dirty="0" smtClean="0"/>
+              <a:t>에 보낸다</a:t>
+            </a:r>
+            <a:r>
+              <a:rPr lang="en-US" altLang="ko-KR" spc="-150" dirty="0" smtClean="0"/>
+              <a:t>.</a:t>
+            </a:r>
+            <a:endParaRPr lang="ko-KR" altLang="en-US" spc="-150" dirty="0" smtClean="0"/>
+          </a:p>
+        </p:txBody>
+      </p:sp>
+      <p:sp>
+        <p:nvSpPr>
+          <p:cNvPr id="4" name="TextBox 3"/>
+          <p:cNvSpPr txBox="1"/>
+          <p:nvPr/>
+        </p:nvSpPr>
+        <p:spPr>
+          <a:xfrm>
+            <a:off x="5943599" y="3025785"/>
+            <a:ext cx="4627755" cy="646331"/>
+          </a:xfrm>
+          <a:prstGeom prst="rect">
+            <a:avLst/>
+          </a:prstGeom>
+          <a:noFill/>
+          <a:scene3d>
+            <a:camera prst="obliqueBottomLeft"/>
+            <a:lightRig rig="threePt" dir="t"/>
+          </a:scene3d>
+        </p:spPr>
+        <p:txBody>
+          <a:bodyPr wrap="square" rtlCol="0">
+            <a:spAutoFit/>
+          </a:bodyPr>
+          <a:lstStyle/>
+          <a:p>
+            <a:r>
+              <a:rPr lang="ko-KR" altLang="en-US" spc="-150" dirty="0" smtClean="0"/>
+              <a:t>입력한 방향에 따라</a:t>
+            </a:r>
+            <a:endParaRPr lang="en-US" altLang="ko-KR" spc="-150" dirty="0" smtClean="0"/>
+          </a:p>
+          <a:p>
+            <a:r>
+              <a:rPr lang="ko-KR" altLang="en-US" spc="-150" dirty="0" smtClean="0"/>
+              <a:t>이동한 플레이어 위치를 출력한다</a:t>
+            </a:r>
+            <a:r>
+              <a:rPr lang="en-US" altLang="ko-KR" spc="-150" dirty="0" smtClean="0"/>
+              <a:t>.</a:t>
+            </a:r>
+            <a:endParaRPr lang="en-US" altLang="ko-KR" spc="-150" dirty="0" smtClean="0"/>
+          </a:p>
+        </p:txBody>
+      </p:sp>
+    </p:spTree>
+    <p:extLst>
+      <p:ext uri="{BB962C8B-B14F-4D97-AF65-F5344CB8AC3E}">
+        <p14:creationId xmlns:p14="http://schemas.microsoft.com/office/powerpoint/2010/main" val="2659282415"/>
+      </p:ext>
+    </p:extLst>
+  </p:cSld>
+  <p:clrMapOvr>
+    <a:masterClrMapping/>
+  </p:clrMapOvr>
+  <p:transition spd="slow">
+    <p:push dir="u"/>
+  </p:transition>
+  <p:timing>
+    <p:tnLst>
+      <p:par>
+        <p:cTn id="1" dur="indefinite" restart="never" nodeType="tmRoot">
+          <p:childTnLst>
+            <p:seq concurrent="1" nextAc="seek">
+              <p:cTn id="2" dur="indefinite" nodeType="mainSeq">
+                <p:childTnLst>
+                  <p:par>
+                    <p:cTn id="3" fill="hold">
+                      <p:stCondLst>
+                        <p:cond delay="indefinite"/>
+                      </p:stCondLst>
+                      <p:childTnLst>
+                        <p:par>
+                          <p:cTn id="4" fill="hold">
+                            <p:stCondLst>
+                              <p:cond delay="0"/>
+                            </p:stCondLst>
+                            <p:childTnLst>
+                              <p:par>
+                                <p:cTn id="5" presetID="2" presetClass="exit" presetSubtype="4" fill="hold" nodeType="clickEffect">
+                                  <p:stCondLst>
+                                    <p:cond delay="0"/>
+                                  </p:stCondLst>
+                                  <p:childTnLst>
+                                    <p:anim calcmode="lin" valueType="num">
+                                      <p:cBhvr additive="base">
+                                        <p:cTn id="6" dur="500"/>
+                                        <p:tgtEl>
+                                          <p:spTgt spid="2051"/>
+                                        </p:tgtEl>
+                                        <p:attrNameLst>
+                                          <p:attrName>ppt_x</p:attrName>
+                                        </p:attrNameLst>
+                                      </p:cBhvr>
+                                      <p:tavLst>
+                                        <p:tav tm="0">
+                                          <p:val>
+                                            <p:strVal val="ppt_x"/>
+                                          </p:val>
+                                        </p:tav>
+                                        <p:tav tm="100000">
+                                          <p:val>
+                                            <p:strVal val="ppt_x"/>
+                                          </p:val>
+                                        </p:tav>
+                                      </p:tavLst>
+                                    </p:anim>
+                                    <p:anim calcmode="lin" valueType="num">
+                                      <p:cBhvr additive="base">
+                                        <p:cTn id="7" dur="500"/>
+                                        <p:tgtEl>
+                                          <p:spTgt spid="2051"/>
+                                        </p:tgtEl>
+                                        <p:attrNameLst>
+                                          <p:attrName>ppt_y</p:attrName>
+                                        </p:attrNameLst>
+                                      </p:cBhvr>
+                                      <p:tavLst>
+                                        <p:tav tm="0">
+                                          <p:val>
+                                            <p:strVal val="ppt_y"/>
+                                          </p:val>
+                                        </p:tav>
+                                        <p:tav tm="100000">
+                                          <p:val>
+                                            <p:strVal val="1+ppt_h/2"/>
+                                          </p:val>
+                                        </p:tav>
+                                      </p:tavLst>
+                                    </p:anim>
+                                    <p:set>
+                                      <p:cBhvr>
+                                        <p:cTn id="8" dur="1" fill="hold">
+                                          <p:stCondLst>
+                                            <p:cond delay="499"/>
+                                          </p:stCondLst>
+                                        </p:cTn>
+                                        <p:tgtEl>
+                                          <p:spTgt spid="2051"/>
+                                        </p:tgtEl>
+                                        <p:attrNameLst>
+                                          <p:attrName>style.visibility</p:attrName>
+                                        </p:attrNameLst>
+                                      </p:cBhvr>
+                                      <p:to>
+                                        <p:strVal val="hidden"/>
+                                      </p:to>
+                                    </p:set>
+                                  </p:childTnLst>
+                                </p:cTn>
+                              </p:par>
+                              <p:par>
+                                <p:cTn id="9" presetID="2" presetClass="exit" presetSubtype="4" fill="hold" grpId="0" nodeType="withEffect">
+                                  <p:stCondLst>
+                                    <p:cond delay="0"/>
+                                  </p:stCondLst>
+                                  <p:childTnLst>
+                                    <p:anim calcmode="lin" valueType="num">
+                                      <p:cBhvr additive="base">
+                                        <p:cTn id="10" dur="500"/>
+                                        <p:tgtEl>
+                                          <p:spTgt spid="3"/>
+                                        </p:tgtEl>
+                                        <p:attrNameLst>
+                                          <p:attrName>ppt_x</p:attrName>
+                                        </p:attrNameLst>
+                                      </p:cBhvr>
+                                      <p:tavLst>
+                                        <p:tav tm="0">
+                                          <p:val>
+                                            <p:strVal val="ppt_x"/>
+                                          </p:val>
+                                        </p:tav>
+                                        <p:tav tm="100000">
+                                          <p:val>
+                                            <p:strVal val="ppt_x"/>
+                                          </p:val>
+                                        </p:tav>
+                                      </p:tavLst>
+                                    </p:anim>
+                                    <p:anim calcmode="lin" valueType="num">
+                                      <p:cBhvr additive="base">
+                                        <p:cTn id="11" dur="500"/>
+                                        <p:tgtEl>
+                                          <p:spTgt spid="3"/>
+                                        </p:tgtEl>
+                                        <p:attrNameLst>
+                                          <p:attrName>ppt_y</p:attrName>
+                                        </p:attrNameLst>
+                                      </p:cBhvr>
+                                      <p:tavLst>
+                                        <p:tav tm="0">
+                                          <p:val>
+                                            <p:strVal val="ppt_y"/>
+                                          </p:val>
+                                        </p:tav>
+                                        <p:tav tm="100000">
+                                          <p:val>
+                                            <p:strVal val="1+ppt_h/2"/>
+                                          </p:val>
+                                        </p:tav>
+                                      </p:tavLst>
+                                    </p:anim>
+                                    <p:set>
+                                      <p:cBhvr>
+                                        <p:cTn id="12" dur="1" fill="hold">
+                                          <p:stCondLst>
+                                            <p:cond delay="499"/>
+                                          </p:stCondLst>
+                                        </p:cTn>
+                                        <p:tgtEl>
+                                          <p:spTgt spid="3"/>
+                                        </p:tgtEl>
+                                        <p:attrNameLst>
+                                          <p:attrName>style.visibility</p:attrName>
+                                        </p:attrNameLst>
+                                      </p:cBhvr>
+                                      <p:to>
+                                        <p:strVal val="hidden"/>
+                                      </p:to>
+                                    </p:set>
+                                  </p:childTnLst>
+                                </p:cTn>
+                              </p:par>
+                              <p:par>
+                                <p:cTn id="13" presetID="42" presetClass="entr" presetSubtype="0" fill="hold" nodeType="withEffect">
+                                  <p:stCondLst>
+                                    <p:cond delay="0"/>
+                                  </p:stCondLst>
+                                  <p:childTnLst>
+                                    <p:set>
+                                      <p:cBhvr>
+                                        <p:cTn id="14" dur="1" fill="hold">
+                                          <p:stCondLst>
+                                            <p:cond delay="0"/>
+                                          </p:stCondLst>
+                                        </p:cTn>
+                                        <p:tgtEl>
+                                          <p:spTgt spid="2050"/>
+                                        </p:tgtEl>
+                                        <p:attrNameLst>
+                                          <p:attrName>style.visibility</p:attrName>
+                                        </p:attrNameLst>
+                                      </p:cBhvr>
+                                      <p:to>
+                                        <p:strVal val="visible"/>
+                                      </p:to>
+                                    </p:set>
+                                    <p:animEffect transition="in" filter="fade">
+                                      <p:cBhvr>
+                                        <p:cTn id="15" dur="1000"/>
+                                        <p:tgtEl>
+                                          <p:spTgt spid="2050"/>
+                                        </p:tgtEl>
+                                      </p:cBhvr>
+                                    </p:animEffect>
+                                    <p:anim calcmode="lin" valueType="num">
+                                      <p:cBhvr>
+                                        <p:cTn id="16" dur="1000" fill="hold"/>
+                                        <p:tgtEl>
+                                          <p:spTgt spid="2050"/>
+                                        </p:tgtEl>
+                                        <p:attrNameLst>
+                                          <p:attrName>ppt_x</p:attrName>
+                                        </p:attrNameLst>
+                                      </p:cBhvr>
+                                      <p:tavLst>
+                                        <p:tav tm="0">
+                                          <p:val>
+                                            <p:strVal val="#ppt_x"/>
+                                          </p:val>
+                                        </p:tav>
+                                        <p:tav tm="100000">
+                                          <p:val>
+                                            <p:strVal val="#ppt_x"/>
+                                          </p:val>
+                                        </p:tav>
+                                      </p:tavLst>
+                                    </p:anim>
+                                    <p:anim calcmode="lin" valueType="num">
+                                      <p:cBhvr>
+                                        <p:cTn id="17" dur="1000" fill="hold"/>
+                                        <p:tgtEl>
+                                          <p:spTgt spid="2050"/>
+                                        </p:tgtEl>
+                                        <p:attrNameLst>
+                                          <p:attrName>ppt_y</p:attrName>
+                                        </p:attrNameLst>
+                                      </p:cBhvr>
+                                      <p:tavLst>
+                                        <p:tav tm="0">
+                                          <p:val>
+                                            <p:strVal val="#ppt_y+.1"/>
+                                          </p:val>
+                                        </p:tav>
+                                        <p:tav tm="100000">
+                                          <p:val>
+                                            <p:strVal val="#ppt_y"/>
+                                          </p:val>
+                                        </p:tav>
+                                      </p:tavLst>
+                                    </p:anim>
+                                  </p:childTnLst>
+                                </p:cTn>
+                              </p:par>
+                              <p:par>
+                                <p:cTn id="18" presetID="42" presetClass="entr" presetSubtype="0" fill="hold" grpId="0" nodeType="withEffect">
+                                  <p:stCondLst>
+                                    <p:cond delay="0"/>
+                                  </p:stCondLst>
+                                  <p:childTnLst>
+                                    <p:set>
+                                      <p:cBhvr>
+                                        <p:cTn id="19" dur="1" fill="hold">
+                                          <p:stCondLst>
+                                            <p:cond delay="0"/>
+                                          </p:stCondLst>
+                                        </p:cTn>
+                                        <p:tgtEl>
+                                          <p:spTgt spid="4"/>
+                                        </p:tgtEl>
+                                        <p:attrNameLst>
+                                          <p:attrName>style.visibility</p:attrName>
+                                        </p:attrNameLst>
+                                      </p:cBhvr>
+                                      <p:to>
+                                        <p:strVal val="visible"/>
+                                      </p:to>
+                                    </p:set>
+                                    <p:animEffect transition="in" filter="fade">
+                                      <p:cBhvr>
+                                        <p:cTn id="20" dur="1000"/>
+                                        <p:tgtEl>
+                                          <p:spTgt spid="4"/>
+                                        </p:tgtEl>
+                                      </p:cBhvr>
+                                    </p:animEffect>
+                                    <p:anim calcmode="lin" valueType="num">
+                                      <p:cBhvr>
+                                        <p:cTn id="21" dur="1000" fill="hold"/>
+                                        <p:tgtEl>
+                                          <p:spTgt spid="4"/>
+                                        </p:tgtEl>
+                                        <p:attrNameLst>
+                                          <p:attrName>ppt_x</p:attrName>
+                                        </p:attrNameLst>
+                                      </p:cBhvr>
+                                      <p:tavLst>
+                                        <p:tav tm="0">
+                                          <p:val>
+                                            <p:strVal val="#ppt_x"/>
+                                          </p:val>
+                                        </p:tav>
+                                        <p:tav tm="100000">
+                                          <p:val>
+                                            <p:strVal val="#ppt_x"/>
+                                          </p:val>
+                                        </p:tav>
+                                      </p:tavLst>
+                                    </p:anim>
+                                    <p:anim calcmode="lin" valueType="num">
+                                      <p:cBhvr>
+                                        <p:cTn id="22" dur="1000" fill="hold"/>
+                                        <p:tgtEl>
+                                          <p:spTgt spid="4"/>
+                                        </p:tgtEl>
+                                        <p:attrNameLst>
+                                          <p:attrName>ppt_y</p:attrName>
+                                        </p:attrNameLst>
+                                      </p:cBhvr>
+                                      <p:tavLst>
+                                        <p:tav tm="0">
+                                          <p:val>
+                                            <p:strVal val="#ppt_y+.1"/>
+                                          </p:val>
+                                        </p:tav>
+                                        <p:tav tm="100000">
+                                          <p:val>
+                                            <p:strVal val="#ppt_y"/>
+                                          </p:val>
+                                        </p:tav>
+                                      </p:tavLst>
+                                    </p:anim>
+                                  </p:childTnLst>
+                                </p:cTn>
+                              </p:par>
+                            </p:childTnLst>
+                          </p:cTn>
+                        </p:par>
+                      </p:childTnLst>
+                    </p:cTn>
+                  </p:par>
+                </p:childTnLst>
+              </p:cTn>
+              <p:prevCondLst>
+                <p:cond evt="onPrev" delay="0">
+                  <p:tgtEl>
+                    <p:sldTgt/>
+                  </p:tgtEl>
+                </p:cond>
+              </p:prevCondLst>
+              <p:nextCondLst>
+                <p:cond evt="onNext" delay="0">
+                  <p:tgtEl>
+                    <p:sldTgt/>
+                  </p:tgtEl>
+                </p:cond>
+              </p:nextCondLst>
+            </p:seq>
+          </p:childTnLst>
+        </p:cTn>
+      </p:par>
+    </p:tnLst>
+    <p:bldLst>
+      <p:bldP spid="3" grpId="0"/>
+      <p:bldP spid="4" grpId="0"/>
+    </p:bldLst>
+  </p:timing>
+</p:sld>
+</file>
+
+<file path=ppt/slides/slide12.xml><?xml version="1.0" encoding="utf-8"?>
+<p:sld xmlns:a="http://schemas.openxmlformats.org/drawingml/2006/main" xmlns:r="http://schemas.openxmlformats.org/officeDocument/2006/relationships" xmlns:p="http://schemas.openxmlformats.org/presentationml/2006/main">
+  <p:cSld>
+    <p:spTree>
+      <p:nvGrpSpPr>
+        <p:cNvPr id="1" name=""/>
+        <p:cNvGrpSpPr/>
+        <p:nvPr/>
+      </p:nvGrpSpPr>
+      <p:grpSpPr>
+        <a:xfrm>
+          <a:off x="0" y="0"/>
+          <a:ext cx="0" cy="0"/>
+          <a:chOff x="0" y="0"/>
+          <a:chExt cx="0" cy="0"/>
+        </a:xfrm>
+      </p:grpSpPr>
+      <p:sp>
+        <p:nvSpPr>
+          <p:cNvPr id="14" name="TextBox 13"/>
+          <p:cNvSpPr txBox="1"/>
+          <p:nvPr/>
+        </p:nvSpPr>
+        <p:spPr>
+          <a:xfrm>
+            <a:off x="1235030" y="298480"/>
+            <a:ext cx="1219347" cy="461665"/>
+          </a:xfrm>
+          <a:prstGeom prst="rect">
+            <a:avLst/>
+          </a:prstGeom>
+          <a:noFill/>
+          <a:scene3d>
+            <a:camera prst="obliqueBottomLeft"/>
+            <a:lightRig rig="threePt" dir="t"/>
+          </a:scene3d>
+        </p:spPr>
+        <p:txBody>
+          <a:bodyPr wrap="square" rtlCol="0">
+            <a:spAutoFit/>
+          </a:bodyPr>
+          <a:lstStyle/>
+          <a:p>
+            <a:r>
+              <a:rPr lang="en-US" altLang="ko-KR" sz="2400" spc="-300" dirty="0" smtClean="0">
+                <a:ln w="25400">
+                  <a:noFill/>
+                </a:ln>
+                <a:solidFill>
+                  <a:schemeClr val="tx1">
+                    <a:lumMod val="65000"/>
+                    <a:lumOff val="35000"/>
+                  </a:schemeClr>
+                </a:solidFill>
+                <a:latin typeface="나눔스퀘어 ExtraBold" panose="020B0600000101010101" pitchFamily="50" charset="-127"/>
+                <a:ea typeface="나눔스퀘어 ExtraBold" panose="020B0600000101010101" pitchFamily="50" charset="-127"/>
+              </a:rPr>
+              <a:t>03</a:t>
+            </a:r>
+            <a:endParaRPr lang="ko-KR" altLang="en-US" sz="2400" spc="-300" dirty="0">
+              <a:ln w="25400">
+                <a:noFill/>
+              </a:ln>
+              <a:solidFill>
+                <a:schemeClr val="tx1">
+                  <a:lumMod val="65000"/>
+                  <a:lumOff val="35000"/>
+                </a:schemeClr>
+              </a:solidFill>
+              <a:latin typeface="나눔스퀘어" panose="020B0600000101010101" pitchFamily="50" charset="-127"/>
+              <a:ea typeface="나눔스퀘어" panose="020B0600000101010101" pitchFamily="50" charset="-127"/>
+            </a:endParaRPr>
+          </a:p>
+        </p:txBody>
+      </p:sp>
+      <p:sp>
+        <p:nvSpPr>
+          <p:cNvPr id="15" name="TextBox 14"/>
+          <p:cNvSpPr txBox="1"/>
+          <p:nvPr/>
+        </p:nvSpPr>
+        <p:spPr>
+          <a:xfrm>
+            <a:off x="1683433" y="402496"/>
+            <a:ext cx="2886320" cy="307777"/>
+          </a:xfrm>
+          <a:prstGeom prst="rect">
+            <a:avLst/>
+          </a:prstGeom>
+          <a:noFill/>
+          <a:scene3d>
+            <a:camera prst="obliqueBottomLeft"/>
+            <a:lightRig rig="threePt" dir="t"/>
+          </a:scene3d>
+        </p:spPr>
+        <p:txBody>
+          <a:bodyPr wrap="square" rtlCol="0">
+            <a:spAutoFit/>
+          </a:bodyPr>
+          <a:lstStyle/>
+          <a:p>
+            <a:r>
+              <a:rPr lang="ko-KR" altLang="en-US" sz="1400" spc="-150" dirty="0" smtClean="0">
+                <a:ln w="25400">
+                  <a:noFill/>
+                </a:ln>
+                <a:solidFill>
+                  <a:schemeClr val="tx1">
+                    <a:lumMod val="65000"/>
+                    <a:lumOff val="35000"/>
+                  </a:schemeClr>
+                </a:solidFill>
+                <a:latin typeface="나눔스퀘어" panose="020B0600000101010101" pitchFamily="50" charset="-127"/>
+                <a:ea typeface="나눔스퀘어" panose="020B0600000101010101" pitchFamily="50" charset="-127"/>
+              </a:rPr>
+              <a:t>프로젝트 핵심 요소</a:t>
+            </a:r>
+            <a:endParaRPr lang="ko-KR" altLang="en-US" sz="1400" spc="-150" dirty="0">
+              <a:ln w="25400">
+                <a:noFill/>
+              </a:ln>
+              <a:solidFill>
+                <a:schemeClr val="tx1">
+                  <a:lumMod val="65000"/>
+                  <a:lumOff val="35000"/>
+                </a:schemeClr>
+              </a:solidFill>
+              <a:latin typeface="나눔스퀘어" panose="020B0600000101010101" pitchFamily="50" charset="-127"/>
+              <a:ea typeface="나눔스퀘어" panose="020B0600000101010101" pitchFamily="50" charset="-127"/>
+            </a:endParaRPr>
           </a:p>
         </p:txBody>
       </p:sp>
@@ -23208,13 +24330,510 @@
       </p:sp>
       <p:sp>
         <p:nvSpPr>
-          <p:cNvPr id="8" name="TextBox 7"/>
+          <p:cNvPr id="7" name="TextBox 6"/>
           <p:cNvSpPr txBox="1"/>
           <p:nvPr/>
         </p:nvSpPr>
         <p:spPr>
           <a:xfrm>
-            <a:off x="1252948" y="354893"/>
+            <a:off x="1252948" y="699328"/>
+            <a:ext cx="6629400" cy="523220"/>
+          </a:xfrm>
+          <a:prstGeom prst="rect">
+            <a:avLst/>
+          </a:prstGeom>
+          <a:noFill/>
+          <a:scene3d>
+            <a:camera prst="obliqueBottomLeft"/>
+            <a:lightRig rig="threePt" dir="t"/>
+          </a:scene3d>
+        </p:spPr>
+        <p:txBody>
+          <a:bodyPr wrap="square" rtlCol="0">
+            <a:spAutoFit/>
+          </a:bodyPr>
+          <a:lstStyle/>
+          <a:p>
+            <a:r>
+              <a:rPr lang="ko-KR" altLang="en-US" sz="2800" spc="-150" dirty="0" smtClean="0">
+                <a:solidFill>
+                  <a:schemeClr val="tx1">
+                    <a:lumMod val="75000"/>
+                    <a:lumOff val="25000"/>
+                  </a:schemeClr>
+                </a:solidFill>
+                <a:latin typeface="나눔스퀘어" panose="020B0600000101010101" pitchFamily="50" charset="-127"/>
+                <a:ea typeface="나눔스퀘어" panose="020B0600000101010101" pitchFamily="50" charset="-127"/>
+              </a:rPr>
+              <a:t>캐릭터 움직임 구현 </a:t>
+            </a:r>
+            <a:r>
+              <a:rPr lang="en-US" altLang="ko-KR" sz="2800" spc="-150" dirty="0" smtClean="0">
+                <a:solidFill>
+                  <a:schemeClr val="tx1">
+                    <a:lumMod val="75000"/>
+                    <a:lumOff val="25000"/>
+                  </a:schemeClr>
+                </a:solidFill>
+                <a:latin typeface="나눔스퀘어" panose="020B0600000101010101" pitchFamily="50" charset="-127"/>
+                <a:ea typeface="나눔스퀘어" panose="020B0600000101010101" pitchFamily="50" charset="-127"/>
+              </a:rPr>
+              <a:t>– 2. Enemy</a:t>
+            </a:r>
+            <a:endParaRPr lang="ko-KR" altLang="en-US" sz="2800" spc="-150" dirty="0">
+              <a:solidFill>
+                <a:schemeClr val="tx1">
+                  <a:lumMod val="75000"/>
+                  <a:lumOff val="25000"/>
+                </a:schemeClr>
+              </a:solidFill>
+              <a:latin typeface="나눔스퀘어" panose="020B0600000101010101" pitchFamily="50" charset="-127"/>
+              <a:ea typeface="나눔스퀘어" panose="020B0600000101010101" pitchFamily="50" charset="-127"/>
+            </a:endParaRPr>
+          </a:p>
+        </p:txBody>
+      </p:sp>
+      <p:pic>
+        <p:nvPicPr>
+          <p:cNvPr id="3074" name="Picture 2"/>
+          <p:cNvPicPr>
+            <a:picLocks noChangeAspect="1" noChangeArrowheads="1"/>
+          </p:cNvPicPr>
+          <p:nvPr/>
+        </p:nvPicPr>
+        <p:blipFill>
+          <a:blip r:embed="rId2">
+            <a:extLst>
+              <a:ext uri="{28A0092B-C50C-407E-A947-70E740481C1C}">
+                <a14:useLocalDpi xmlns:a14="http://schemas.microsoft.com/office/drawing/2010/main" val="0"/>
+              </a:ext>
+            </a:extLst>
+          </a:blip>
+          <a:srcRect/>
+          <a:stretch>
+            <a:fillRect/>
+          </a:stretch>
+        </p:blipFill>
+        <p:spPr bwMode="auto">
+          <a:xfrm>
+            <a:off x="646112" y="1222548"/>
+            <a:ext cx="5210175" cy="5200650"/>
+          </a:xfrm>
+          <a:prstGeom prst="rect">
+            <a:avLst/>
+          </a:prstGeom>
+          <a:noFill/>
+          <a:ln>
+            <a:noFill/>
+          </a:ln>
+          <a:extLst>
+            <a:ext uri="{909E8E84-426E-40DD-AFC4-6F175D3DCCD1}">
+              <a14:hiddenFill xmlns:a14="http://schemas.microsoft.com/office/drawing/2010/main">
+                <a:solidFill>
+                  <a:schemeClr val="accent1"/>
+                </a:solidFill>
+              </a14:hiddenFill>
+            </a:ext>
+            <a:ext uri="{91240B29-F687-4F45-9708-019B960494DF}">
+              <a14:hiddenLine xmlns:a14="http://schemas.microsoft.com/office/drawing/2010/main" w="9525">
+                <a:solidFill>
+                  <a:schemeClr val="tx1"/>
+                </a:solidFill>
+                <a:miter lim="800000"/>
+                <a:headEnd/>
+                <a:tailEnd/>
+              </a14:hiddenLine>
+            </a:ext>
+          </a:extLst>
+        </p:spPr>
+      </p:pic>
+      <p:sp>
+        <p:nvSpPr>
+          <p:cNvPr id="3" name="TextBox 2"/>
+          <p:cNvSpPr txBox="1"/>
+          <p:nvPr/>
+        </p:nvSpPr>
+        <p:spPr>
+          <a:xfrm>
+            <a:off x="5859535" y="2807210"/>
+            <a:ext cx="5472113" cy="2031325"/>
+          </a:xfrm>
+          <a:prstGeom prst="rect">
+            <a:avLst/>
+          </a:prstGeom>
+          <a:noFill/>
+          <a:scene3d>
+            <a:camera prst="obliqueBottomLeft"/>
+            <a:lightRig rig="threePt" dir="t"/>
+          </a:scene3d>
+        </p:spPr>
+        <p:txBody>
+          <a:bodyPr wrap="square" rtlCol="0">
+            <a:spAutoFit/>
+          </a:bodyPr>
+          <a:lstStyle/>
+          <a:p>
+            <a:r>
+              <a:rPr lang="en-US" altLang="ko-KR" spc="-150" dirty="0" smtClean="0"/>
+              <a:t>1. </a:t>
+            </a:r>
+            <a:r>
+              <a:rPr lang="ko-KR" altLang="en-US" spc="-150" dirty="0" smtClean="0"/>
+              <a:t>앞</a:t>
+            </a:r>
+            <a:r>
+              <a:rPr lang="en-US" altLang="ko-KR" spc="-150" dirty="0" smtClean="0"/>
+              <a:t>, </a:t>
+            </a:r>
+            <a:r>
+              <a:rPr lang="ko-KR" altLang="en-US" spc="-150" dirty="0" smtClean="0"/>
+              <a:t>좌</a:t>
+            </a:r>
+            <a:r>
+              <a:rPr lang="en-US" altLang="ko-KR" spc="-150" dirty="0" smtClean="0"/>
+              <a:t>, </a:t>
+            </a:r>
+            <a:r>
+              <a:rPr lang="ko-KR" altLang="en-US" spc="-150" dirty="0" smtClean="0"/>
+              <a:t>우 중 랜덤으로  방향을 정해서 진행</a:t>
+            </a:r>
+            <a:r>
+              <a:rPr lang="en-US" altLang="ko-KR" spc="-150" dirty="0" smtClean="0"/>
+              <a:t>(</a:t>
+            </a:r>
+            <a:r>
+              <a:rPr lang="ko-KR" altLang="en-US" spc="-150" dirty="0" smtClean="0"/>
+              <a:t>벽이 없을 경우</a:t>
+            </a:r>
+            <a:r>
+              <a:rPr lang="en-US" altLang="ko-KR" spc="-150" dirty="0" smtClean="0"/>
+              <a:t>)</a:t>
+            </a:r>
+          </a:p>
+          <a:p>
+            <a:endParaRPr lang="en-US" altLang="ko-KR" spc="-150" dirty="0" smtClean="0"/>
+          </a:p>
+          <a:p>
+            <a:r>
+              <a:rPr lang="en-US" altLang="ko-KR" spc="-150" dirty="0" smtClean="0"/>
+              <a:t>2. </a:t>
+            </a:r>
+            <a:r>
+              <a:rPr lang="ko-KR" altLang="en-US" spc="-150" dirty="0" smtClean="0"/>
+              <a:t>벽이 있을 경우 다시 랜덤으로 방향을 정해서  </a:t>
+            </a:r>
+            <a:r>
+              <a:rPr lang="en-US" altLang="ko-KR" spc="-150" dirty="0" smtClean="0"/>
+              <a:t>1 </a:t>
+            </a:r>
+            <a:r>
+              <a:rPr lang="ko-KR" altLang="en-US" spc="-150" dirty="0" smtClean="0"/>
+              <a:t>실행</a:t>
+            </a:r>
+            <a:endParaRPr lang="en-US" altLang="ko-KR" spc="-150" dirty="0" smtClean="0"/>
+          </a:p>
+          <a:p>
+            <a:endParaRPr lang="en-US" altLang="ko-KR" spc="-150" dirty="0"/>
+          </a:p>
+          <a:p>
+            <a:r>
+              <a:rPr lang="en-US" altLang="ko-KR" spc="-150" dirty="0" smtClean="0"/>
+              <a:t>3. </a:t>
+            </a:r>
+            <a:r>
+              <a:rPr lang="ko-KR" altLang="en-US" spc="-150" dirty="0" smtClean="0"/>
+              <a:t>일정 횟수 동안 진행하지 못할 경우 뒤로 진행</a:t>
+            </a:r>
+            <a:r>
+              <a:rPr lang="en-US" altLang="ko-KR" spc="-150" dirty="0" smtClean="0"/>
+              <a:t>.</a:t>
+            </a:r>
+          </a:p>
+          <a:p>
+            <a:endParaRPr lang="en-US" altLang="ko-KR" spc="-150" dirty="0"/>
+          </a:p>
+          <a:p>
+            <a:endParaRPr lang="ko-KR" altLang="en-US" spc="-150" dirty="0" smtClean="0"/>
+          </a:p>
+        </p:txBody>
+      </p:sp>
+    </p:spTree>
+    <p:extLst>
+      <p:ext uri="{BB962C8B-B14F-4D97-AF65-F5344CB8AC3E}">
+        <p14:creationId xmlns:p14="http://schemas.microsoft.com/office/powerpoint/2010/main" val="3371084920"/>
+      </p:ext>
+    </p:extLst>
+  </p:cSld>
+  <p:clrMapOvr>
+    <a:masterClrMapping/>
+  </p:clrMapOvr>
+  <p:transition spd="slow">
+    <p:push dir="u"/>
+  </p:transition>
+  <p:timing>
+    <p:tnLst>
+      <p:par>
+        <p:cTn id="1" dur="indefinite" restart="never" nodeType="tmRoot">
+          <p:childTnLst>
+            <p:seq concurrent="1" nextAc="seek">
+              <p:cTn id="2" dur="indefinite" nodeType="mainSeq">
+                <p:childTnLst>
+                  <p:par>
+                    <p:cTn id="3" fill="hold">
+                      <p:stCondLst>
+                        <p:cond delay="indefinite"/>
+                      </p:stCondLst>
+                      <p:childTnLst>
+                        <p:par>
+                          <p:cTn id="4" fill="hold">
+                            <p:stCondLst>
+                              <p:cond delay="0"/>
+                            </p:stCondLst>
+                            <p:childTnLst>
+                              <p:par>
+                                <p:cTn id="5" presetID="22" presetClass="entr" presetSubtype="4" fill="hold" nodeType="clickEffect">
+                                  <p:stCondLst>
+                                    <p:cond delay="0"/>
+                                  </p:stCondLst>
+                                  <p:childTnLst>
+                                    <p:set>
+                                      <p:cBhvr>
+                                        <p:cTn id="6" dur="1" fill="hold">
+                                          <p:stCondLst>
+                                            <p:cond delay="0"/>
+                                          </p:stCondLst>
+                                        </p:cTn>
+                                        <p:tgtEl>
+                                          <p:spTgt spid="3074"/>
+                                        </p:tgtEl>
+                                        <p:attrNameLst>
+                                          <p:attrName>style.visibility</p:attrName>
+                                        </p:attrNameLst>
+                                      </p:cBhvr>
+                                      <p:to>
+                                        <p:strVal val="visible"/>
+                                      </p:to>
+                                    </p:set>
+                                    <p:animEffect transition="in" filter="wipe(down)">
+                                      <p:cBhvr>
+                                        <p:cTn id="7" dur="500"/>
+                                        <p:tgtEl>
+                                          <p:spTgt spid="3074"/>
+                                        </p:tgtEl>
+                                      </p:cBhvr>
+                                    </p:animEffect>
+                                  </p:childTnLst>
+                                </p:cTn>
+                              </p:par>
+                              <p:par>
+                                <p:cTn id="8" presetID="22" presetClass="entr" presetSubtype="4" fill="hold" grpId="0" nodeType="withEffect">
+                                  <p:stCondLst>
+                                    <p:cond delay="0"/>
+                                  </p:stCondLst>
+                                  <p:childTnLst>
+                                    <p:set>
+                                      <p:cBhvr>
+                                        <p:cTn id="9" dur="1" fill="hold">
+                                          <p:stCondLst>
+                                            <p:cond delay="0"/>
+                                          </p:stCondLst>
+                                        </p:cTn>
+                                        <p:tgtEl>
+                                          <p:spTgt spid="3"/>
+                                        </p:tgtEl>
+                                        <p:attrNameLst>
+                                          <p:attrName>style.visibility</p:attrName>
+                                        </p:attrNameLst>
+                                      </p:cBhvr>
+                                      <p:to>
+                                        <p:strVal val="visible"/>
+                                      </p:to>
+                                    </p:set>
+                                    <p:animEffect transition="in" filter="wipe(down)">
+                                      <p:cBhvr>
+                                        <p:cTn id="10" dur="500"/>
+                                        <p:tgtEl>
+                                          <p:spTgt spid="3"/>
+                                        </p:tgtEl>
+                                      </p:cBhvr>
+                                    </p:animEffect>
+                                  </p:childTnLst>
+                                </p:cTn>
+                              </p:par>
+                            </p:childTnLst>
+                          </p:cTn>
+                        </p:par>
+                      </p:childTnLst>
+                    </p:cTn>
+                  </p:par>
+                </p:childTnLst>
+              </p:cTn>
+              <p:prevCondLst>
+                <p:cond evt="onPrev" delay="0">
+                  <p:tgtEl>
+                    <p:sldTgt/>
+                  </p:tgtEl>
+                </p:cond>
+              </p:prevCondLst>
+              <p:nextCondLst>
+                <p:cond evt="onNext" delay="0">
+                  <p:tgtEl>
+                    <p:sldTgt/>
+                  </p:tgtEl>
+                </p:cond>
+              </p:nextCondLst>
+            </p:seq>
+          </p:childTnLst>
+        </p:cTn>
+      </p:par>
+    </p:tnLst>
+    <p:bldLst>
+      <p:bldP spid="3" grpId="0"/>
+    </p:bldLst>
+  </p:timing>
+</p:sld>
+</file>
+
+<file path=ppt/slides/slide13.xml><?xml version="1.0" encoding="utf-8"?>
+<p:sld xmlns:a="http://schemas.openxmlformats.org/drawingml/2006/main" xmlns:r="http://schemas.openxmlformats.org/officeDocument/2006/relationships" xmlns:p="http://schemas.openxmlformats.org/presentationml/2006/main">
+  <p:cSld>
+    <p:spTree>
+      <p:nvGrpSpPr>
+        <p:cNvPr id="1" name=""/>
+        <p:cNvGrpSpPr/>
+        <p:nvPr/>
+      </p:nvGrpSpPr>
+      <p:grpSpPr>
+        <a:xfrm>
+          <a:off x="0" y="0"/>
+          <a:ext cx="0" cy="0"/>
+          <a:chOff x="0" y="0"/>
+          <a:chExt cx="0" cy="0"/>
+        </a:xfrm>
+      </p:grpSpPr>
+      <p:sp>
+        <p:nvSpPr>
+          <p:cNvPr id="5" name="TextBox 4"/>
+          <p:cNvSpPr txBox="1"/>
+          <p:nvPr/>
+        </p:nvSpPr>
+        <p:spPr>
+          <a:xfrm>
+            <a:off x="6884879" y="1948065"/>
+            <a:ext cx="4565379" cy="380823"/>
+          </a:xfrm>
+          <a:prstGeom prst="rect">
+            <a:avLst/>
+          </a:prstGeom>
+          <a:noFill/>
+          <a:scene3d>
+            <a:camera prst="obliqueBottomLeft"/>
+            <a:lightRig rig="threePt" dir="t"/>
+          </a:scene3d>
+        </p:spPr>
+        <p:txBody>
+          <a:bodyPr wrap="square" rtlCol="0">
+            <a:spAutoFit/>
+          </a:bodyPr>
+          <a:lstStyle/>
+          <a:p>
+            <a:r>
+              <a:rPr lang="ko-KR" altLang="en-US" b="1" spc="-150" dirty="0" smtClean="0">
+                <a:solidFill>
+                  <a:schemeClr val="bg1"/>
+                </a:solidFill>
+                <a:latin typeface="나눔스퀘어 ExtraBold" panose="020B0600000101010101" pitchFamily="50" charset="-127"/>
+                <a:ea typeface="나눔스퀘어 ExtraBold" panose="020B0600000101010101" pitchFamily="50" charset="-127"/>
+              </a:rPr>
+              <a:t>단에 </a:t>
+            </a:r>
+            <a:r>
+              <a:rPr lang="ko-KR" altLang="en-US" b="1" spc="-150" dirty="0">
+                <a:solidFill>
+                  <a:schemeClr val="bg1"/>
+                </a:solidFill>
+                <a:latin typeface="나눔스퀘어 ExtraBold" panose="020B0600000101010101" pitchFamily="50" charset="-127"/>
+                <a:ea typeface="나눔스퀘어 ExtraBold" panose="020B0600000101010101" pitchFamily="50" charset="-127"/>
+              </a:rPr>
+              <a:t>어울리는 소제목을 적어주세요</a:t>
+            </a:r>
+          </a:p>
+        </p:txBody>
+      </p:sp>
+      <p:sp>
+        <p:nvSpPr>
+          <p:cNvPr id="13" name="TextBox 12"/>
+          <p:cNvSpPr txBox="1"/>
+          <p:nvPr/>
+        </p:nvSpPr>
+        <p:spPr>
+          <a:xfrm>
+            <a:off x="1252948" y="699328"/>
+            <a:ext cx="6629400" cy="523220"/>
+          </a:xfrm>
+          <a:prstGeom prst="rect">
+            <a:avLst/>
+          </a:prstGeom>
+          <a:noFill/>
+          <a:scene3d>
+            <a:camera prst="obliqueBottomLeft"/>
+            <a:lightRig rig="threePt" dir="t"/>
+          </a:scene3d>
+        </p:spPr>
+        <p:txBody>
+          <a:bodyPr wrap="square" rtlCol="0">
+            <a:spAutoFit/>
+          </a:bodyPr>
+          <a:lstStyle/>
+          <a:p>
+            <a:r>
+              <a:rPr lang="ko-KR" altLang="en-US" sz="2800" spc="-150" dirty="0" smtClean="0">
+                <a:solidFill>
+                  <a:schemeClr val="tx1">
+                    <a:lumMod val="75000"/>
+                    <a:lumOff val="25000"/>
+                  </a:schemeClr>
+                </a:solidFill>
+                <a:latin typeface="나눔스퀘어" panose="020B0600000101010101" pitchFamily="50" charset="-127"/>
+                <a:ea typeface="나눔스퀘어" panose="020B0600000101010101" pitchFamily="50" charset="-127"/>
+              </a:rPr>
+              <a:t>문제 및 화면 </a:t>
+            </a:r>
+            <a:r>
+              <a:rPr lang="ko-KR" altLang="en-US" sz="2800" spc="-150" dirty="0" smtClean="0">
+                <a:solidFill>
+                  <a:schemeClr val="tx1">
+                    <a:lumMod val="75000"/>
+                    <a:lumOff val="25000"/>
+                  </a:schemeClr>
+                </a:solidFill>
+                <a:latin typeface="나눔스퀘어" panose="020B0600000101010101" pitchFamily="50" charset="-127"/>
+                <a:ea typeface="나눔스퀘어" panose="020B0600000101010101" pitchFamily="50" charset="-127"/>
+              </a:rPr>
+              <a:t>출력 기능</a:t>
+            </a:r>
+            <a:endParaRPr lang="ko-KR" altLang="en-US" sz="2800" spc="-150" dirty="0">
+              <a:solidFill>
+                <a:schemeClr val="tx1">
+                  <a:lumMod val="75000"/>
+                  <a:lumOff val="25000"/>
+                </a:schemeClr>
+              </a:solidFill>
+              <a:latin typeface="나눔스퀘어" panose="020B0600000101010101" pitchFamily="50" charset="-127"/>
+              <a:ea typeface="나눔스퀘어" panose="020B0600000101010101" pitchFamily="50" charset="-127"/>
+            </a:endParaRPr>
+          </a:p>
+        </p:txBody>
+      </p:sp>
+      <p:sp>
+        <p:nvSpPr>
+          <p:cNvPr id="14" name="TextBox 13"/>
+          <p:cNvSpPr txBox="1"/>
+          <p:nvPr/>
+        </p:nvSpPr>
+        <p:spPr>
+          <a:xfrm>
+            <a:off x="1235030" y="298480"/>
             <a:ext cx="1219347" cy="461665"/>
           </a:xfrm>
           <a:prstGeom prst="rect">
@@ -23266,13 +24885,13 @@
       </p:sp>
       <p:sp>
         <p:nvSpPr>
-          <p:cNvPr id="9" name="TextBox 8"/>
+          <p:cNvPr id="15" name="TextBox 14"/>
           <p:cNvSpPr txBox="1"/>
           <p:nvPr/>
         </p:nvSpPr>
         <p:spPr>
           <a:xfrm>
-            <a:off x="1701351" y="458909"/>
+            <a:off x="1683433" y="402496"/>
             <a:ext cx="2886320" cy="307777"/>
           </a:xfrm>
           <a:prstGeom prst="rect">
@@ -23322,10 +24941,180 @@
           </a:p>
         </p:txBody>
       </p:sp>
+      <p:sp>
+        <p:nvSpPr>
+          <p:cNvPr id="16" name="TextBox 15"/>
+          <p:cNvSpPr txBox="1"/>
+          <p:nvPr/>
+        </p:nvSpPr>
+        <p:spPr>
+          <a:xfrm>
+            <a:off x="0" y="6422086"/>
+            <a:ext cx="12192000" cy="276999"/>
+          </a:xfrm>
+          <a:prstGeom prst="rect">
+            <a:avLst/>
+          </a:prstGeom>
+          <a:noFill/>
+          <a:scene3d>
+            <a:camera prst="obliqueBottomLeft"/>
+            <a:lightRig rig="threePt" dir="t"/>
+          </a:scene3d>
+        </p:spPr>
+        <p:txBody>
+          <a:bodyPr wrap="square" rtlCol="0">
+            <a:spAutoFit/>
+          </a:bodyPr>
+          <a:lstStyle/>
+          <a:p>
+            <a:pPr algn="ctr"/>
+            <a:r>
+              <a:rPr lang="en-US" altLang="ko-KR" sz="1200" spc="-150" dirty="0">
+                <a:solidFill>
+                  <a:schemeClr val="tx1">
+                    <a:lumMod val="75000"/>
+                    <a:lumOff val="25000"/>
+                  </a:schemeClr>
+                </a:solidFill>
+                <a:latin typeface="나눔스퀘어" panose="020B0600000101010101" pitchFamily="50" charset="-127"/>
+                <a:ea typeface="나눔스퀘어" panose="020B0600000101010101" pitchFamily="50" charset="-127"/>
+              </a:rPr>
+              <a:t>3</a:t>
+            </a:r>
+            <a:endParaRPr lang="ko-KR" altLang="en-US" sz="1200" spc="-150" dirty="0">
+              <a:solidFill>
+                <a:schemeClr val="tx1">
+                  <a:lumMod val="75000"/>
+                  <a:lumOff val="25000"/>
+                </a:schemeClr>
+              </a:solidFill>
+              <a:latin typeface="나눔스퀘어" panose="020B0600000101010101" pitchFamily="50" charset="-127"/>
+              <a:ea typeface="나눔스퀘어" panose="020B0600000101010101" pitchFamily="50" charset="-127"/>
+            </a:endParaRPr>
+          </a:p>
+        </p:txBody>
+      </p:sp>
+      <p:pic>
+        <p:nvPicPr>
+          <p:cNvPr id="4099" name="Picture 3"/>
+          <p:cNvPicPr>
+            <a:picLocks noChangeAspect="1" noChangeArrowheads="1"/>
+          </p:cNvPicPr>
+          <p:nvPr/>
+        </p:nvPicPr>
+        <p:blipFill>
+          <a:blip r:embed="rId2">
+            <a:extLst>
+              <a:ext uri="{28A0092B-C50C-407E-A947-70E740481C1C}">
+                <a14:useLocalDpi xmlns:a14="http://schemas.microsoft.com/office/drawing/2010/main" val="0"/>
+              </a:ext>
+            </a:extLst>
+          </a:blip>
+          <a:srcRect/>
+          <a:stretch>
+            <a:fillRect/>
+          </a:stretch>
+        </p:blipFill>
+        <p:spPr bwMode="auto">
+          <a:xfrm>
+            <a:off x="702945" y="1766570"/>
+            <a:ext cx="4629150" cy="3771900"/>
+          </a:xfrm>
+          <a:prstGeom prst="rect">
+            <a:avLst/>
+          </a:prstGeom>
+          <a:noFill/>
+          <a:ln>
+            <a:noFill/>
+          </a:ln>
+          <a:extLst>
+            <a:ext uri="{909E8E84-426E-40DD-AFC4-6F175D3DCCD1}">
+              <a14:hiddenFill xmlns:a14="http://schemas.microsoft.com/office/drawing/2010/main">
+                <a:solidFill>
+                  <a:schemeClr val="accent1"/>
+                </a:solidFill>
+              </a14:hiddenFill>
+            </a:ext>
+            <a:ext uri="{91240B29-F687-4F45-9708-019B960494DF}">
+              <a14:hiddenLine xmlns:a14="http://schemas.microsoft.com/office/drawing/2010/main" w="9525">
+                <a:solidFill>
+                  <a:schemeClr val="tx1"/>
+                </a:solidFill>
+                <a:miter lim="800000"/>
+                <a:headEnd/>
+                <a:tailEnd/>
+              </a14:hiddenLine>
+            </a:ext>
+          </a:extLst>
+        </p:spPr>
+      </p:pic>
+      <p:sp>
+        <p:nvSpPr>
+          <p:cNvPr id="2" name="TextBox 1"/>
+          <p:cNvSpPr txBox="1"/>
+          <p:nvPr/>
+        </p:nvSpPr>
+        <p:spPr>
+          <a:xfrm>
+            <a:off x="5332094" y="3259810"/>
+            <a:ext cx="5894705" cy="923330"/>
+          </a:xfrm>
+          <a:prstGeom prst="rect">
+            <a:avLst/>
+          </a:prstGeom>
+          <a:noFill/>
+          <a:scene3d>
+            <a:camera prst="obliqueBottomLeft"/>
+            <a:lightRig rig="threePt" dir="t"/>
+          </a:scene3d>
+        </p:spPr>
+        <p:txBody>
+          <a:bodyPr wrap="square" rtlCol="0">
+            <a:spAutoFit/>
+          </a:bodyPr>
+          <a:lstStyle/>
+          <a:p>
+            <a:r>
+              <a:rPr lang="ko-KR" altLang="en-US" spc="-150" dirty="0" smtClean="0"/>
+              <a:t>문제의 위치에 가게 되면  출력</a:t>
+            </a:r>
+            <a:endParaRPr lang="en-US" altLang="ko-KR" spc="-150" dirty="0" smtClean="0"/>
+          </a:p>
+          <a:p>
+            <a:endParaRPr lang="en-US" altLang="ko-KR" spc="-150" dirty="0"/>
+          </a:p>
+          <a:p>
+            <a:r>
+              <a:rPr lang="ko-KR" altLang="en-US" spc="-150" dirty="0" smtClean="0"/>
+              <a:t>문제의 답을 입력 후 정답 여부에 따라서 </a:t>
+            </a:r>
+            <a:r>
+              <a:rPr lang="en-US" altLang="ko-KR" spc="-150" dirty="0" smtClean="0"/>
+              <a:t>solved </a:t>
+            </a:r>
+            <a:r>
+              <a:rPr lang="ko-KR" altLang="en-US" spc="-150" dirty="0" smtClean="0"/>
+              <a:t>의</a:t>
+            </a:r>
+            <a:r>
+              <a:rPr lang="en-US" altLang="ko-KR" spc="-150" dirty="0"/>
+              <a:t> </a:t>
+            </a:r>
+            <a:r>
+              <a:rPr lang="ko-KR" altLang="en-US" spc="-150" dirty="0" smtClean="0"/>
+              <a:t>숫자 증가</a:t>
+            </a:r>
+            <a:r>
+              <a:rPr lang="en-US" altLang="ko-KR" spc="-150" dirty="0" smtClean="0"/>
+              <a:t>.</a:t>
+            </a:r>
+          </a:p>
+        </p:txBody>
+      </p:sp>
     </p:spTree>
     <p:extLst>
       <p:ext uri="{BB962C8B-B14F-4D97-AF65-F5344CB8AC3E}">
-        <p14:creationId xmlns:p14="http://schemas.microsoft.com/office/powerpoint/2010/main" val="3738529053"/>
+        <p14:creationId xmlns:p14="http://schemas.microsoft.com/office/powerpoint/2010/main" val="1627403952"/>
       </p:ext>
     </p:extLst>
   </p:cSld>
@@ -23338,14 +25127,1351 @@
   <p:timing>
     <p:tnLst>
       <p:par>
-        <p:cTn id="1" dur="indefinite" restart="never" nodeType="tmRoot"/>
+        <p:cTn id="1" dur="indefinite" restart="never" nodeType="tmRoot">
+          <p:childTnLst>
+            <p:seq concurrent="1" nextAc="seek">
+              <p:cTn id="2" dur="indefinite" nodeType="mainSeq">
+                <p:childTnLst>
+                  <p:par>
+                    <p:cTn id="3" fill="hold">
+                      <p:stCondLst>
+                        <p:cond delay="indefinite"/>
+                      </p:stCondLst>
+                      <p:childTnLst>
+                        <p:par>
+                          <p:cTn id="4" fill="hold">
+                            <p:stCondLst>
+                              <p:cond delay="0"/>
+                            </p:stCondLst>
+                            <p:childTnLst>
+                              <p:par>
+                                <p:cTn id="5" presetID="22" presetClass="entr" presetSubtype="4" fill="hold" grpId="0" nodeType="clickEffect">
+                                  <p:stCondLst>
+                                    <p:cond delay="0"/>
+                                  </p:stCondLst>
+                                  <p:childTnLst>
+                                    <p:set>
+                                      <p:cBhvr>
+                                        <p:cTn id="6" dur="1" fill="hold">
+                                          <p:stCondLst>
+                                            <p:cond delay="0"/>
+                                          </p:stCondLst>
+                                        </p:cTn>
+                                        <p:tgtEl>
+                                          <p:spTgt spid="5"/>
+                                        </p:tgtEl>
+                                        <p:attrNameLst>
+                                          <p:attrName>style.visibility</p:attrName>
+                                        </p:attrNameLst>
+                                      </p:cBhvr>
+                                      <p:to>
+                                        <p:strVal val="visible"/>
+                                      </p:to>
+                                    </p:set>
+                                    <p:animEffect transition="in" filter="wipe(down)">
+                                      <p:cBhvr>
+                                        <p:cTn id="7" dur="500"/>
+                                        <p:tgtEl>
+                                          <p:spTgt spid="5"/>
+                                        </p:tgtEl>
+                                      </p:cBhvr>
+                                    </p:animEffect>
+                                  </p:childTnLst>
+                                </p:cTn>
+                              </p:par>
+                              <p:par>
+                                <p:cTn id="8" presetID="22" presetClass="entr" presetSubtype="4" fill="hold" nodeType="withEffect">
+                                  <p:stCondLst>
+                                    <p:cond delay="0"/>
+                                  </p:stCondLst>
+                                  <p:childTnLst>
+                                    <p:set>
+                                      <p:cBhvr>
+                                        <p:cTn id="9" dur="1" fill="hold">
+                                          <p:stCondLst>
+                                            <p:cond delay="0"/>
+                                          </p:stCondLst>
+                                        </p:cTn>
+                                        <p:tgtEl>
+                                          <p:spTgt spid="4099"/>
+                                        </p:tgtEl>
+                                        <p:attrNameLst>
+                                          <p:attrName>style.visibility</p:attrName>
+                                        </p:attrNameLst>
+                                      </p:cBhvr>
+                                      <p:to>
+                                        <p:strVal val="visible"/>
+                                      </p:to>
+                                    </p:set>
+                                    <p:animEffect transition="in" filter="wipe(down)">
+                                      <p:cBhvr>
+                                        <p:cTn id="10" dur="500"/>
+                                        <p:tgtEl>
+                                          <p:spTgt spid="4099"/>
+                                        </p:tgtEl>
+                                      </p:cBhvr>
+                                    </p:animEffect>
+                                  </p:childTnLst>
+                                </p:cTn>
+                              </p:par>
+                              <p:par>
+                                <p:cTn id="11" presetID="22" presetClass="entr" presetSubtype="4" fill="hold" grpId="0" nodeType="withEffect">
+                                  <p:stCondLst>
+                                    <p:cond delay="0"/>
+                                  </p:stCondLst>
+                                  <p:childTnLst>
+                                    <p:set>
+                                      <p:cBhvr>
+                                        <p:cTn id="12" dur="1" fill="hold">
+                                          <p:stCondLst>
+                                            <p:cond delay="0"/>
+                                          </p:stCondLst>
+                                        </p:cTn>
+                                        <p:tgtEl>
+                                          <p:spTgt spid="2"/>
+                                        </p:tgtEl>
+                                        <p:attrNameLst>
+                                          <p:attrName>style.visibility</p:attrName>
+                                        </p:attrNameLst>
+                                      </p:cBhvr>
+                                      <p:to>
+                                        <p:strVal val="visible"/>
+                                      </p:to>
+                                    </p:set>
+                                    <p:animEffect transition="in" filter="wipe(down)">
+                                      <p:cBhvr>
+                                        <p:cTn id="13" dur="500"/>
+                                        <p:tgtEl>
+                                          <p:spTgt spid="2"/>
+                                        </p:tgtEl>
+                                      </p:cBhvr>
+                                    </p:animEffect>
+                                  </p:childTnLst>
+                                </p:cTn>
+                              </p:par>
+                            </p:childTnLst>
+                          </p:cTn>
+                        </p:par>
+                      </p:childTnLst>
+                    </p:cTn>
+                  </p:par>
+                </p:childTnLst>
+              </p:cTn>
+              <p:prevCondLst>
+                <p:cond evt="onPrev" delay="0">
+                  <p:tgtEl>
+                    <p:sldTgt/>
+                  </p:tgtEl>
+                </p:cond>
+              </p:prevCondLst>
+              <p:nextCondLst>
+                <p:cond evt="onNext" delay="0">
+                  <p:tgtEl>
+                    <p:sldTgt/>
+                  </p:tgtEl>
+                </p:cond>
+              </p:nextCondLst>
+            </p:seq>
+          </p:childTnLst>
+        </p:cTn>
       </p:par>
     </p:tnLst>
+    <p:bldLst>
+      <p:bldP spid="5" grpId="0"/>
+      <p:bldP spid="2" grpId="0"/>
+    </p:bldLst>
   </p:timing>
 </p:sld>
 </file>
 
-<file path=ppt/slides/slide12.xml><?xml version="1.0" encoding="utf-8"?>
+<file path=ppt/slides/slide14.xml><?xml version="1.0" encoding="utf-8"?>
+<p:sld xmlns:a="http://schemas.openxmlformats.org/drawingml/2006/main" xmlns:r="http://schemas.openxmlformats.org/officeDocument/2006/relationships" xmlns:p="http://schemas.openxmlformats.org/presentationml/2006/main">
+  <p:cSld>
+    <p:spTree>
+      <p:nvGrpSpPr>
+        <p:cNvPr id="1" name=""/>
+        <p:cNvGrpSpPr/>
+        <p:nvPr/>
+      </p:nvGrpSpPr>
+      <p:grpSpPr>
+        <a:xfrm>
+          <a:off x="0" y="0"/>
+          <a:ext cx="0" cy="0"/>
+          <a:chOff x="0" y="0"/>
+          <a:chExt cx="0" cy="0"/>
+        </a:xfrm>
+      </p:grpSpPr>
+      <p:sp>
+        <p:nvSpPr>
+          <p:cNvPr id="5" name="TextBox 4"/>
+          <p:cNvSpPr txBox="1"/>
+          <p:nvPr/>
+        </p:nvSpPr>
+        <p:spPr>
+          <a:xfrm>
+            <a:off x="6884879" y="1948065"/>
+            <a:ext cx="4565379" cy="380823"/>
+          </a:xfrm>
+          <a:prstGeom prst="rect">
+            <a:avLst/>
+          </a:prstGeom>
+          <a:noFill/>
+          <a:scene3d>
+            <a:camera prst="obliqueBottomLeft"/>
+            <a:lightRig rig="threePt" dir="t"/>
+          </a:scene3d>
+        </p:spPr>
+        <p:txBody>
+          <a:bodyPr wrap="square" rtlCol="0">
+            <a:spAutoFit/>
+          </a:bodyPr>
+          <a:lstStyle/>
+          <a:p>
+            <a:r>
+              <a:rPr lang="ko-KR" altLang="en-US" b="1" spc="-150" dirty="0" smtClean="0">
+                <a:solidFill>
+                  <a:schemeClr val="bg1"/>
+                </a:solidFill>
+                <a:latin typeface="나눔스퀘어 ExtraBold" panose="020B0600000101010101" pitchFamily="50" charset="-127"/>
+                <a:ea typeface="나눔스퀘어 ExtraBold" panose="020B0600000101010101" pitchFamily="50" charset="-127"/>
+              </a:rPr>
+              <a:t>단에 </a:t>
+            </a:r>
+            <a:r>
+              <a:rPr lang="ko-KR" altLang="en-US" b="1" spc="-150" dirty="0">
+                <a:solidFill>
+                  <a:schemeClr val="bg1"/>
+                </a:solidFill>
+                <a:latin typeface="나눔스퀘어 ExtraBold" panose="020B0600000101010101" pitchFamily="50" charset="-127"/>
+                <a:ea typeface="나눔스퀘어 ExtraBold" panose="020B0600000101010101" pitchFamily="50" charset="-127"/>
+              </a:rPr>
+              <a:t>어울리는 소제목을 적어주세요</a:t>
+            </a:r>
+          </a:p>
+        </p:txBody>
+      </p:sp>
+      <p:sp>
+        <p:nvSpPr>
+          <p:cNvPr id="13" name="TextBox 12"/>
+          <p:cNvSpPr txBox="1"/>
+          <p:nvPr/>
+        </p:nvSpPr>
+        <p:spPr>
+          <a:xfrm>
+            <a:off x="1252948" y="699328"/>
+            <a:ext cx="6629400" cy="523220"/>
+          </a:xfrm>
+          <a:prstGeom prst="rect">
+            <a:avLst/>
+          </a:prstGeom>
+          <a:noFill/>
+          <a:scene3d>
+            <a:camera prst="obliqueBottomLeft"/>
+            <a:lightRig rig="threePt" dir="t"/>
+          </a:scene3d>
+        </p:spPr>
+        <p:txBody>
+          <a:bodyPr wrap="square" rtlCol="0">
+            <a:spAutoFit/>
+          </a:bodyPr>
+          <a:lstStyle/>
+          <a:p>
+            <a:r>
+              <a:rPr lang="ko-KR" altLang="en-US" sz="2800" spc="-150" dirty="0" smtClean="0">
+                <a:solidFill>
+                  <a:schemeClr val="tx1">
+                    <a:lumMod val="75000"/>
+                    <a:lumOff val="25000"/>
+                  </a:schemeClr>
+                </a:solidFill>
+                <a:latin typeface="나눔스퀘어" panose="020B0600000101010101" pitchFamily="50" charset="-127"/>
+                <a:ea typeface="나눔스퀘어" panose="020B0600000101010101" pitchFamily="50" charset="-127"/>
+              </a:rPr>
+              <a:t>페널티 기능 </a:t>
+            </a:r>
+            <a:r>
+              <a:rPr lang="en-US" altLang="ko-KR" sz="2800" spc="-150" dirty="0" smtClean="0">
+                <a:solidFill>
+                  <a:schemeClr val="tx1">
+                    <a:lumMod val="75000"/>
+                    <a:lumOff val="25000"/>
+                  </a:schemeClr>
+                </a:solidFill>
+                <a:latin typeface="나눔스퀘어" panose="020B0600000101010101" pitchFamily="50" charset="-127"/>
+                <a:ea typeface="나눔스퀘어" panose="020B0600000101010101" pitchFamily="50" charset="-127"/>
+              </a:rPr>
+              <a:t>– </a:t>
+            </a:r>
+            <a:r>
+              <a:rPr lang="ko-KR" altLang="en-US" sz="2800" spc="-150" dirty="0" smtClean="0">
+                <a:solidFill>
+                  <a:schemeClr val="tx1">
+                    <a:lumMod val="75000"/>
+                    <a:lumOff val="25000"/>
+                  </a:schemeClr>
+                </a:solidFill>
+                <a:latin typeface="나눔스퀘어" panose="020B0600000101010101" pitchFamily="50" charset="-127"/>
+                <a:ea typeface="나눔스퀘어" panose="020B0600000101010101" pitchFamily="50" charset="-127"/>
+              </a:rPr>
+              <a:t>적대적 요소 난이도 증가</a:t>
+            </a:r>
+            <a:endParaRPr lang="ko-KR" altLang="en-US" sz="2800" spc="-150" dirty="0">
+              <a:solidFill>
+                <a:schemeClr val="tx1">
+                  <a:lumMod val="75000"/>
+                  <a:lumOff val="25000"/>
+                </a:schemeClr>
+              </a:solidFill>
+              <a:latin typeface="나눔스퀘어" panose="020B0600000101010101" pitchFamily="50" charset="-127"/>
+              <a:ea typeface="나눔스퀘어" panose="020B0600000101010101" pitchFamily="50" charset="-127"/>
+            </a:endParaRPr>
+          </a:p>
+        </p:txBody>
+      </p:sp>
+      <p:sp>
+        <p:nvSpPr>
+          <p:cNvPr id="14" name="TextBox 13"/>
+          <p:cNvSpPr txBox="1"/>
+          <p:nvPr/>
+        </p:nvSpPr>
+        <p:spPr>
+          <a:xfrm>
+            <a:off x="1235030" y="298480"/>
+            <a:ext cx="1219347" cy="461665"/>
+          </a:xfrm>
+          <a:prstGeom prst="rect">
+            <a:avLst/>
+          </a:prstGeom>
+          <a:noFill/>
+          <a:scene3d>
+            <a:camera prst="obliqueBottomLeft"/>
+            <a:lightRig rig="threePt" dir="t"/>
+          </a:scene3d>
+        </p:spPr>
+        <p:txBody>
+          <a:bodyPr wrap="square" rtlCol="0">
+            <a:spAutoFit/>
+          </a:bodyPr>
+          <a:lstStyle/>
+          <a:p>
+            <a:r>
+              <a:rPr lang="en-US" altLang="ko-KR" sz="2400" spc="-300" dirty="0" smtClean="0">
+                <a:ln w="25400">
+                  <a:noFill/>
+                </a:ln>
+                <a:solidFill>
+                  <a:schemeClr val="tx1">
+                    <a:lumMod val="65000"/>
+                    <a:lumOff val="35000"/>
+                  </a:schemeClr>
+                </a:solidFill>
+                <a:latin typeface="나눔스퀘어 ExtraBold" panose="020B0600000101010101" pitchFamily="50" charset="-127"/>
+                <a:ea typeface="나눔스퀘어 ExtraBold" panose="020B0600000101010101" pitchFamily="50" charset="-127"/>
+              </a:rPr>
+              <a:t>03</a:t>
+            </a:r>
+            <a:endParaRPr lang="ko-KR" altLang="en-US" sz="2400" spc="-300" dirty="0">
+              <a:ln w="25400">
+                <a:noFill/>
+              </a:ln>
+              <a:solidFill>
+                <a:schemeClr val="tx1">
+                  <a:lumMod val="65000"/>
+                  <a:lumOff val="35000"/>
+                </a:schemeClr>
+              </a:solidFill>
+              <a:latin typeface="나눔스퀘어" panose="020B0600000101010101" pitchFamily="50" charset="-127"/>
+              <a:ea typeface="나눔스퀘어" panose="020B0600000101010101" pitchFamily="50" charset="-127"/>
+            </a:endParaRPr>
+          </a:p>
+        </p:txBody>
+      </p:sp>
+      <p:sp>
+        <p:nvSpPr>
+          <p:cNvPr id="15" name="TextBox 14"/>
+          <p:cNvSpPr txBox="1"/>
+          <p:nvPr/>
+        </p:nvSpPr>
+        <p:spPr>
+          <a:xfrm>
+            <a:off x="1683433" y="402496"/>
+            <a:ext cx="2886320" cy="307777"/>
+          </a:xfrm>
+          <a:prstGeom prst="rect">
+            <a:avLst/>
+          </a:prstGeom>
+          <a:noFill/>
+          <a:scene3d>
+            <a:camera prst="obliqueBottomLeft"/>
+            <a:lightRig rig="threePt" dir="t"/>
+          </a:scene3d>
+        </p:spPr>
+        <p:txBody>
+          <a:bodyPr wrap="square" rtlCol="0">
+            <a:spAutoFit/>
+          </a:bodyPr>
+          <a:lstStyle/>
+          <a:p>
+            <a:r>
+              <a:rPr lang="ko-KR" altLang="en-US" sz="1400" spc="-150" dirty="0" smtClean="0">
+                <a:ln w="25400">
+                  <a:noFill/>
+                </a:ln>
+                <a:solidFill>
+                  <a:schemeClr val="tx1">
+                    <a:lumMod val="65000"/>
+                    <a:lumOff val="35000"/>
+                  </a:schemeClr>
+                </a:solidFill>
+                <a:latin typeface="나눔스퀘어" panose="020B0600000101010101" pitchFamily="50" charset="-127"/>
+                <a:ea typeface="나눔스퀘어" panose="020B0600000101010101" pitchFamily="50" charset="-127"/>
+              </a:rPr>
+              <a:t>프로젝트 핵심 요소</a:t>
+            </a:r>
+            <a:endParaRPr lang="ko-KR" altLang="en-US" sz="1400" spc="-150" dirty="0">
+              <a:ln w="25400">
+                <a:noFill/>
+              </a:ln>
+              <a:solidFill>
+                <a:schemeClr val="tx1">
+                  <a:lumMod val="65000"/>
+                  <a:lumOff val="35000"/>
+                </a:schemeClr>
+              </a:solidFill>
+              <a:latin typeface="나눔스퀘어" panose="020B0600000101010101" pitchFamily="50" charset="-127"/>
+              <a:ea typeface="나눔스퀘어" panose="020B0600000101010101" pitchFamily="50" charset="-127"/>
+            </a:endParaRPr>
+          </a:p>
+        </p:txBody>
+      </p:sp>
+      <p:sp>
+        <p:nvSpPr>
+          <p:cNvPr id="16" name="TextBox 15"/>
+          <p:cNvSpPr txBox="1"/>
+          <p:nvPr/>
+        </p:nvSpPr>
+        <p:spPr>
+          <a:xfrm>
+            <a:off x="0" y="6422086"/>
+            <a:ext cx="12192000" cy="276999"/>
+          </a:xfrm>
+          <a:prstGeom prst="rect">
+            <a:avLst/>
+          </a:prstGeom>
+          <a:noFill/>
+          <a:scene3d>
+            <a:camera prst="obliqueBottomLeft"/>
+            <a:lightRig rig="threePt" dir="t"/>
+          </a:scene3d>
+        </p:spPr>
+        <p:txBody>
+          <a:bodyPr wrap="square" rtlCol="0">
+            <a:spAutoFit/>
+          </a:bodyPr>
+          <a:lstStyle/>
+          <a:p>
+            <a:pPr algn="ctr"/>
+            <a:r>
+              <a:rPr lang="en-US" altLang="ko-KR" sz="1200" spc="-150" dirty="0">
+                <a:solidFill>
+                  <a:schemeClr val="tx1">
+                    <a:lumMod val="75000"/>
+                    <a:lumOff val="25000"/>
+                  </a:schemeClr>
+                </a:solidFill>
+                <a:latin typeface="나눔스퀘어" panose="020B0600000101010101" pitchFamily="50" charset="-127"/>
+                <a:ea typeface="나눔스퀘어" panose="020B0600000101010101" pitchFamily="50" charset="-127"/>
+              </a:rPr>
+              <a:t>3</a:t>
+            </a:r>
+            <a:endParaRPr lang="ko-KR" altLang="en-US" sz="1200" spc="-150" dirty="0">
+              <a:solidFill>
+                <a:schemeClr val="tx1">
+                  <a:lumMod val="75000"/>
+                  <a:lumOff val="25000"/>
+                </a:schemeClr>
+              </a:solidFill>
+              <a:latin typeface="나눔스퀘어" panose="020B0600000101010101" pitchFamily="50" charset="-127"/>
+              <a:ea typeface="나눔스퀘어" panose="020B0600000101010101" pitchFamily="50" charset="-127"/>
+            </a:endParaRPr>
+          </a:p>
+        </p:txBody>
+      </p:sp>
+      <p:pic>
+        <p:nvPicPr>
+          <p:cNvPr id="5122" name="Picture 2"/>
+          <p:cNvPicPr>
+            <a:picLocks noChangeAspect="1" noChangeArrowheads="1"/>
+          </p:cNvPicPr>
+          <p:nvPr/>
+        </p:nvPicPr>
+        <p:blipFill>
+          <a:blip r:embed="rId2">
+            <a:extLst>
+              <a:ext uri="{28A0092B-C50C-407E-A947-70E740481C1C}">
+                <a14:useLocalDpi xmlns:a14="http://schemas.microsoft.com/office/drawing/2010/main" val="0"/>
+              </a:ext>
+            </a:extLst>
+          </a:blip>
+          <a:srcRect/>
+          <a:stretch>
+            <a:fillRect/>
+          </a:stretch>
+        </p:blipFill>
+        <p:spPr bwMode="auto">
+          <a:xfrm>
+            <a:off x="1235030" y="1627334"/>
+            <a:ext cx="4552950" cy="4257675"/>
+          </a:xfrm>
+          <a:prstGeom prst="rect">
+            <a:avLst/>
+          </a:prstGeom>
+          <a:noFill/>
+          <a:ln>
+            <a:noFill/>
+          </a:ln>
+          <a:extLst>
+            <a:ext uri="{909E8E84-426E-40DD-AFC4-6F175D3DCCD1}">
+              <a14:hiddenFill xmlns:a14="http://schemas.microsoft.com/office/drawing/2010/main">
+                <a:solidFill>
+                  <a:schemeClr val="accent1"/>
+                </a:solidFill>
+              </a14:hiddenFill>
+            </a:ext>
+            <a:ext uri="{91240B29-F687-4F45-9708-019B960494DF}">
+              <a14:hiddenLine xmlns:a14="http://schemas.microsoft.com/office/drawing/2010/main" w="9525">
+                <a:solidFill>
+                  <a:schemeClr val="tx1"/>
+                </a:solidFill>
+                <a:miter lim="800000"/>
+                <a:headEnd/>
+                <a:tailEnd/>
+              </a14:hiddenLine>
+            </a:ext>
+          </a:extLst>
+        </p:spPr>
+      </p:pic>
+      <p:sp>
+        <p:nvSpPr>
+          <p:cNvPr id="2" name="TextBox 1"/>
+          <p:cNvSpPr txBox="1"/>
+          <p:nvPr/>
+        </p:nvSpPr>
+        <p:spPr>
+          <a:xfrm>
+            <a:off x="5989738" y="3059615"/>
+            <a:ext cx="5460519" cy="1477328"/>
+          </a:xfrm>
+          <a:prstGeom prst="rect">
+            <a:avLst/>
+          </a:prstGeom>
+          <a:noFill/>
+          <a:scene3d>
+            <a:camera prst="obliqueBottomLeft"/>
+            <a:lightRig rig="threePt" dir="t"/>
+          </a:scene3d>
+        </p:spPr>
+        <p:txBody>
+          <a:bodyPr wrap="square" rtlCol="0">
+            <a:spAutoFit/>
+          </a:bodyPr>
+          <a:lstStyle/>
+          <a:p>
+            <a:r>
+              <a:rPr lang="ko-KR" altLang="en-US" spc="-150" dirty="0" smtClean="0"/>
+              <a:t>적과 마주치는 순간 랜덤으로 페널티 부여</a:t>
+            </a:r>
+            <a:r>
+              <a:rPr lang="en-US" altLang="ko-KR" spc="-150" dirty="0" smtClean="0"/>
+              <a:t>.</a:t>
+            </a:r>
+          </a:p>
+          <a:p>
+            <a:endParaRPr lang="en-US" altLang="ko-KR" spc="-150" dirty="0"/>
+          </a:p>
+          <a:p>
+            <a:r>
+              <a:rPr lang="ko-KR" altLang="en-US" spc="-150" dirty="0" smtClean="0"/>
+              <a:t>페널티 종류는 적의 숫자 증가</a:t>
+            </a:r>
+            <a:r>
+              <a:rPr lang="en-US" altLang="ko-KR" spc="-150" dirty="0" smtClean="0"/>
+              <a:t>, </a:t>
+            </a:r>
+            <a:r>
+              <a:rPr lang="ko-KR" altLang="en-US" spc="-150" dirty="0" smtClean="0"/>
+              <a:t>속도 증가</a:t>
+            </a:r>
+            <a:r>
+              <a:rPr lang="en-US" altLang="ko-KR" spc="-150" dirty="0" smtClean="0"/>
+              <a:t>, </a:t>
+            </a:r>
+            <a:r>
+              <a:rPr lang="ko-KR" altLang="en-US" spc="-150" dirty="0" smtClean="0"/>
+              <a:t>동시 증가가 있음</a:t>
+            </a:r>
+            <a:endParaRPr lang="en-US" altLang="ko-KR" spc="-150" dirty="0" smtClean="0"/>
+          </a:p>
+          <a:p>
+            <a:endParaRPr lang="en-US" altLang="ko-KR" spc="-150" dirty="0"/>
+          </a:p>
+          <a:p>
+            <a:r>
+              <a:rPr lang="ko-KR" altLang="en-US" spc="-150" dirty="0" smtClean="0"/>
+              <a:t>랜덤적으로 적대적 요소 난이도는 증가하지 않을 수 있음</a:t>
+            </a:r>
+            <a:endParaRPr lang="ko-KR" altLang="en-US" spc="-150" dirty="0" smtClean="0"/>
+          </a:p>
+        </p:txBody>
+      </p:sp>
+    </p:spTree>
+    <p:extLst>
+      <p:ext uri="{BB962C8B-B14F-4D97-AF65-F5344CB8AC3E}">
+        <p14:creationId xmlns:p14="http://schemas.microsoft.com/office/powerpoint/2010/main" val="1627403952"/>
+      </p:ext>
+    </p:extLst>
+  </p:cSld>
+  <p:clrMapOvr>
+    <a:masterClrMapping/>
+  </p:clrMapOvr>
+  <p:transition spd="slow">
+    <p:push dir="u"/>
+  </p:transition>
+  <p:timing>
+    <p:tnLst>
+      <p:par>
+        <p:cTn id="1" dur="indefinite" restart="never" nodeType="tmRoot">
+          <p:childTnLst>
+            <p:seq concurrent="1" nextAc="seek">
+              <p:cTn id="2" dur="indefinite" nodeType="mainSeq">
+                <p:childTnLst>
+                  <p:par>
+                    <p:cTn id="3" fill="hold">
+                      <p:stCondLst>
+                        <p:cond delay="indefinite"/>
+                      </p:stCondLst>
+                      <p:childTnLst>
+                        <p:par>
+                          <p:cTn id="4" fill="hold">
+                            <p:stCondLst>
+                              <p:cond delay="0"/>
+                            </p:stCondLst>
+                            <p:childTnLst>
+                              <p:par>
+                                <p:cTn id="5" presetID="22" presetClass="entr" presetSubtype="4" fill="hold" grpId="0" nodeType="clickEffect">
+                                  <p:stCondLst>
+                                    <p:cond delay="0"/>
+                                  </p:stCondLst>
+                                  <p:childTnLst>
+                                    <p:set>
+                                      <p:cBhvr>
+                                        <p:cTn id="6" dur="1" fill="hold">
+                                          <p:stCondLst>
+                                            <p:cond delay="0"/>
+                                          </p:stCondLst>
+                                        </p:cTn>
+                                        <p:tgtEl>
+                                          <p:spTgt spid="5"/>
+                                        </p:tgtEl>
+                                        <p:attrNameLst>
+                                          <p:attrName>style.visibility</p:attrName>
+                                        </p:attrNameLst>
+                                      </p:cBhvr>
+                                      <p:to>
+                                        <p:strVal val="visible"/>
+                                      </p:to>
+                                    </p:set>
+                                    <p:animEffect transition="in" filter="wipe(down)">
+                                      <p:cBhvr>
+                                        <p:cTn id="7" dur="500"/>
+                                        <p:tgtEl>
+                                          <p:spTgt spid="5"/>
+                                        </p:tgtEl>
+                                      </p:cBhvr>
+                                    </p:animEffect>
+                                  </p:childTnLst>
+                                </p:cTn>
+                              </p:par>
+                              <p:par>
+                                <p:cTn id="8" presetID="22" presetClass="entr" presetSubtype="4" fill="hold" nodeType="withEffect">
+                                  <p:stCondLst>
+                                    <p:cond delay="0"/>
+                                  </p:stCondLst>
+                                  <p:childTnLst>
+                                    <p:set>
+                                      <p:cBhvr>
+                                        <p:cTn id="9" dur="1" fill="hold">
+                                          <p:stCondLst>
+                                            <p:cond delay="0"/>
+                                          </p:stCondLst>
+                                        </p:cTn>
+                                        <p:tgtEl>
+                                          <p:spTgt spid="5122"/>
+                                        </p:tgtEl>
+                                        <p:attrNameLst>
+                                          <p:attrName>style.visibility</p:attrName>
+                                        </p:attrNameLst>
+                                      </p:cBhvr>
+                                      <p:to>
+                                        <p:strVal val="visible"/>
+                                      </p:to>
+                                    </p:set>
+                                    <p:animEffect transition="in" filter="wipe(down)">
+                                      <p:cBhvr>
+                                        <p:cTn id="10" dur="500"/>
+                                        <p:tgtEl>
+                                          <p:spTgt spid="5122"/>
+                                        </p:tgtEl>
+                                      </p:cBhvr>
+                                    </p:animEffect>
+                                  </p:childTnLst>
+                                </p:cTn>
+                              </p:par>
+                              <p:par>
+                                <p:cTn id="11" presetID="22" presetClass="entr" presetSubtype="4" fill="hold" grpId="0" nodeType="withEffect">
+                                  <p:stCondLst>
+                                    <p:cond delay="0"/>
+                                  </p:stCondLst>
+                                  <p:childTnLst>
+                                    <p:set>
+                                      <p:cBhvr>
+                                        <p:cTn id="12" dur="1" fill="hold">
+                                          <p:stCondLst>
+                                            <p:cond delay="0"/>
+                                          </p:stCondLst>
+                                        </p:cTn>
+                                        <p:tgtEl>
+                                          <p:spTgt spid="2"/>
+                                        </p:tgtEl>
+                                        <p:attrNameLst>
+                                          <p:attrName>style.visibility</p:attrName>
+                                        </p:attrNameLst>
+                                      </p:cBhvr>
+                                      <p:to>
+                                        <p:strVal val="visible"/>
+                                      </p:to>
+                                    </p:set>
+                                    <p:animEffect transition="in" filter="wipe(down)">
+                                      <p:cBhvr>
+                                        <p:cTn id="13" dur="500"/>
+                                        <p:tgtEl>
+                                          <p:spTgt spid="2"/>
+                                        </p:tgtEl>
+                                      </p:cBhvr>
+                                    </p:animEffect>
+                                  </p:childTnLst>
+                                </p:cTn>
+                              </p:par>
+                            </p:childTnLst>
+                          </p:cTn>
+                        </p:par>
+                      </p:childTnLst>
+                    </p:cTn>
+                  </p:par>
+                </p:childTnLst>
+              </p:cTn>
+              <p:prevCondLst>
+                <p:cond evt="onPrev" delay="0">
+                  <p:tgtEl>
+                    <p:sldTgt/>
+                  </p:tgtEl>
+                </p:cond>
+              </p:prevCondLst>
+              <p:nextCondLst>
+                <p:cond evt="onNext" delay="0">
+                  <p:tgtEl>
+                    <p:sldTgt/>
+                  </p:tgtEl>
+                </p:cond>
+              </p:nextCondLst>
+            </p:seq>
+          </p:childTnLst>
+        </p:cTn>
+      </p:par>
+    </p:tnLst>
+    <p:bldLst>
+      <p:bldP spid="5" grpId="0"/>
+      <p:bldP spid="2" grpId="0"/>
+    </p:bldLst>
+  </p:timing>
+</p:sld>
+</file>
+
+<file path=ppt/slides/slide15.xml><?xml version="1.0" encoding="utf-8"?>
+<p:sld xmlns:a="http://schemas.openxmlformats.org/drawingml/2006/main" xmlns:r="http://schemas.openxmlformats.org/officeDocument/2006/relationships" xmlns:p="http://schemas.openxmlformats.org/presentationml/2006/main">
+  <p:cSld>
+    <p:spTree>
+      <p:nvGrpSpPr>
+        <p:cNvPr id="1" name=""/>
+        <p:cNvGrpSpPr/>
+        <p:nvPr/>
+      </p:nvGrpSpPr>
+      <p:grpSpPr>
+        <a:xfrm>
+          <a:off x="0" y="0"/>
+          <a:ext cx="0" cy="0"/>
+          <a:chOff x="0" y="0"/>
+          <a:chExt cx="0" cy="0"/>
+        </a:xfrm>
+      </p:grpSpPr>
+      <p:sp>
+        <p:nvSpPr>
+          <p:cNvPr id="5" name="TextBox 4"/>
+          <p:cNvSpPr txBox="1"/>
+          <p:nvPr/>
+        </p:nvSpPr>
+        <p:spPr>
+          <a:xfrm>
+            <a:off x="6884879" y="1948065"/>
+            <a:ext cx="4565379" cy="380823"/>
+          </a:xfrm>
+          <a:prstGeom prst="rect">
+            <a:avLst/>
+          </a:prstGeom>
+          <a:noFill/>
+          <a:scene3d>
+            <a:camera prst="obliqueBottomLeft"/>
+            <a:lightRig rig="threePt" dir="t"/>
+          </a:scene3d>
+        </p:spPr>
+        <p:txBody>
+          <a:bodyPr wrap="square" rtlCol="0">
+            <a:spAutoFit/>
+          </a:bodyPr>
+          <a:lstStyle/>
+          <a:p>
+            <a:r>
+              <a:rPr lang="ko-KR" altLang="en-US" b="1" spc="-150" dirty="0" smtClean="0">
+                <a:solidFill>
+                  <a:schemeClr val="bg1"/>
+                </a:solidFill>
+                <a:latin typeface="나눔스퀘어 ExtraBold" panose="020B0600000101010101" pitchFamily="50" charset="-127"/>
+                <a:ea typeface="나눔스퀘어 ExtraBold" panose="020B0600000101010101" pitchFamily="50" charset="-127"/>
+              </a:rPr>
+              <a:t>단에 </a:t>
+            </a:r>
+            <a:r>
+              <a:rPr lang="ko-KR" altLang="en-US" b="1" spc="-150" dirty="0">
+                <a:solidFill>
+                  <a:schemeClr val="bg1"/>
+                </a:solidFill>
+                <a:latin typeface="나눔스퀘어 ExtraBold" panose="020B0600000101010101" pitchFamily="50" charset="-127"/>
+                <a:ea typeface="나눔스퀘어 ExtraBold" panose="020B0600000101010101" pitchFamily="50" charset="-127"/>
+              </a:rPr>
+              <a:t>어울리는 소제목을 적어주세요</a:t>
+            </a:r>
+          </a:p>
+        </p:txBody>
+      </p:sp>
+      <p:sp>
+        <p:nvSpPr>
+          <p:cNvPr id="13" name="TextBox 12"/>
+          <p:cNvSpPr txBox="1"/>
+          <p:nvPr/>
+        </p:nvSpPr>
+        <p:spPr>
+          <a:xfrm>
+            <a:off x="1252948" y="699328"/>
+            <a:ext cx="6629400" cy="523220"/>
+          </a:xfrm>
+          <a:prstGeom prst="rect">
+            <a:avLst/>
+          </a:prstGeom>
+          <a:noFill/>
+          <a:scene3d>
+            <a:camera prst="obliqueBottomLeft"/>
+            <a:lightRig rig="threePt" dir="t"/>
+          </a:scene3d>
+        </p:spPr>
+        <p:txBody>
+          <a:bodyPr wrap="square" rtlCol="0">
+            <a:spAutoFit/>
+          </a:bodyPr>
+          <a:lstStyle/>
+          <a:p>
+            <a:r>
+              <a:rPr lang="ko-KR" altLang="en-US" sz="2800" spc="-150" dirty="0" smtClean="0">
+                <a:solidFill>
+                  <a:schemeClr val="tx1">
+                    <a:lumMod val="75000"/>
+                    <a:lumOff val="25000"/>
+                  </a:schemeClr>
+                </a:solidFill>
+                <a:latin typeface="나눔스퀘어" panose="020B0600000101010101" pitchFamily="50" charset="-127"/>
+                <a:ea typeface="나눔스퀘어" panose="020B0600000101010101" pitchFamily="50" charset="-127"/>
+              </a:rPr>
+              <a:t>페널티 기능 </a:t>
+            </a:r>
+            <a:r>
+              <a:rPr lang="en-US" altLang="ko-KR" sz="2800" spc="-150" dirty="0" smtClean="0">
+                <a:solidFill>
+                  <a:schemeClr val="tx1">
+                    <a:lumMod val="75000"/>
+                    <a:lumOff val="25000"/>
+                  </a:schemeClr>
+                </a:solidFill>
+                <a:latin typeface="나눔스퀘어" panose="020B0600000101010101" pitchFamily="50" charset="-127"/>
+                <a:ea typeface="나눔스퀘어" panose="020B0600000101010101" pitchFamily="50" charset="-127"/>
+              </a:rPr>
+              <a:t>– </a:t>
+            </a:r>
+            <a:r>
+              <a:rPr lang="ko-KR" altLang="en-US" sz="2800" spc="-150" dirty="0" smtClean="0">
+                <a:solidFill>
+                  <a:schemeClr val="tx1">
+                    <a:lumMod val="75000"/>
+                    <a:lumOff val="25000"/>
+                  </a:schemeClr>
+                </a:solidFill>
+                <a:latin typeface="나눔스퀘어" panose="020B0600000101010101" pitchFamily="50" charset="-127"/>
+                <a:ea typeface="나눔스퀘어" panose="020B0600000101010101" pitchFamily="50" charset="-127"/>
+              </a:rPr>
+              <a:t>시간 증가</a:t>
+            </a:r>
+            <a:endParaRPr lang="ko-KR" altLang="en-US" sz="2800" spc="-150" dirty="0">
+              <a:solidFill>
+                <a:schemeClr val="tx1">
+                  <a:lumMod val="75000"/>
+                  <a:lumOff val="25000"/>
+                </a:schemeClr>
+              </a:solidFill>
+              <a:latin typeface="나눔스퀘어" panose="020B0600000101010101" pitchFamily="50" charset="-127"/>
+              <a:ea typeface="나눔스퀘어" panose="020B0600000101010101" pitchFamily="50" charset="-127"/>
+            </a:endParaRPr>
+          </a:p>
+        </p:txBody>
+      </p:sp>
+      <p:sp>
+        <p:nvSpPr>
+          <p:cNvPr id="14" name="TextBox 13"/>
+          <p:cNvSpPr txBox="1"/>
+          <p:nvPr/>
+        </p:nvSpPr>
+        <p:spPr>
+          <a:xfrm>
+            <a:off x="1235030" y="298480"/>
+            <a:ext cx="1219347" cy="461665"/>
+          </a:xfrm>
+          <a:prstGeom prst="rect">
+            <a:avLst/>
+          </a:prstGeom>
+          <a:noFill/>
+          <a:scene3d>
+            <a:camera prst="obliqueBottomLeft"/>
+            <a:lightRig rig="threePt" dir="t"/>
+          </a:scene3d>
+        </p:spPr>
+        <p:txBody>
+          <a:bodyPr wrap="square" rtlCol="0">
+            <a:spAutoFit/>
+          </a:bodyPr>
+          <a:lstStyle/>
+          <a:p>
+            <a:r>
+              <a:rPr lang="en-US" altLang="ko-KR" sz="2400" spc="-300" dirty="0" smtClean="0">
+                <a:ln w="25400">
+                  <a:noFill/>
+                </a:ln>
+                <a:solidFill>
+                  <a:schemeClr val="tx1">
+                    <a:lumMod val="65000"/>
+                    <a:lumOff val="35000"/>
+                  </a:schemeClr>
+                </a:solidFill>
+                <a:latin typeface="나눔스퀘어 ExtraBold" panose="020B0600000101010101" pitchFamily="50" charset="-127"/>
+                <a:ea typeface="나눔스퀘어 ExtraBold" panose="020B0600000101010101" pitchFamily="50" charset="-127"/>
+              </a:rPr>
+              <a:t>03</a:t>
+            </a:r>
+            <a:endParaRPr lang="ko-KR" altLang="en-US" sz="2400" spc="-300" dirty="0">
+              <a:ln w="25400">
+                <a:noFill/>
+              </a:ln>
+              <a:solidFill>
+                <a:schemeClr val="tx1">
+                  <a:lumMod val="65000"/>
+                  <a:lumOff val="35000"/>
+                </a:schemeClr>
+              </a:solidFill>
+              <a:latin typeface="나눔스퀘어" panose="020B0600000101010101" pitchFamily="50" charset="-127"/>
+              <a:ea typeface="나눔스퀘어" panose="020B0600000101010101" pitchFamily="50" charset="-127"/>
+            </a:endParaRPr>
+          </a:p>
+        </p:txBody>
+      </p:sp>
+      <p:sp>
+        <p:nvSpPr>
+          <p:cNvPr id="15" name="TextBox 14"/>
+          <p:cNvSpPr txBox="1"/>
+          <p:nvPr/>
+        </p:nvSpPr>
+        <p:spPr>
+          <a:xfrm>
+            <a:off x="1683433" y="402496"/>
+            <a:ext cx="2886320" cy="307777"/>
+          </a:xfrm>
+          <a:prstGeom prst="rect">
+            <a:avLst/>
+          </a:prstGeom>
+          <a:noFill/>
+          <a:scene3d>
+            <a:camera prst="obliqueBottomLeft"/>
+            <a:lightRig rig="threePt" dir="t"/>
+          </a:scene3d>
+        </p:spPr>
+        <p:txBody>
+          <a:bodyPr wrap="square" rtlCol="0">
+            <a:spAutoFit/>
+          </a:bodyPr>
+          <a:lstStyle/>
+          <a:p>
+            <a:r>
+              <a:rPr lang="ko-KR" altLang="en-US" sz="1400" spc="-150" dirty="0" smtClean="0">
+                <a:ln w="25400">
+                  <a:noFill/>
+                </a:ln>
+                <a:solidFill>
+                  <a:schemeClr val="tx1">
+                    <a:lumMod val="65000"/>
+                    <a:lumOff val="35000"/>
+                  </a:schemeClr>
+                </a:solidFill>
+                <a:latin typeface="나눔스퀘어" panose="020B0600000101010101" pitchFamily="50" charset="-127"/>
+                <a:ea typeface="나눔스퀘어" panose="020B0600000101010101" pitchFamily="50" charset="-127"/>
+              </a:rPr>
+              <a:t>프로젝트 핵심 요소</a:t>
+            </a:r>
+            <a:endParaRPr lang="ko-KR" altLang="en-US" sz="1400" spc="-150" dirty="0">
+              <a:ln w="25400">
+                <a:noFill/>
+              </a:ln>
+              <a:solidFill>
+                <a:schemeClr val="tx1">
+                  <a:lumMod val="65000"/>
+                  <a:lumOff val="35000"/>
+                </a:schemeClr>
+              </a:solidFill>
+              <a:latin typeface="나눔스퀘어" panose="020B0600000101010101" pitchFamily="50" charset="-127"/>
+              <a:ea typeface="나눔스퀘어" panose="020B0600000101010101" pitchFamily="50" charset="-127"/>
+            </a:endParaRPr>
+          </a:p>
+        </p:txBody>
+      </p:sp>
+      <p:sp>
+        <p:nvSpPr>
+          <p:cNvPr id="16" name="TextBox 15"/>
+          <p:cNvSpPr txBox="1"/>
+          <p:nvPr/>
+        </p:nvSpPr>
+        <p:spPr>
+          <a:xfrm>
+            <a:off x="0" y="6422086"/>
+            <a:ext cx="12192000" cy="276999"/>
+          </a:xfrm>
+          <a:prstGeom prst="rect">
+            <a:avLst/>
+          </a:prstGeom>
+          <a:noFill/>
+          <a:scene3d>
+            <a:camera prst="obliqueBottomLeft"/>
+            <a:lightRig rig="threePt" dir="t"/>
+          </a:scene3d>
+        </p:spPr>
+        <p:txBody>
+          <a:bodyPr wrap="square" rtlCol="0">
+            <a:spAutoFit/>
+          </a:bodyPr>
+          <a:lstStyle/>
+          <a:p>
+            <a:pPr algn="ctr"/>
+            <a:r>
+              <a:rPr lang="en-US" altLang="ko-KR" sz="1200" spc="-150" dirty="0">
+                <a:solidFill>
+                  <a:schemeClr val="tx1">
+                    <a:lumMod val="75000"/>
+                    <a:lumOff val="25000"/>
+                  </a:schemeClr>
+                </a:solidFill>
+                <a:latin typeface="나눔스퀘어" panose="020B0600000101010101" pitchFamily="50" charset="-127"/>
+                <a:ea typeface="나눔스퀘어" panose="020B0600000101010101" pitchFamily="50" charset="-127"/>
+              </a:rPr>
+              <a:t>3</a:t>
+            </a:r>
+            <a:endParaRPr lang="ko-KR" altLang="en-US" sz="1200" spc="-150" dirty="0">
+              <a:solidFill>
+                <a:schemeClr val="tx1">
+                  <a:lumMod val="75000"/>
+                  <a:lumOff val="25000"/>
+                </a:schemeClr>
+              </a:solidFill>
+              <a:latin typeface="나눔스퀘어" panose="020B0600000101010101" pitchFamily="50" charset="-127"/>
+              <a:ea typeface="나눔스퀘어" panose="020B0600000101010101" pitchFamily="50" charset="-127"/>
+            </a:endParaRPr>
+          </a:p>
+        </p:txBody>
+      </p:sp>
+      <p:pic>
+        <p:nvPicPr>
+          <p:cNvPr id="6146" name="Picture 2"/>
+          <p:cNvPicPr>
+            <a:picLocks noChangeAspect="1" noChangeArrowheads="1"/>
+          </p:cNvPicPr>
+          <p:nvPr/>
+        </p:nvPicPr>
+        <p:blipFill>
+          <a:blip r:embed="rId2">
+            <a:extLst>
+              <a:ext uri="{28A0092B-C50C-407E-A947-70E740481C1C}">
+                <a14:useLocalDpi xmlns:a14="http://schemas.microsoft.com/office/drawing/2010/main" val="0"/>
+              </a:ext>
+            </a:extLst>
+          </a:blip>
+          <a:srcRect/>
+          <a:stretch>
+            <a:fillRect/>
+          </a:stretch>
+        </p:blipFill>
+        <p:spPr bwMode="auto">
+          <a:xfrm>
+            <a:off x="1016805" y="2790082"/>
+            <a:ext cx="4219575" cy="1781175"/>
+          </a:xfrm>
+          <a:prstGeom prst="rect">
+            <a:avLst/>
+          </a:prstGeom>
+          <a:noFill/>
+          <a:ln>
+            <a:noFill/>
+          </a:ln>
+          <a:extLst>
+            <a:ext uri="{909E8E84-426E-40DD-AFC4-6F175D3DCCD1}">
+              <a14:hiddenFill xmlns:a14="http://schemas.microsoft.com/office/drawing/2010/main">
+                <a:solidFill>
+                  <a:schemeClr val="accent1"/>
+                </a:solidFill>
+              </a14:hiddenFill>
+            </a:ext>
+            <a:ext uri="{91240B29-F687-4F45-9708-019B960494DF}">
+              <a14:hiddenLine xmlns:a14="http://schemas.microsoft.com/office/drawing/2010/main" w="9525">
+                <a:solidFill>
+                  <a:schemeClr val="tx1"/>
+                </a:solidFill>
+                <a:miter lim="800000"/>
+                <a:headEnd/>
+                <a:tailEnd/>
+              </a14:hiddenLine>
+            </a:ext>
+          </a:extLst>
+        </p:spPr>
+      </p:pic>
+      <p:sp>
+        <p:nvSpPr>
+          <p:cNvPr id="2" name="TextBox 1"/>
+          <p:cNvSpPr txBox="1"/>
+          <p:nvPr/>
+        </p:nvSpPr>
+        <p:spPr>
+          <a:xfrm>
+            <a:off x="5236380" y="3414319"/>
+            <a:ext cx="6348816" cy="369332"/>
+          </a:xfrm>
+          <a:prstGeom prst="rect">
+            <a:avLst/>
+          </a:prstGeom>
+          <a:noFill/>
+          <a:scene3d>
+            <a:camera prst="obliqueBottomLeft"/>
+            <a:lightRig rig="threePt" dir="t"/>
+          </a:scene3d>
+        </p:spPr>
+        <p:txBody>
+          <a:bodyPr wrap="square" rtlCol="0">
+            <a:spAutoFit/>
+          </a:bodyPr>
+          <a:lstStyle/>
+          <a:p>
+            <a:r>
+              <a:rPr lang="ko-KR" altLang="en-US" spc="-150" dirty="0" smtClean="0"/>
+              <a:t>시간적 페널티는 적대적 요소 난이도 증가와 별개로 이루어짐</a:t>
+            </a:r>
+            <a:endParaRPr lang="ko-KR" altLang="en-US" spc="-150" dirty="0" smtClean="0"/>
+          </a:p>
+        </p:txBody>
+      </p:sp>
+    </p:spTree>
+    <p:extLst>
+      <p:ext uri="{BB962C8B-B14F-4D97-AF65-F5344CB8AC3E}">
+        <p14:creationId xmlns:p14="http://schemas.microsoft.com/office/powerpoint/2010/main" val="2914644204"/>
+      </p:ext>
+    </p:extLst>
+  </p:cSld>
+  <p:clrMapOvr>
+    <a:masterClrMapping/>
+  </p:clrMapOvr>
+  <p:transition spd="slow">
+    <p:push dir="u"/>
+  </p:transition>
+  <p:timing>
+    <p:tnLst>
+      <p:par>
+        <p:cTn id="1" dur="indefinite" restart="never" nodeType="tmRoot">
+          <p:childTnLst>
+            <p:seq concurrent="1" nextAc="seek">
+              <p:cTn id="2" dur="indefinite" nodeType="mainSeq">
+                <p:childTnLst>
+                  <p:par>
+                    <p:cTn id="3" fill="hold">
+                      <p:stCondLst>
+                        <p:cond delay="indefinite"/>
+                      </p:stCondLst>
+                      <p:childTnLst>
+                        <p:par>
+                          <p:cTn id="4" fill="hold">
+                            <p:stCondLst>
+                              <p:cond delay="0"/>
+                            </p:stCondLst>
+                            <p:childTnLst>
+                              <p:par>
+                                <p:cTn id="5" presetID="22" presetClass="entr" presetSubtype="4" fill="hold" grpId="0" nodeType="clickEffect">
+                                  <p:stCondLst>
+                                    <p:cond delay="0"/>
+                                  </p:stCondLst>
+                                  <p:childTnLst>
+                                    <p:set>
+                                      <p:cBhvr>
+                                        <p:cTn id="6" dur="1" fill="hold">
+                                          <p:stCondLst>
+                                            <p:cond delay="0"/>
+                                          </p:stCondLst>
+                                        </p:cTn>
+                                        <p:tgtEl>
+                                          <p:spTgt spid="5"/>
+                                        </p:tgtEl>
+                                        <p:attrNameLst>
+                                          <p:attrName>style.visibility</p:attrName>
+                                        </p:attrNameLst>
+                                      </p:cBhvr>
+                                      <p:to>
+                                        <p:strVal val="visible"/>
+                                      </p:to>
+                                    </p:set>
+                                    <p:animEffect transition="in" filter="wipe(down)">
+                                      <p:cBhvr>
+                                        <p:cTn id="7" dur="500"/>
+                                        <p:tgtEl>
+                                          <p:spTgt spid="5"/>
+                                        </p:tgtEl>
+                                      </p:cBhvr>
+                                    </p:animEffect>
+                                  </p:childTnLst>
+                                </p:cTn>
+                              </p:par>
+                              <p:par>
+                                <p:cTn id="8" presetID="22" presetClass="entr" presetSubtype="4" fill="hold" nodeType="withEffect">
+                                  <p:stCondLst>
+                                    <p:cond delay="0"/>
+                                  </p:stCondLst>
+                                  <p:childTnLst>
+                                    <p:set>
+                                      <p:cBhvr>
+                                        <p:cTn id="9" dur="1" fill="hold">
+                                          <p:stCondLst>
+                                            <p:cond delay="0"/>
+                                          </p:stCondLst>
+                                        </p:cTn>
+                                        <p:tgtEl>
+                                          <p:spTgt spid="6146"/>
+                                        </p:tgtEl>
+                                        <p:attrNameLst>
+                                          <p:attrName>style.visibility</p:attrName>
+                                        </p:attrNameLst>
+                                      </p:cBhvr>
+                                      <p:to>
+                                        <p:strVal val="visible"/>
+                                      </p:to>
+                                    </p:set>
+                                    <p:animEffect transition="in" filter="wipe(down)">
+                                      <p:cBhvr>
+                                        <p:cTn id="10" dur="500"/>
+                                        <p:tgtEl>
+                                          <p:spTgt spid="6146"/>
+                                        </p:tgtEl>
+                                      </p:cBhvr>
+                                    </p:animEffect>
+                                  </p:childTnLst>
+                                </p:cTn>
+                              </p:par>
+                              <p:par>
+                                <p:cTn id="11" presetID="22" presetClass="entr" presetSubtype="4" fill="hold" grpId="0" nodeType="withEffect">
+                                  <p:stCondLst>
+                                    <p:cond delay="0"/>
+                                  </p:stCondLst>
+                                  <p:childTnLst>
+                                    <p:set>
+                                      <p:cBhvr>
+                                        <p:cTn id="12" dur="1" fill="hold">
+                                          <p:stCondLst>
+                                            <p:cond delay="0"/>
+                                          </p:stCondLst>
+                                        </p:cTn>
+                                        <p:tgtEl>
+                                          <p:spTgt spid="2"/>
+                                        </p:tgtEl>
+                                        <p:attrNameLst>
+                                          <p:attrName>style.visibility</p:attrName>
+                                        </p:attrNameLst>
+                                      </p:cBhvr>
+                                      <p:to>
+                                        <p:strVal val="visible"/>
+                                      </p:to>
+                                    </p:set>
+                                    <p:animEffect transition="in" filter="wipe(down)">
+                                      <p:cBhvr>
+                                        <p:cTn id="13" dur="500"/>
+                                        <p:tgtEl>
+                                          <p:spTgt spid="2"/>
+                                        </p:tgtEl>
+                                      </p:cBhvr>
+                                    </p:animEffect>
+                                  </p:childTnLst>
+                                </p:cTn>
+                              </p:par>
+                            </p:childTnLst>
+                          </p:cTn>
+                        </p:par>
+                      </p:childTnLst>
+                    </p:cTn>
+                  </p:par>
+                </p:childTnLst>
+              </p:cTn>
+              <p:prevCondLst>
+                <p:cond evt="onPrev" delay="0">
+                  <p:tgtEl>
+                    <p:sldTgt/>
+                  </p:tgtEl>
+                </p:cond>
+              </p:prevCondLst>
+              <p:nextCondLst>
+                <p:cond evt="onNext" delay="0">
+                  <p:tgtEl>
+                    <p:sldTgt/>
+                  </p:tgtEl>
+                </p:cond>
+              </p:nextCondLst>
+            </p:seq>
+          </p:childTnLst>
+        </p:cTn>
+      </p:par>
+    </p:tnLst>
+    <p:bldLst>
+      <p:bldP spid="5" grpId="0"/>
+      <p:bldP spid="2" grpId="0"/>
+    </p:bldLst>
+  </p:timing>
+</p:sld>
+</file>
+
+<file path=ppt/slides/slide16.xml><?xml version="1.0" encoding="utf-8"?>
 <p:sld xmlns:a="http://schemas.openxmlformats.org/drawingml/2006/main" xmlns:r="http://schemas.openxmlformats.org/officeDocument/2006/relationships" xmlns:p="http://schemas.openxmlformats.org/presentationml/2006/main">
   <p:cSld>
     <p:spTree>
@@ -23876,7 +27002,7 @@
 </p:sld>
 </file>
 
-<file path=ppt/slides/slide13.xml><?xml version="1.0" encoding="utf-8"?>
+<file path=ppt/slides/slide17.xml><?xml version="1.0" encoding="utf-8"?>
 <p:sld xmlns:a="http://schemas.openxmlformats.org/drawingml/2006/main" xmlns:r="http://schemas.openxmlformats.org/officeDocument/2006/relationships" xmlns:p="http://schemas.openxmlformats.org/presentationml/2006/main">
   <p:cSld>
     <p:spTree>
@@ -23920,17 +27046,7 @@
           <a:lstStyle/>
           <a:p>
             <a:r>
-              <a:rPr lang="ko-KR" altLang="en-US" sz="2800" spc="-150" dirty="0">
-                <a:solidFill>
-                  <a:srgbClr val="920815"/>
-                </a:solidFill>
-                <a:latin typeface="나눔스퀘어 ExtraBold" panose="020B0600000101010101" pitchFamily="50" charset="-127"/>
-                <a:ea typeface="나눔스퀘어 ExtraBold" panose="020B0600000101010101" pitchFamily="50" charset="-127"/>
-              </a:rPr>
-              <a:t>슬라이드 내용</a:t>
-            </a:r>
-            <a:r>
-              <a:rPr lang="ko-KR" altLang="en-US" sz="2800" spc="-150" dirty="0">
+              <a:rPr lang="ko-KR" altLang="en-US" sz="2800" spc="-150" dirty="0" smtClean="0">
                 <a:solidFill>
                   <a:schemeClr val="tx1">
                     <a:lumMod val="75000"/>
@@ -23940,8 +27056,31 @@
                 <a:latin typeface="나눔스퀘어" panose="020B0600000101010101" pitchFamily="50" charset="-127"/>
                 <a:ea typeface="나눔스퀘어" panose="020B0600000101010101" pitchFamily="50" charset="-127"/>
               </a:rPr>
-              <a:t>을 한 줄로 요약해주세요</a:t>
+              <a:t>우리가 사용한 </a:t>
             </a:r>
+            <a:r>
+              <a:rPr lang="ko-KR" altLang="en-US" sz="2800" spc="-150" dirty="0" smtClean="0">
+                <a:solidFill>
+                  <a:schemeClr val="tx1">
+                    <a:lumMod val="75000"/>
+                    <a:lumOff val="25000"/>
+                  </a:schemeClr>
+                </a:solidFill>
+                <a:latin typeface="나눔스퀘어" panose="020B0600000101010101" pitchFamily="50" charset="-127"/>
+                <a:ea typeface="나눔스퀘어" panose="020B0600000101010101" pitchFamily="50" charset="-127"/>
+              </a:rPr>
+              <a:t>시스템 프로그래밍적 요소</a:t>
+            </a:r>
+            <a:endParaRPr lang="ko-KR" altLang="en-US" sz="2800" spc="-150" dirty="0">
+              <a:solidFill>
+                <a:schemeClr val="tx1">
+                  <a:lumMod val="75000"/>
+                  <a:lumOff val="25000"/>
+                </a:schemeClr>
+              </a:solidFill>
+              <a:latin typeface="나눔스퀘어" panose="020B0600000101010101" pitchFamily="50" charset="-127"/>
+              <a:ea typeface="나눔스퀘어" panose="020B0600000101010101" pitchFamily="50" charset="-127"/>
+            </a:endParaRPr>
           </a:p>
         </p:txBody>
       </p:sp>
@@ -24114,6 +27253,36 @@
           </a:p>
         </p:txBody>
       </p:sp>
+      <p:sp>
+        <p:nvSpPr>
+          <p:cNvPr id="2" name="TextBox 1"/>
+          <p:cNvSpPr txBox="1"/>
+          <p:nvPr/>
+        </p:nvSpPr>
+        <p:spPr>
+          <a:xfrm>
+            <a:off x="914400" y="1753299"/>
+            <a:ext cx="7482980" cy="369332"/>
+          </a:xfrm>
+          <a:prstGeom prst="rect">
+            <a:avLst/>
+          </a:prstGeom>
+          <a:noFill/>
+          <a:scene3d>
+            <a:camera prst="obliqueBottomLeft"/>
+            <a:lightRig rig="threePt" dir="t"/>
+          </a:scene3d>
+        </p:spPr>
+        <p:txBody>
+          <a:bodyPr wrap="square" rtlCol="0">
+            <a:spAutoFit/>
+          </a:bodyPr>
+          <a:lstStyle/>
+          <a:p>
+            <a:endParaRPr lang="ko-KR" altLang="en-US" spc="-150" dirty="0" smtClean="0"/>
+          </a:p>
+        </p:txBody>
+      </p:sp>
     </p:spTree>
     <p:extLst>
       <p:ext uri="{BB962C8B-B14F-4D97-AF65-F5344CB8AC3E}">
@@ -24137,7 +27306,7 @@
 </p:sld>
 </file>
 
-<file path=ppt/slides/slide14.xml><?xml version="1.0" encoding="utf-8"?>
+<file path=ppt/slides/slide18.xml><?xml version="1.0" encoding="utf-8"?>
 <p:sld xmlns:a="http://schemas.openxmlformats.org/drawingml/2006/main" xmlns:r="http://schemas.openxmlformats.org/officeDocument/2006/relationships" xmlns:p="http://schemas.openxmlformats.org/presentationml/2006/main">
   <p:cSld>
     <p:spTree>
@@ -26725,55 +29894,6 @@
       </p:grpSpPr>
       <p:sp>
         <p:nvSpPr>
-          <p:cNvPr id="5" name="TextBox 4"/>
-          <p:cNvSpPr txBox="1"/>
-          <p:nvPr/>
-        </p:nvSpPr>
-        <p:spPr>
-          <a:xfrm>
-            <a:off x="6884879" y="1948065"/>
-            <a:ext cx="4565379" cy="380823"/>
-          </a:xfrm>
-          <a:prstGeom prst="rect">
-            <a:avLst/>
-          </a:prstGeom>
-          <a:noFill/>
-          <a:scene3d>
-            <a:camera prst="obliqueBottomLeft"/>
-            <a:lightRig rig="threePt" dir="t"/>
-          </a:scene3d>
-        </p:spPr>
-        <p:txBody>
-          <a:bodyPr wrap="square" rtlCol="0">
-            <a:spAutoFit/>
-          </a:bodyPr>
-          <a:lstStyle/>
-          <a:p>
-            <a:r>
-              <a:rPr lang="ko-KR" altLang="en-US" b="1" spc="-150" dirty="0" smtClean="0">
-                <a:solidFill>
-                  <a:schemeClr val="bg1"/>
-                </a:solidFill>
-                <a:latin typeface="나눔스퀘어 ExtraBold" panose="020B0600000101010101" pitchFamily="50" charset="-127"/>
-                <a:ea typeface="나눔스퀘어 ExtraBold" panose="020B0600000101010101" pitchFamily="50" charset="-127"/>
-              </a:rPr>
-              <a:t>단에 </a:t>
-            </a:r>
-            <a:r>
-              <a:rPr lang="ko-KR" altLang="en-US" b="1" spc="-150" dirty="0">
-                <a:solidFill>
-                  <a:schemeClr val="bg1"/>
-                </a:solidFill>
-                <a:latin typeface="나눔스퀘어 ExtraBold" panose="020B0600000101010101" pitchFamily="50" charset="-127"/>
-                <a:ea typeface="나눔스퀘어 ExtraBold" panose="020B0600000101010101" pitchFamily="50" charset="-127"/>
-              </a:rPr>
-              <a:t>어울리는 소제목을 적어주세요</a:t>
-            </a:r>
-          </a:p>
-        </p:txBody>
-      </p:sp>
-      <p:sp>
-        <p:nvSpPr>
           <p:cNvPr id="13" name="TextBox 12"/>
           <p:cNvSpPr txBox="1"/>
           <p:nvPr/>
@@ -26922,23 +30042,7 @@
                 <a:latin typeface="나눔스퀘어" panose="020B0600000101010101" pitchFamily="50" charset="-127"/>
                 <a:ea typeface="나눔스퀘어" panose="020B0600000101010101" pitchFamily="50" charset="-127"/>
               </a:rPr>
-              <a:t>프로젝트 </a:t>
-            </a:r>
-            <a:r>
-              <a:rPr lang="ko-KR" altLang="en-US" sz="1400" spc="-150" smtClean="0">
-                <a:ln w="25400">
-                  <a:noFill/>
-                </a:ln>
-                <a:solidFill>
-                  <a:schemeClr val="tx1">
-                    <a:lumMod val="65000"/>
-                    <a:lumOff val="35000"/>
-                  </a:schemeClr>
-                </a:solidFill>
-                <a:latin typeface="나눔스퀘어" panose="020B0600000101010101" pitchFamily="50" charset="-127"/>
-                <a:ea typeface="나눔스퀘어" panose="020B0600000101010101" pitchFamily="50" charset="-127"/>
-              </a:rPr>
-              <a:t>진행 과정</a:t>
+              <a:t>프로젝트 진행 과정</a:t>
             </a:r>
             <a:endParaRPr lang="ko-KR" altLang="en-US" sz="1400" spc="-150" dirty="0">
               <a:ln w="25400">
@@ -27011,31 +30115,448 @@
       </p:sp>
       <p:sp>
         <p:nvSpPr>
-          <p:cNvPr id="2" name="TextBox 1"/>
-          <p:cNvSpPr txBox="1"/>
+          <p:cNvPr id="3" name="모서리가 둥근 직사각형 2"/>
+          <p:cNvSpPr/>
           <p:nvPr/>
         </p:nvSpPr>
         <p:spPr>
           <a:xfrm>
-            <a:off x="1220858" y="1948065"/>
-            <a:ext cx="4802355" cy="369332"/>
+            <a:off x="1220858" y="2328888"/>
+            <a:ext cx="2665142" cy="3122341"/>
           </a:xfrm>
-          <a:prstGeom prst="rect">
+          <a:prstGeom prst="roundRect">
             <a:avLst/>
           </a:prstGeom>
-          <a:noFill/>
-          <a:scene3d>
-            <a:camera prst="obliqueBottomLeft"/>
-            <a:lightRig rig="threePt" dir="t"/>
-          </a:scene3d>
+          <a:solidFill>
+            <a:schemeClr val="accent1">
+              <a:lumMod val="40000"/>
+              <a:lumOff val="60000"/>
+            </a:schemeClr>
+          </a:solidFill>
+          <a:ln>
+            <a:noFill/>
+          </a:ln>
         </p:spPr>
+        <p:style>
+          <a:lnRef idx="2">
+            <a:schemeClr val="accent1">
+              <a:shade val="50000"/>
+            </a:schemeClr>
+          </a:lnRef>
+          <a:fillRef idx="1">
+            <a:schemeClr val="accent1"/>
+          </a:fillRef>
+          <a:effectRef idx="0">
+            <a:schemeClr val="accent1"/>
+          </a:effectRef>
+          <a:fontRef idx="minor">
+            <a:schemeClr val="lt1"/>
+          </a:fontRef>
+        </p:style>
         <p:txBody>
-          <a:bodyPr wrap="square" rtlCol="0">
-            <a:spAutoFit/>
-          </a:bodyPr>
+          <a:bodyPr rtlCol="0" anchor="ctr"/>
           <a:lstStyle/>
           <a:p>
-            <a:endParaRPr lang="ko-KR" altLang="en-US" spc="-150" dirty="0" smtClean="0"/>
+            <a:pPr algn="ctr"/>
+            <a:r>
+              <a:rPr lang="ko-KR" altLang="en-US" dirty="0" smtClean="0">
+                <a:solidFill>
+                  <a:schemeClr val="tx1"/>
+                </a:solidFill>
+              </a:rPr>
+              <a:t>게</a:t>
+            </a:r>
+            <a:r>
+              <a:rPr lang="ko-KR" altLang="en-US" dirty="0">
+                <a:solidFill>
+                  <a:schemeClr val="tx1"/>
+                </a:solidFill>
+              </a:rPr>
+              <a:t>임</a:t>
+            </a:r>
+            <a:r>
+              <a:rPr lang="ko-KR" altLang="en-US" dirty="0" smtClean="0">
+                <a:solidFill>
+                  <a:schemeClr val="tx1"/>
+                </a:solidFill>
+              </a:rPr>
+              <a:t> 디자인</a:t>
+            </a:r>
+            <a:endParaRPr lang="en-US" altLang="ko-KR" dirty="0" smtClean="0">
+              <a:solidFill>
+                <a:schemeClr val="tx1"/>
+              </a:solidFill>
+            </a:endParaRPr>
+          </a:p>
+          <a:p>
+            <a:pPr algn="ctr"/>
+            <a:endParaRPr lang="en-US" altLang="ko-KR" dirty="0" smtClean="0">
+              <a:solidFill>
+                <a:schemeClr val="tx1"/>
+              </a:solidFill>
+            </a:endParaRPr>
+          </a:p>
+          <a:p>
+            <a:pPr algn="ctr"/>
+            <a:r>
+              <a:rPr lang="en-US" altLang="ko-KR" dirty="0" smtClean="0">
+                <a:solidFill>
+                  <a:schemeClr val="tx1"/>
+                </a:solidFill>
+              </a:rPr>
+              <a:t>PPT </a:t>
+            </a:r>
+            <a:r>
+              <a:rPr lang="ko-KR" altLang="en-US" dirty="0" smtClean="0">
+                <a:solidFill>
+                  <a:schemeClr val="tx1"/>
+                </a:solidFill>
+              </a:rPr>
+              <a:t>및 보고서 작성</a:t>
+            </a:r>
+            <a:endParaRPr lang="en-US" altLang="ko-KR" dirty="0" smtClean="0">
+              <a:solidFill>
+                <a:schemeClr val="tx1"/>
+              </a:solidFill>
+            </a:endParaRPr>
+          </a:p>
+        </p:txBody>
+      </p:sp>
+      <p:sp>
+        <p:nvSpPr>
+          <p:cNvPr id="4" name="타원 3"/>
+          <p:cNvSpPr/>
+          <p:nvPr/>
+        </p:nvSpPr>
+        <p:spPr>
+          <a:xfrm>
+            <a:off x="1252948" y="1973765"/>
+            <a:ext cx="2633052" cy="591015"/>
+          </a:xfrm>
+          <a:prstGeom prst="ellipse">
+            <a:avLst/>
+          </a:prstGeom>
+          <a:solidFill>
+            <a:schemeClr val="accent5">
+              <a:lumMod val="75000"/>
+            </a:schemeClr>
+          </a:solidFill>
+          <a:ln>
+            <a:noFill/>
+          </a:ln>
+        </p:spPr>
+        <p:style>
+          <a:lnRef idx="2">
+            <a:schemeClr val="accent1">
+              <a:shade val="50000"/>
+            </a:schemeClr>
+          </a:lnRef>
+          <a:fillRef idx="1">
+            <a:schemeClr val="accent1"/>
+          </a:fillRef>
+          <a:effectRef idx="0">
+            <a:schemeClr val="accent1"/>
+          </a:effectRef>
+          <a:fontRef idx="minor">
+            <a:schemeClr val="lt1"/>
+          </a:fontRef>
+        </p:style>
+        <p:txBody>
+          <a:bodyPr rtlCol="0" anchor="ctr"/>
+          <a:lstStyle/>
+          <a:p>
+            <a:pPr algn="ctr"/>
+            <a:r>
+              <a:rPr lang="ko-KR" altLang="en-US" dirty="0" smtClean="0"/>
+              <a:t>김승재</a:t>
+            </a:r>
+            <a:endParaRPr lang="ko-KR" altLang="en-US" dirty="0"/>
+          </a:p>
+        </p:txBody>
+      </p:sp>
+      <p:sp>
+        <p:nvSpPr>
+          <p:cNvPr id="12" name="모서리가 둥근 직사각형 11"/>
+          <p:cNvSpPr/>
+          <p:nvPr/>
+        </p:nvSpPr>
+        <p:spPr>
+          <a:xfrm>
+            <a:off x="4763429" y="2328888"/>
+            <a:ext cx="2665142" cy="3122341"/>
+          </a:xfrm>
+          <a:prstGeom prst="roundRect">
+            <a:avLst/>
+          </a:prstGeom>
+          <a:solidFill>
+            <a:schemeClr val="accent1">
+              <a:lumMod val="40000"/>
+              <a:lumOff val="60000"/>
+            </a:schemeClr>
+          </a:solidFill>
+          <a:ln>
+            <a:noFill/>
+          </a:ln>
+        </p:spPr>
+        <p:style>
+          <a:lnRef idx="2">
+            <a:schemeClr val="accent1">
+              <a:shade val="50000"/>
+            </a:schemeClr>
+          </a:lnRef>
+          <a:fillRef idx="1">
+            <a:schemeClr val="accent1"/>
+          </a:fillRef>
+          <a:effectRef idx="0">
+            <a:schemeClr val="accent1"/>
+          </a:effectRef>
+          <a:fontRef idx="minor">
+            <a:schemeClr val="lt1"/>
+          </a:fontRef>
+        </p:style>
+        <p:txBody>
+          <a:bodyPr rtlCol="0" anchor="ctr"/>
+          <a:lstStyle/>
+          <a:p>
+            <a:pPr algn="ctr"/>
+            <a:r>
+              <a:rPr lang="ko-KR" altLang="en-US" dirty="0" smtClean="0">
+                <a:solidFill>
+                  <a:schemeClr val="tx1"/>
+                </a:solidFill>
+              </a:rPr>
+              <a:t>문제 파트 구현</a:t>
+            </a:r>
+            <a:endParaRPr lang="en-US" altLang="ko-KR" dirty="0" smtClean="0">
+              <a:solidFill>
+                <a:schemeClr val="tx1"/>
+              </a:solidFill>
+            </a:endParaRPr>
+          </a:p>
+        </p:txBody>
+      </p:sp>
+      <p:sp>
+        <p:nvSpPr>
+          <p:cNvPr id="17" name="타원 16"/>
+          <p:cNvSpPr/>
+          <p:nvPr/>
+        </p:nvSpPr>
+        <p:spPr>
+          <a:xfrm>
+            <a:off x="4795519" y="1973765"/>
+            <a:ext cx="2633052" cy="591015"/>
+          </a:xfrm>
+          <a:prstGeom prst="ellipse">
+            <a:avLst/>
+          </a:prstGeom>
+          <a:solidFill>
+            <a:schemeClr val="accent5">
+              <a:lumMod val="75000"/>
+            </a:schemeClr>
+          </a:solidFill>
+          <a:ln>
+            <a:noFill/>
+          </a:ln>
+        </p:spPr>
+        <p:style>
+          <a:lnRef idx="2">
+            <a:schemeClr val="accent1">
+              <a:shade val="50000"/>
+            </a:schemeClr>
+          </a:lnRef>
+          <a:fillRef idx="1">
+            <a:schemeClr val="accent1"/>
+          </a:fillRef>
+          <a:effectRef idx="0">
+            <a:schemeClr val="accent1"/>
+          </a:effectRef>
+          <a:fontRef idx="minor">
+            <a:schemeClr val="lt1"/>
+          </a:fontRef>
+        </p:style>
+        <p:txBody>
+          <a:bodyPr rtlCol="0" anchor="ctr"/>
+          <a:lstStyle/>
+          <a:p>
+            <a:pPr algn="ctr"/>
+            <a:r>
+              <a:rPr lang="ko-KR" altLang="en-US" dirty="0" smtClean="0"/>
+              <a:t>최인</a:t>
+            </a:r>
+            <a:r>
+              <a:rPr lang="ko-KR" altLang="en-US" dirty="0"/>
+              <a:t>준</a:t>
+            </a:r>
+            <a:endParaRPr lang="ko-KR" altLang="en-US" dirty="0"/>
+          </a:p>
+        </p:txBody>
+      </p:sp>
+      <p:sp>
+        <p:nvSpPr>
+          <p:cNvPr id="18" name="모서리가 둥근 직사각형 17"/>
+          <p:cNvSpPr/>
+          <p:nvPr/>
+        </p:nvSpPr>
+        <p:spPr>
+          <a:xfrm>
+            <a:off x="8298165" y="2328888"/>
+            <a:ext cx="2665142" cy="3122341"/>
+          </a:xfrm>
+          <a:prstGeom prst="roundRect">
+            <a:avLst/>
+          </a:prstGeom>
+          <a:solidFill>
+            <a:schemeClr val="accent1">
+              <a:lumMod val="40000"/>
+              <a:lumOff val="60000"/>
+            </a:schemeClr>
+          </a:solidFill>
+          <a:ln>
+            <a:noFill/>
+          </a:ln>
+        </p:spPr>
+        <p:style>
+          <a:lnRef idx="2">
+            <a:schemeClr val="accent1">
+              <a:shade val="50000"/>
+            </a:schemeClr>
+          </a:lnRef>
+          <a:fillRef idx="1">
+            <a:schemeClr val="accent1"/>
+          </a:fillRef>
+          <a:effectRef idx="0">
+            <a:schemeClr val="accent1"/>
+          </a:effectRef>
+          <a:fontRef idx="minor">
+            <a:schemeClr val="lt1"/>
+          </a:fontRef>
+        </p:style>
+        <p:txBody>
+          <a:bodyPr rtlCol="0" anchor="ctr"/>
+          <a:lstStyle/>
+          <a:p>
+            <a:pPr algn="ctr"/>
+            <a:r>
+              <a:rPr lang="ko-KR" altLang="en-US" dirty="0" smtClean="0">
+                <a:solidFill>
+                  <a:schemeClr val="tx1"/>
+                </a:solidFill>
+              </a:rPr>
+              <a:t>캐릭터 출력</a:t>
+            </a:r>
+            <a:endParaRPr lang="en-US" altLang="ko-KR" dirty="0" smtClean="0">
+              <a:solidFill>
+                <a:schemeClr val="tx1"/>
+              </a:solidFill>
+            </a:endParaRPr>
+          </a:p>
+          <a:p>
+            <a:pPr algn="ctr"/>
+            <a:r>
+              <a:rPr lang="ko-KR" altLang="en-US" dirty="0" smtClean="0">
+                <a:solidFill>
+                  <a:schemeClr val="tx1"/>
+                </a:solidFill>
+              </a:rPr>
+              <a:t> </a:t>
+            </a:r>
+            <a:endParaRPr lang="en-US" altLang="ko-KR" dirty="0" smtClean="0">
+              <a:solidFill>
+                <a:schemeClr val="tx1"/>
+              </a:solidFill>
+            </a:endParaRPr>
+          </a:p>
+          <a:p>
+            <a:pPr algn="ctr"/>
+            <a:r>
+              <a:rPr lang="ko-KR" altLang="en-US" dirty="0" smtClean="0">
+                <a:solidFill>
+                  <a:schemeClr val="tx1"/>
+                </a:solidFill>
+              </a:rPr>
+              <a:t>캐릭터 이동 </a:t>
+            </a:r>
+            <a:r>
+              <a:rPr lang="ko-KR" altLang="en-US" dirty="0" smtClean="0">
+                <a:solidFill>
+                  <a:schemeClr val="tx1"/>
+                </a:solidFill>
+              </a:rPr>
+              <a:t>구현</a:t>
+            </a:r>
+            <a:endParaRPr lang="en-US" altLang="ko-KR" dirty="0" smtClean="0">
+              <a:solidFill>
+                <a:schemeClr val="tx1"/>
+              </a:solidFill>
+            </a:endParaRPr>
+          </a:p>
+          <a:p>
+            <a:pPr algn="ctr"/>
+            <a:endParaRPr lang="ko-KR" altLang="en-US" dirty="0">
+              <a:solidFill>
+                <a:schemeClr val="tx1"/>
+              </a:solidFill>
+            </a:endParaRPr>
+          </a:p>
+        </p:txBody>
+      </p:sp>
+      <p:sp>
+        <p:nvSpPr>
+          <p:cNvPr id="19" name="타원 18"/>
+          <p:cNvSpPr/>
+          <p:nvPr/>
+        </p:nvSpPr>
+        <p:spPr>
+          <a:xfrm>
+            <a:off x="8330255" y="1973765"/>
+            <a:ext cx="2633052" cy="591015"/>
+          </a:xfrm>
+          <a:prstGeom prst="ellipse">
+            <a:avLst/>
+          </a:prstGeom>
+          <a:solidFill>
+            <a:schemeClr val="accent5">
+              <a:lumMod val="75000"/>
+            </a:schemeClr>
+          </a:solidFill>
+          <a:ln>
+            <a:noFill/>
+          </a:ln>
+        </p:spPr>
+        <p:style>
+          <a:lnRef idx="2">
+            <a:schemeClr val="accent1">
+              <a:shade val="50000"/>
+            </a:schemeClr>
+          </a:lnRef>
+          <a:fillRef idx="1">
+            <a:schemeClr val="accent1"/>
+          </a:fillRef>
+          <a:effectRef idx="0">
+            <a:schemeClr val="accent1"/>
+          </a:effectRef>
+          <a:fontRef idx="minor">
+            <a:schemeClr val="lt1"/>
+          </a:fontRef>
+        </p:style>
+        <p:txBody>
+          <a:bodyPr rtlCol="0" anchor="ctr"/>
+          <a:lstStyle/>
+          <a:p>
+            <a:pPr algn="ctr"/>
+            <a:r>
+              <a:rPr lang="ko-KR" altLang="en-US" dirty="0" err="1" smtClean="0"/>
+              <a:t>한제규</a:t>
+            </a:r>
+            <a:r>
+              <a:rPr lang="en-US" altLang="ko-KR" dirty="0" smtClean="0"/>
+              <a:t>, </a:t>
+            </a:r>
+            <a:r>
+              <a:rPr lang="ko-KR" altLang="en-US" dirty="0" smtClean="0"/>
+              <a:t>김만기</a:t>
+            </a:r>
+            <a:endParaRPr lang="ko-KR" altLang="en-US" dirty="0"/>
           </a:p>
         </p:txBody>
       </p:sp>
@@ -27055,9 +30576,304 @@
   <p:timing>
     <p:tnLst>
       <p:par>
-        <p:cTn id="1" dur="indefinite" restart="never" nodeType="tmRoot"/>
+        <p:cTn id="1" dur="indefinite" restart="never" nodeType="tmRoot">
+          <p:childTnLst>
+            <p:seq concurrent="1" nextAc="seek">
+              <p:cTn id="2" dur="indefinite" nodeType="mainSeq">
+                <p:childTnLst>
+                  <p:par>
+                    <p:cTn id="3" fill="hold">
+                      <p:stCondLst>
+                        <p:cond delay="indefinite"/>
+                      </p:stCondLst>
+                      <p:childTnLst>
+                        <p:par>
+                          <p:cTn id="4" fill="hold">
+                            <p:stCondLst>
+                              <p:cond delay="0"/>
+                            </p:stCondLst>
+                            <p:childTnLst>
+                              <p:par>
+                                <p:cTn id="5" presetID="6" presetClass="entr" presetSubtype="16" fill="hold" grpId="0" nodeType="clickEffect">
+                                  <p:stCondLst>
+                                    <p:cond delay="0"/>
+                                  </p:stCondLst>
+                                  <p:childTnLst>
+                                    <p:set>
+                                      <p:cBhvr>
+                                        <p:cTn id="6" dur="1" fill="hold">
+                                          <p:stCondLst>
+                                            <p:cond delay="0"/>
+                                          </p:stCondLst>
+                                        </p:cTn>
+                                        <p:tgtEl>
+                                          <p:spTgt spid="3"/>
+                                        </p:tgtEl>
+                                        <p:attrNameLst>
+                                          <p:attrName>style.visibility</p:attrName>
+                                        </p:attrNameLst>
+                                      </p:cBhvr>
+                                      <p:to>
+                                        <p:strVal val="visible"/>
+                                      </p:to>
+                                    </p:set>
+                                    <p:animEffect transition="in" filter="circle(in)">
+                                      <p:cBhvr>
+                                        <p:cTn id="7" dur="2000"/>
+                                        <p:tgtEl>
+                                          <p:spTgt spid="3"/>
+                                        </p:tgtEl>
+                                      </p:cBhvr>
+                                    </p:animEffect>
+                                  </p:childTnLst>
+                                </p:cTn>
+                              </p:par>
+                              <p:par>
+                                <p:cTn id="8" presetID="6" presetClass="entr" presetSubtype="16" fill="hold" grpId="0" nodeType="withEffect">
+                                  <p:stCondLst>
+                                    <p:cond delay="0"/>
+                                  </p:stCondLst>
+                                  <p:childTnLst>
+                                    <p:set>
+                                      <p:cBhvr>
+                                        <p:cTn id="9" dur="1" fill="hold">
+                                          <p:stCondLst>
+                                            <p:cond delay="0"/>
+                                          </p:stCondLst>
+                                        </p:cTn>
+                                        <p:tgtEl>
+                                          <p:spTgt spid="4"/>
+                                        </p:tgtEl>
+                                        <p:attrNameLst>
+                                          <p:attrName>style.visibility</p:attrName>
+                                        </p:attrNameLst>
+                                      </p:cBhvr>
+                                      <p:to>
+                                        <p:strVal val="visible"/>
+                                      </p:to>
+                                    </p:set>
+                                    <p:animEffect transition="in" filter="circle(in)">
+                                      <p:cBhvr>
+                                        <p:cTn id="10" dur="2000"/>
+                                        <p:tgtEl>
+                                          <p:spTgt spid="4"/>
+                                        </p:tgtEl>
+                                      </p:cBhvr>
+                                    </p:animEffect>
+                                  </p:childTnLst>
+                                </p:cTn>
+                              </p:par>
+                            </p:childTnLst>
+                          </p:cTn>
+                        </p:par>
+                      </p:childTnLst>
+                    </p:cTn>
+                  </p:par>
+                  <p:par>
+                    <p:cTn id="11" fill="hold">
+                      <p:stCondLst>
+                        <p:cond delay="indefinite"/>
+                      </p:stCondLst>
+                      <p:childTnLst>
+                        <p:par>
+                          <p:cTn id="12" fill="hold">
+                            <p:stCondLst>
+                              <p:cond delay="0"/>
+                            </p:stCondLst>
+                            <p:childTnLst>
+                              <p:par>
+                                <p:cTn id="13" presetID="6" presetClass="entr" presetSubtype="16" fill="hold" grpId="0" nodeType="clickEffect">
+                                  <p:stCondLst>
+                                    <p:cond delay="0"/>
+                                  </p:stCondLst>
+                                  <p:childTnLst>
+                                    <p:set>
+                                      <p:cBhvr>
+                                        <p:cTn id="14" dur="1" fill="hold">
+                                          <p:stCondLst>
+                                            <p:cond delay="0"/>
+                                          </p:stCondLst>
+                                        </p:cTn>
+                                        <p:tgtEl>
+                                          <p:spTgt spid="12"/>
+                                        </p:tgtEl>
+                                        <p:attrNameLst>
+                                          <p:attrName>style.visibility</p:attrName>
+                                        </p:attrNameLst>
+                                      </p:cBhvr>
+                                      <p:to>
+                                        <p:strVal val="visible"/>
+                                      </p:to>
+                                    </p:set>
+                                    <p:animEffect transition="in" filter="circle(in)">
+                                      <p:cBhvr>
+                                        <p:cTn id="15" dur="2000"/>
+                                        <p:tgtEl>
+                                          <p:spTgt spid="12"/>
+                                        </p:tgtEl>
+                                      </p:cBhvr>
+                                    </p:animEffect>
+                                  </p:childTnLst>
+                                </p:cTn>
+                              </p:par>
+                              <p:par>
+                                <p:cTn id="16" presetID="6" presetClass="entr" presetSubtype="16" fill="hold" grpId="0" nodeType="withEffect">
+                                  <p:stCondLst>
+                                    <p:cond delay="0"/>
+                                  </p:stCondLst>
+                                  <p:childTnLst>
+                                    <p:set>
+                                      <p:cBhvr>
+                                        <p:cTn id="17" dur="1" fill="hold">
+                                          <p:stCondLst>
+                                            <p:cond delay="0"/>
+                                          </p:stCondLst>
+                                        </p:cTn>
+                                        <p:tgtEl>
+                                          <p:spTgt spid="17"/>
+                                        </p:tgtEl>
+                                        <p:attrNameLst>
+                                          <p:attrName>style.visibility</p:attrName>
+                                        </p:attrNameLst>
+                                      </p:cBhvr>
+                                      <p:to>
+                                        <p:strVal val="visible"/>
+                                      </p:to>
+                                    </p:set>
+                                    <p:animEffect transition="in" filter="circle(in)">
+                                      <p:cBhvr>
+                                        <p:cTn id="18" dur="2000"/>
+                                        <p:tgtEl>
+                                          <p:spTgt spid="17"/>
+                                        </p:tgtEl>
+                                      </p:cBhvr>
+                                    </p:animEffect>
+                                  </p:childTnLst>
+                                </p:cTn>
+                              </p:par>
+                            </p:childTnLst>
+                          </p:cTn>
+                        </p:par>
+                      </p:childTnLst>
+                    </p:cTn>
+                  </p:par>
+                  <p:par>
+                    <p:cTn id="19" fill="hold">
+                      <p:stCondLst>
+                        <p:cond delay="indefinite"/>
+                      </p:stCondLst>
+                      <p:childTnLst>
+                        <p:par>
+                          <p:cTn id="20" fill="hold">
+                            <p:stCondLst>
+                              <p:cond delay="0"/>
+                            </p:stCondLst>
+                            <p:childTnLst>
+                              <p:par>
+                                <p:cTn id="21" presetID="6" presetClass="entr" presetSubtype="16" fill="hold" grpId="0" nodeType="clickEffect">
+                                  <p:stCondLst>
+                                    <p:cond delay="0"/>
+                                  </p:stCondLst>
+                                  <p:childTnLst>
+                                    <p:set>
+                                      <p:cBhvr>
+                                        <p:cTn id="22" dur="1" fill="hold">
+                                          <p:stCondLst>
+                                            <p:cond delay="0"/>
+                                          </p:stCondLst>
+                                        </p:cTn>
+                                        <p:tgtEl>
+                                          <p:spTgt spid="18"/>
+                                        </p:tgtEl>
+                                        <p:attrNameLst>
+                                          <p:attrName>style.visibility</p:attrName>
+                                        </p:attrNameLst>
+                                      </p:cBhvr>
+                                      <p:to>
+                                        <p:strVal val="visible"/>
+                                      </p:to>
+                                    </p:set>
+                                    <p:animEffect transition="in" filter="circle(in)">
+                                      <p:cBhvr>
+                                        <p:cTn id="23" dur="2000"/>
+                                        <p:tgtEl>
+                                          <p:spTgt spid="18"/>
+                                        </p:tgtEl>
+                                      </p:cBhvr>
+                                    </p:animEffect>
+                                  </p:childTnLst>
+                                </p:cTn>
+                              </p:par>
+                              <p:par>
+                                <p:cTn id="24" presetID="6" presetClass="entr" presetSubtype="16" fill="hold" grpId="0" nodeType="withEffect">
+                                  <p:stCondLst>
+                                    <p:cond delay="0"/>
+                                  </p:stCondLst>
+                                  <p:childTnLst>
+                                    <p:set>
+                                      <p:cBhvr>
+                                        <p:cTn id="25" dur="1" fill="hold">
+                                          <p:stCondLst>
+                                            <p:cond delay="0"/>
+                                          </p:stCondLst>
+                                        </p:cTn>
+                                        <p:tgtEl>
+                                          <p:spTgt spid="19"/>
+                                        </p:tgtEl>
+                                        <p:attrNameLst>
+                                          <p:attrName>style.visibility</p:attrName>
+                                        </p:attrNameLst>
+                                      </p:cBhvr>
+                                      <p:to>
+                                        <p:strVal val="visible"/>
+                                      </p:to>
+                                    </p:set>
+                                    <p:animEffect transition="in" filter="circle(in)">
+                                      <p:cBhvr>
+                                        <p:cTn id="26" dur="2000"/>
+                                        <p:tgtEl>
+                                          <p:spTgt spid="19"/>
+                                        </p:tgtEl>
+                                      </p:cBhvr>
+                                    </p:animEffect>
+                                  </p:childTnLst>
+                                </p:cTn>
+                              </p:par>
+                            </p:childTnLst>
+                          </p:cTn>
+                        </p:par>
+                      </p:childTnLst>
+                    </p:cTn>
+                  </p:par>
+                </p:childTnLst>
+              </p:cTn>
+              <p:prevCondLst>
+                <p:cond evt="onPrev" delay="0">
+                  <p:tgtEl>
+                    <p:sldTgt/>
+                  </p:tgtEl>
+                </p:cond>
+              </p:prevCondLst>
+              <p:nextCondLst>
+                <p:cond evt="onNext" delay="0">
+                  <p:tgtEl>
+                    <p:sldTgt/>
+                  </p:tgtEl>
+                </p:cond>
+              </p:nextCondLst>
+            </p:seq>
+          </p:childTnLst>
+        </p:cTn>
       </p:par>
     </p:tnLst>
+    <p:bldLst>
+      <p:bldP spid="3" grpId="0" animBg="1"/>
+      <p:bldP spid="4" grpId="0" animBg="1"/>
+      <p:bldP spid="12" grpId="0" animBg="1"/>
+      <p:bldP spid="17" grpId="0" animBg="1"/>
+      <p:bldP spid="18" grpId="0" animBg="1"/>
+      <p:bldP spid="19" grpId="0" animBg="1"/>
+    </p:bldLst>
   </p:timing>
 </p:sld>
 </file>
@@ -27079,55 +30895,6 @@
           <a:chExt cx="0" cy="0"/>
         </a:xfrm>
       </p:grpSpPr>
-      <p:sp>
-        <p:nvSpPr>
-          <p:cNvPr id="5" name="TextBox 4"/>
-          <p:cNvSpPr txBox="1"/>
-          <p:nvPr/>
-        </p:nvSpPr>
-        <p:spPr>
-          <a:xfrm>
-            <a:off x="6884879" y="1948065"/>
-            <a:ext cx="4565379" cy="380823"/>
-          </a:xfrm>
-          <a:prstGeom prst="rect">
-            <a:avLst/>
-          </a:prstGeom>
-          <a:noFill/>
-          <a:scene3d>
-            <a:camera prst="obliqueBottomLeft"/>
-            <a:lightRig rig="threePt" dir="t"/>
-          </a:scene3d>
-        </p:spPr>
-        <p:txBody>
-          <a:bodyPr wrap="square" rtlCol="0">
-            <a:spAutoFit/>
-          </a:bodyPr>
-          <a:lstStyle/>
-          <a:p>
-            <a:r>
-              <a:rPr lang="ko-KR" altLang="en-US" b="1" spc="-150" dirty="0" smtClean="0">
-                <a:solidFill>
-                  <a:schemeClr val="bg1"/>
-                </a:solidFill>
-                <a:latin typeface="나눔스퀘어 ExtraBold" panose="020B0600000101010101" pitchFamily="50" charset="-127"/>
-                <a:ea typeface="나눔스퀘어 ExtraBold" panose="020B0600000101010101" pitchFamily="50" charset="-127"/>
-              </a:rPr>
-              <a:t>단에 </a:t>
-            </a:r>
-            <a:r>
-              <a:rPr lang="ko-KR" altLang="en-US" b="1" spc="-150" dirty="0">
-                <a:solidFill>
-                  <a:schemeClr val="bg1"/>
-                </a:solidFill>
-                <a:latin typeface="나눔스퀘어 ExtraBold" panose="020B0600000101010101" pitchFamily="50" charset="-127"/>
-                <a:ea typeface="나눔스퀘어 ExtraBold" panose="020B0600000101010101" pitchFamily="50" charset="-127"/>
-              </a:rPr>
-              <a:t>어울리는 소제목을 적어주세요</a:t>
-            </a:r>
-          </a:p>
-        </p:txBody>
-      </p:sp>
       <p:sp>
         <p:nvSpPr>
           <p:cNvPr id="13" name="TextBox 12"/>
@@ -27349,6 +31116,222 @@
           </a:p>
         </p:txBody>
       </p:sp>
+      <p:pic>
+        <p:nvPicPr>
+          <p:cNvPr id="1026" name="Picture 2"/>
+          <p:cNvPicPr>
+            <a:picLocks noChangeAspect="1" noChangeArrowheads="1"/>
+          </p:cNvPicPr>
+          <p:nvPr/>
+        </p:nvPicPr>
+        <p:blipFill>
+          <a:blip r:embed="rId2">
+            <a:extLst>
+              <a:ext uri="{28A0092B-C50C-407E-A947-70E740481C1C}">
+                <a14:useLocalDpi xmlns:a14="http://schemas.microsoft.com/office/drawing/2010/main" val="0"/>
+              </a:ext>
+            </a:extLst>
+          </a:blip>
+          <a:srcRect/>
+          <a:stretch>
+            <a:fillRect/>
+          </a:stretch>
+        </p:blipFill>
+        <p:spPr bwMode="auto">
+          <a:xfrm>
+            <a:off x="411752" y="1363121"/>
+            <a:ext cx="2989507" cy="2840889"/>
+          </a:xfrm>
+          <a:prstGeom prst="rect">
+            <a:avLst/>
+          </a:prstGeom>
+          <a:noFill/>
+          <a:ln>
+            <a:noFill/>
+          </a:ln>
+          <a:extLst>
+            <a:ext uri="{909E8E84-426E-40DD-AFC4-6F175D3DCCD1}">
+              <a14:hiddenFill xmlns:a14="http://schemas.microsoft.com/office/drawing/2010/main">
+                <a:solidFill>
+                  <a:schemeClr val="accent1"/>
+                </a:solidFill>
+              </a14:hiddenFill>
+            </a:ext>
+            <a:ext uri="{91240B29-F687-4F45-9708-019B960494DF}">
+              <a14:hiddenLine xmlns:a14="http://schemas.microsoft.com/office/drawing/2010/main" w="9525">
+                <a:solidFill>
+                  <a:schemeClr val="tx1"/>
+                </a:solidFill>
+                <a:miter lim="800000"/>
+                <a:headEnd/>
+                <a:tailEnd/>
+              </a14:hiddenLine>
+            </a:ext>
+          </a:extLst>
+        </p:spPr>
+      </p:pic>
+      <p:pic>
+        <p:nvPicPr>
+          <p:cNvPr id="1027" name="Picture 3"/>
+          <p:cNvPicPr>
+            <a:picLocks noChangeAspect="1" noChangeArrowheads="1"/>
+          </p:cNvPicPr>
+          <p:nvPr/>
+        </p:nvPicPr>
+        <p:blipFill>
+          <a:blip r:embed="rId3">
+            <a:extLst>
+              <a:ext uri="{28A0092B-C50C-407E-A947-70E740481C1C}">
+                <a14:useLocalDpi xmlns:a14="http://schemas.microsoft.com/office/drawing/2010/main" val="0"/>
+              </a:ext>
+            </a:extLst>
+          </a:blip>
+          <a:srcRect/>
+          <a:stretch>
+            <a:fillRect/>
+          </a:stretch>
+        </p:blipFill>
+        <p:spPr bwMode="auto">
+          <a:xfrm>
+            <a:off x="614296" y="3947532"/>
+            <a:ext cx="5693496" cy="1909362"/>
+          </a:xfrm>
+          <a:prstGeom prst="rect">
+            <a:avLst/>
+          </a:prstGeom>
+          <a:noFill/>
+          <a:ln>
+            <a:noFill/>
+          </a:ln>
+          <a:extLst>
+            <a:ext uri="{909E8E84-426E-40DD-AFC4-6F175D3DCCD1}">
+              <a14:hiddenFill xmlns:a14="http://schemas.microsoft.com/office/drawing/2010/main">
+                <a:solidFill>
+                  <a:schemeClr val="accent1"/>
+                </a:solidFill>
+              </a14:hiddenFill>
+            </a:ext>
+            <a:ext uri="{91240B29-F687-4F45-9708-019B960494DF}">
+              <a14:hiddenLine xmlns:a14="http://schemas.microsoft.com/office/drawing/2010/main" w="9525">
+                <a:solidFill>
+                  <a:schemeClr val="tx1"/>
+                </a:solidFill>
+                <a:miter lim="800000"/>
+                <a:headEnd/>
+                <a:tailEnd/>
+              </a14:hiddenLine>
+            </a:ext>
+          </a:extLst>
+        </p:spPr>
+      </p:pic>
+      <p:pic>
+        <p:nvPicPr>
+          <p:cNvPr id="1028" name="Picture 4"/>
+          <p:cNvPicPr>
+            <a:picLocks noChangeAspect="1" noChangeArrowheads="1"/>
+          </p:cNvPicPr>
+          <p:nvPr/>
+        </p:nvPicPr>
+        <p:blipFill>
+          <a:blip r:embed="rId4">
+            <a:extLst>
+              <a:ext uri="{28A0092B-C50C-407E-A947-70E740481C1C}">
+                <a14:useLocalDpi xmlns:a14="http://schemas.microsoft.com/office/drawing/2010/main" val="0"/>
+              </a:ext>
+            </a:extLst>
+          </a:blip>
+          <a:srcRect/>
+          <a:stretch>
+            <a:fillRect/>
+          </a:stretch>
+        </p:blipFill>
+        <p:spPr bwMode="auto">
+          <a:xfrm>
+            <a:off x="6391043" y="1363121"/>
+            <a:ext cx="4781550" cy="4229100"/>
+          </a:xfrm>
+          <a:prstGeom prst="rect">
+            <a:avLst/>
+          </a:prstGeom>
+          <a:noFill/>
+          <a:ln>
+            <a:noFill/>
+          </a:ln>
+          <a:extLst>
+            <a:ext uri="{909E8E84-426E-40DD-AFC4-6F175D3DCCD1}">
+              <a14:hiddenFill xmlns:a14="http://schemas.microsoft.com/office/drawing/2010/main">
+                <a:solidFill>
+                  <a:schemeClr val="accent1"/>
+                </a:solidFill>
+              </a14:hiddenFill>
+            </a:ext>
+            <a:ext uri="{91240B29-F687-4F45-9708-019B960494DF}">
+              <a14:hiddenLine xmlns:a14="http://schemas.microsoft.com/office/drawing/2010/main" w="9525">
+                <a:solidFill>
+                  <a:schemeClr val="tx1"/>
+                </a:solidFill>
+                <a:miter lim="800000"/>
+                <a:headEnd/>
+                <a:tailEnd/>
+              </a14:hiddenLine>
+            </a:ext>
+          </a:extLst>
+        </p:spPr>
+      </p:pic>
+      <p:pic>
+        <p:nvPicPr>
+          <p:cNvPr id="1029" name="Picture 5"/>
+          <p:cNvPicPr>
+            <a:picLocks noChangeAspect="1" noChangeArrowheads="1"/>
+          </p:cNvPicPr>
+          <p:nvPr/>
+        </p:nvPicPr>
+        <p:blipFill>
+          <a:blip r:embed="rId5">
+            <a:extLst>
+              <a:ext uri="{28A0092B-C50C-407E-A947-70E740481C1C}">
+                <a14:useLocalDpi xmlns:a14="http://schemas.microsoft.com/office/drawing/2010/main" val="0"/>
+              </a:ext>
+            </a:extLst>
+          </a:blip>
+          <a:srcRect/>
+          <a:stretch>
+            <a:fillRect/>
+          </a:stretch>
+        </p:blipFill>
+        <p:spPr bwMode="auto">
+          <a:xfrm>
+            <a:off x="1460456" y="1567908"/>
+            <a:ext cx="8229600" cy="3819525"/>
+          </a:xfrm>
+          <a:prstGeom prst="rect">
+            <a:avLst/>
+          </a:prstGeom>
+          <a:noFill/>
+          <a:ln>
+            <a:noFill/>
+          </a:ln>
+          <a:extLst>
+            <a:ext uri="{909E8E84-426E-40DD-AFC4-6F175D3DCCD1}">
+              <a14:hiddenFill xmlns:a14="http://schemas.microsoft.com/office/drawing/2010/main">
+                <a:solidFill>
+                  <a:schemeClr val="accent1"/>
+                </a:solidFill>
+              </a14:hiddenFill>
+            </a:ext>
+            <a:ext uri="{91240B29-F687-4F45-9708-019B960494DF}">
+              <a14:hiddenLine xmlns:a14="http://schemas.microsoft.com/office/drawing/2010/main" w="9525">
+                <a:solidFill>
+                  <a:schemeClr val="tx1"/>
+                </a:solidFill>
+                <a:miter lim="800000"/>
+                <a:headEnd/>
+                <a:tailEnd/>
+              </a14:hiddenLine>
+            </a:ext>
+          </a:extLst>
+        </p:spPr>
+      </p:pic>
     </p:spTree>
     <p:extLst>
       <p:ext uri="{BB962C8B-B14F-4D97-AF65-F5344CB8AC3E}">
@@ -27365,7 +31348,461 @@
   <p:timing>
     <p:tnLst>
       <p:par>
-        <p:cTn id="1" dur="indefinite" restart="never" nodeType="tmRoot"/>
+        <p:cTn id="1" dur="indefinite" restart="never" nodeType="tmRoot">
+          <p:childTnLst>
+            <p:seq concurrent="1" nextAc="seek">
+              <p:cTn id="2" dur="indefinite" nodeType="mainSeq">
+                <p:childTnLst>
+                  <p:par>
+                    <p:cTn id="3" fill="hold">
+                      <p:stCondLst>
+                        <p:cond delay="indefinite"/>
+                      </p:stCondLst>
+                      <p:childTnLst>
+                        <p:par>
+                          <p:cTn id="4" fill="hold">
+                            <p:stCondLst>
+                              <p:cond delay="0"/>
+                            </p:stCondLst>
+                            <p:childTnLst>
+                              <p:par>
+                                <p:cTn id="5" presetID="2" presetClass="entr" presetSubtype="8" fill="hold" nodeType="clickEffect">
+                                  <p:stCondLst>
+                                    <p:cond delay="0"/>
+                                  </p:stCondLst>
+                                  <p:childTnLst>
+                                    <p:set>
+                                      <p:cBhvr>
+                                        <p:cTn id="6" dur="1" fill="hold">
+                                          <p:stCondLst>
+                                            <p:cond delay="0"/>
+                                          </p:stCondLst>
+                                        </p:cTn>
+                                        <p:tgtEl>
+                                          <p:spTgt spid="1026"/>
+                                        </p:tgtEl>
+                                        <p:attrNameLst>
+                                          <p:attrName>style.visibility</p:attrName>
+                                        </p:attrNameLst>
+                                      </p:cBhvr>
+                                      <p:to>
+                                        <p:strVal val="visible"/>
+                                      </p:to>
+                                    </p:set>
+                                    <p:anim calcmode="lin" valueType="num">
+                                      <p:cBhvr additive="base">
+                                        <p:cTn id="7" dur="500" fill="hold"/>
+                                        <p:tgtEl>
+                                          <p:spTgt spid="1026"/>
+                                        </p:tgtEl>
+                                        <p:attrNameLst>
+                                          <p:attrName>ppt_x</p:attrName>
+                                        </p:attrNameLst>
+                                      </p:cBhvr>
+                                      <p:tavLst>
+                                        <p:tav tm="0">
+                                          <p:val>
+                                            <p:strVal val="0-#ppt_w/2"/>
+                                          </p:val>
+                                        </p:tav>
+                                        <p:tav tm="100000">
+                                          <p:val>
+                                            <p:strVal val="#ppt_x"/>
+                                          </p:val>
+                                        </p:tav>
+                                      </p:tavLst>
+                                    </p:anim>
+                                    <p:anim calcmode="lin" valueType="num">
+                                      <p:cBhvr additive="base">
+                                        <p:cTn id="8" dur="500" fill="hold"/>
+                                        <p:tgtEl>
+                                          <p:spTgt spid="1026"/>
+                                        </p:tgtEl>
+                                        <p:attrNameLst>
+                                          <p:attrName>ppt_y</p:attrName>
+                                        </p:attrNameLst>
+                                      </p:cBhvr>
+                                      <p:tavLst>
+                                        <p:tav tm="0">
+                                          <p:val>
+                                            <p:strVal val="#ppt_y"/>
+                                          </p:val>
+                                        </p:tav>
+                                        <p:tav tm="100000">
+                                          <p:val>
+                                            <p:strVal val="#ppt_y"/>
+                                          </p:val>
+                                        </p:tav>
+                                      </p:tavLst>
+                                    </p:anim>
+                                  </p:childTnLst>
+                                </p:cTn>
+                              </p:par>
+                              <p:par>
+                                <p:cTn id="9" presetID="2" presetClass="entr" presetSubtype="8" fill="hold" nodeType="withEffect">
+                                  <p:stCondLst>
+                                    <p:cond delay="0"/>
+                                  </p:stCondLst>
+                                  <p:childTnLst>
+                                    <p:set>
+                                      <p:cBhvr>
+                                        <p:cTn id="10" dur="1" fill="hold">
+                                          <p:stCondLst>
+                                            <p:cond delay="0"/>
+                                          </p:stCondLst>
+                                        </p:cTn>
+                                        <p:tgtEl>
+                                          <p:spTgt spid="1027"/>
+                                        </p:tgtEl>
+                                        <p:attrNameLst>
+                                          <p:attrName>style.visibility</p:attrName>
+                                        </p:attrNameLst>
+                                      </p:cBhvr>
+                                      <p:to>
+                                        <p:strVal val="visible"/>
+                                      </p:to>
+                                    </p:set>
+                                    <p:anim calcmode="lin" valueType="num">
+                                      <p:cBhvr additive="base">
+                                        <p:cTn id="11" dur="500" fill="hold"/>
+                                        <p:tgtEl>
+                                          <p:spTgt spid="1027"/>
+                                        </p:tgtEl>
+                                        <p:attrNameLst>
+                                          <p:attrName>ppt_x</p:attrName>
+                                        </p:attrNameLst>
+                                      </p:cBhvr>
+                                      <p:tavLst>
+                                        <p:tav tm="0">
+                                          <p:val>
+                                            <p:strVal val="0-#ppt_w/2"/>
+                                          </p:val>
+                                        </p:tav>
+                                        <p:tav tm="100000">
+                                          <p:val>
+                                            <p:strVal val="#ppt_x"/>
+                                          </p:val>
+                                        </p:tav>
+                                      </p:tavLst>
+                                    </p:anim>
+                                    <p:anim calcmode="lin" valueType="num">
+                                      <p:cBhvr additive="base">
+                                        <p:cTn id="12" dur="500" fill="hold"/>
+                                        <p:tgtEl>
+                                          <p:spTgt spid="1027"/>
+                                        </p:tgtEl>
+                                        <p:attrNameLst>
+                                          <p:attrName>ppt_y</p:attrName>
+                                        </p:attrNameLst>
+                                      </p:cBhvr>
+                                      <p:tavLst>
+                                        <p:tav tm="0">
+                                          <p:val>
+                                            <p:strVal val="#ppt_y"/>
+                                          </p:val>
+                                        </p:tav>
+                                        <p:tav tm="100000">
+                                          <p:val>
+                                            <p:strVal val="#ppt_y"/>
+                                          </p:val>
+                                        </p:tav>
+                                      </p:tavLst>
+                                    </p:anim>
+                                  </p:childTnLst>
+                                </p:cTn>
+                              </p:par>
+                            </p:childTnLst>
+                          </p:cTn>
+                        </p:par>
+                      </p:childTnLst>
+                    </p:cTn>
+                  </p:par>
+                  <p:par>
+                    <p:cTn id="13" fill="hold">
+                      <p:stCondLst>
+                        <p:cond delay="indefinite"/>
+                      </p:stCondLst>
+                      <p:childTnLst>
+                        <p:par>
+                          <p:cTn id="14" fill="hold">
+                            <p:stCondLst>
+                              <p:cond delay="0"/>
+                            </p:stCondLst>
+                            <p:childTnLst>
+                              <p:par>
+                                <p:cTn id="15" presetID="2" presetClass="entr" presetSubtype="2" fill="hold" nodeType="clickEffect">
+                                  <p:stCondLst>
+                                    <p:cond delay="0"/>
+                                  </p:stCondLst>
+                                  <p:childTnLst>
+                                    <p:set>
+                                      <p:cBhvr>
+                                        <p:cTn id="16" dur="1" fill="hold">
+                                          <p:stCondLst>
+                                            <p:cond delay="0"/>
+                                          </p:stCondLst>
+                                        </p:cTn>
+                                        <p:tgtEl>
+                                          <p:spTgt spid="1028"/>
+                                        </p:tgtEl>
+                                        <p:attrNameLst>
+                                          <p:attrName>style.visibility</p:attrName>
+                                        </p:attrNameLst>
+                                      </p:cBhvr>
+                                      <p:to>
+                                        <p:strVal val="visible"/>
+                                      </p:to>
+                                    </p:set>
+                                    <p:anim calcmode="lin" valueType="num">
+                                      <p:cBhvr additive="base">
+                                        <p:cTn id="17" dur="500" fill="hold"/>
+                                        <p:tgtEl>
+                                          <p:spTgt spid="1028"/>
+                                        </p:tgtEl>
+                                        <p:attrNameLst>
+                                          <p:attrName>ppt_x</p:attrName>
+                                        </p:attrNameLst>
+                                      </p:cBhvr>
+                                      <p:tavLst>
+                                        <p:tav tm="0">
+                                          <p:val>
+                                            <p:strVal val="1+#ppt_w/2"/>
+                                          </p:val>
+                                        </p:tav>
+                                        <p:tav tm="100000">
+                                          <p:val>
+                                            <p:strVal val="#ppt_x"/>
+                                          </p:val>
+                                        </p:tav>
+                                      </p:tavLst>
+                                    </p:anim>
+                                    <p:anim calcmode="lin" valueType="num">
+                                      <p:cBhvr additive="base">
+                                        <p:cTn id="18" dur="500" fill="hold"/>
+                                        <p:tgtEl>
+                                          <p:spTgt spid="1028"/>
+                                        </p:tgtEl>
+                                        <p:attrNameLst>
+                                          <p:attrName>ppt_y</p:attrName>
+                                        </p:attrNameLst>
+                                      </p:cBhvr>
+                                      <p:tavLst>
+                                        <p:tav tm="0">
+                                          <p:val>
+                                            <p:strVal val="#ppt_y"/>
+                                          </p:val>
+                                        </p:tav>
+                                        <p:tav tm="100000">
+                                          <p:val>
+                                            <p:strVal val="#ppt_y"/>
+                                          </p:val>
+                                        </p:tav>
+                                      </p:tavLst>
+                                    </p:anim>
+                                  </p:childTnLst>
+                                </p:cTn>
+                              </p:par>
+                            </p:childTnLst>
+                          </p:cTn>
+                        </p:par>
+                      </p:childTnLst>
+                    </p:cTn>
+                  </p:par>
+                  <p:par>
+                    <p:cTn id="19" fill="hold">
+                      <p:stCondLst>
+                        <p:cond delay="indefinite"/>
+                      </p:stCondLst>
+                      <p:childTnLst>
+                        <p:par>
+                          <p:cTn id="20" fill="hold">
+                            <p:stCondLst>
+                              <p:cond delay="0"/>
+                            </p:stCondLst>
+                            <p:childTnLst>
+                              <p:par>
+                                <p:cTn id="21" presetID="16" presetClass="exit" presetSubtype="21" fill="hold" nodeType="clickEffect">
+                                  <p:stCondLst>
+                                    <p:cond delay="0"/>
+                                  </p:stCondLst>
+                                  <p:childTnLst>
+                                    <p:animEffect transition="out" filter="barn(inVertical)">
+                                      <p:cBhvr>
+                                        <p:cTn id="22" dur="500"/>
+                                        <p:tgtEl>
+                                          <p:spTgt spid="1026"/>
+                                        </p:tgtEl>
+                                      </p:cBhvr>
+                                    </p:animEffect>
+                                    <p:set>
+                                      <p:cBhvr>
+                                        <p:cTn id="23" dur="1" fill="hold">
+                                          <p:stCondLst>
+                                            <p:cond delay="499"/>
+                                          </p:stCondLst>
+                                        </p:cTn>
+                                        <p:tgtEl>
+                                          <p:spTgt spid="1026"/>
+                                        </p:tgtEl>
+                                        <p:attrNameLst>
+                                          <p:attrName>style.visibility</p:attrName>
+                                        </p:attrNameLst>
+                                      </p:cBhvr>
+                                      <p:to>
+                                        <p:strVal val="hidden"/>
+                                      </p:to>
+                                    </p:set>
+                                  </p:childTnLst>
+                                </p:cTn>
+                              </p:par>
+                              <p:par>
+                                <p:cTn id="24" presetID="16" presetClass="exit" presetSubtype="21" fill="hold" nodeType="withEffect">
+                                  <p:stCondLst>
+                                    <p:cond delay="0"/>
+                                  </p:stCondLst>
+                                  <p:childTnLst>
+                                    <p:animEffect transition="out" filter="barn(inVertical)">
+                                      <p:cBhvr>
+                                        <p:cTn id="25" dur="500"/>
+                                        <p:tgtEl>
+                                          <p:spTgt spid="1027"/>
+                                        </p:tgtEl>
+                                      </p:cBhvr>
+                                    </p:animEffect>
+                                    <p:set>
+                                      <p:cBhvr>
+                                        <p:cTn id="26" dur="1" fill="hold">
+                                          <p:stCondLst>
+                                            <p:cond delay="499"/>
+                                          </p:stCondLst>
+                                        </p:cTn>
+                                        <p:tgtEl>
+                                          <p:spTgt spid="1027"/>
+                                        </p:tgtEl>
+                                        <p:attrNameLst>
+                                          <p:attrName>style.visibility</p:attrName>
+                                        </p:attrNameLst>
+                                      </p:cBhvr>
+                                      <p:to>
+                                        <p:strVal val="hidden"/>
+                                      </p:to>
+                                    </p:set>
+                                  </p:childTnLst>
+                                </p:cTn>
+                              </p:par>
+                              <p:par>
+                                <p:cTn id="27" presetID="16" presetClass="exit" presetSubtype="21" fill="hold" nodeType="withEffect">
+                                  <p:stCondLst>
+                                    <p:cond delay="0"/>
+                                  </p:stCondLst>
+                                  <p:childTnLst>
+                                    <p:animEffect transition="out" filter="barn(inVertical)">
+                                      <p:cBhvr>
+                                        <p:cTn id="28" dur="500"/>
+                                        <p:tgtEl>
+                                          <p:spTgt spid="1028"/>
+                                        </p:tgtEl>
+                                      </p:cBhvr>
+                                    </p:animEffect>
+                                    <p:set>
+                                      <p:cBhvr>
+                                        <p:cTn id="29" dur="1" fill="hold">
+                                          <p:stCondLst>
+                                            <p:cond delay="499"/>
+                                          </p:stCondLst>
+                                        </p:cTn>
+                                        <p:tgtEl>
+                                          <p:spTgt spid="1028"/>
+                                        </p:tgtEl>
+                                        <p:attrNameLst>
+                                          <p:attrName>style.visibility</p:attrName>
+                                        </p:attrNameLst>
+                                      </p:cBhvr>
+                                      <p:to>
+                                        <p:strVal val="hidden"/>
+                                      </p:to>
+                                    </p:set>
+                                  </p:childTnLst>
+                                </p:cTn>
+                              </p:par>
+                            </p:childTnLst>
+                          </p:cTn>
+                        </p:par>
+                      </p:childTnLst>
+                    </p:cTn>
+                  </p:par>
+                  <p:par>
+                    <p:cTn id="30" fill="hold">
+                      <p:stCondLst>
+                        <p:cond delay="indefinite"/>
+                      </p:stCondLst>
+                      <p:childTnLst>
+                        <p:par>
+                          <p:cTn id="31" fill="hold">
+                            <p:stCondLst>
+                              <p:cond delay="0"/>
+                            </p:stCondLst>
+                            <p:childTnLst>
+                              <p:par>
+                                <p:cTn id="32" presetID="16" presetClass="entr" presetSubtype="37" fill="hold" nodeType="clickEffect">
+                                  <p:stCondLst>
+                                    <p:cond delay="0"/>
+                                  </p:stCondLst>
+                                  <p:childTnLst>
+                                    <p:set>
+                                      <p:cBhvr>
+                                        <p:cTn id="33" dur="1" fill="hold">
+                                          <p:stCondLst>
+                                            <p:cond delay="0"/>
+                                          </p:stCondLst>
+                                        </p:cTn>
+                                        <p:tgtEl>
+                                          <p:spTgt spid="1029"/>
+                                        </p:tgtEl>
+                                        <p:attrNameLst>
+                                          <p:attrName>style.visibility</p:attrName>
+                                        </p:attrNameLst>
+                                      </p:cBhvr>
+                                      <p:to>
+                                        <p:strVal val="visible"/>
+                                      </p:to>
+                                    </p:set>
+                                    <p:animEffect transition="in" filter="barn(outVertical)">
+                                      <p:cBhvr>
+                                        <p:cTn id="34" dur="500"/>
+                                        <p:tgtEl>
+                                          <p:spTgt spid="1029"/>
+                                        </p:tgtEl>
+                                      </p:cBhvr>
+                                    </p:animEffect>
+                                  </p:childTnLst>
+                                </p:cTn>
+                              </p:par>
+                            </p:childTnLst>
+                          </p:cTn>
+                        </p:par>
+                      </p:childTnLst>
+                    </p:cTn>
+                  </p:par>
+                </p:childTnLst>
+              </p:cTn>
+              <p:prevCondLst>
+                <p:cond evt="onPrev" delay="0">
+                  <p:tgtEl>
+                    <p:sldTgt/>
+                  </p:tgtEl>
+                </p:cond>
+              </p:prevCondLst>
+              <p:nextCondLst>
+                <p:cond evt="onNext" delay="0">
+                  <p:tgtEl>
+                    <p:sldTgt/>
+                  </p:tgtEl>
+                </p:cond>
+              </p:nextCondLst>
+            </p:seq>
+          </p:childTnLst>
+        </p:cTn>
       </p:par>
     </p:tnLst>
   </p:timing>
@@ -28515,7 +32952,7 @@
   <a:extraClrSchemeLst/>
   <a:extLst>
     <a:ext uri="{05A4C25C-085E-4340-85A3-A5531E510DB2}">
-      <thm15:themeFamily xmlns:thm15="http://schemas.microsoft.com/office/thememl/2012/main" name="Default Theme" id="{61DEB19B-2B19-4AD2-838F-1D0A1F1A4AA8}" vid="{EEB53716-E240-45EC-B1D3-DE1153499665}"/>
+      <thm15:themeFamily xmlns:thm15="http://schemas.microsoft.com/office/thememl/2012/main" xmlns="" name="Default Theme" id="{61DEB19B-2B19-4AD2-838F-1D0A1F1A4AA8}" vid="{EEB53716-E240-45EC-B1D3-DE1153499665}"/>
     </a:ext>
   </a:extLst>
 </a:theme>
@@ -28776,7 +33213,7 @@
   <a:extraClrSchemeLst/>
   <a:extLst>
     <a:ext uri="{05A4C25C-085E-4340-85A3-A5531E510DB2}">
-      <thm15:themeFamily xmlns:thm15="http://schemas.microsoft.com/office/thememl/2012/main" name="Office Theme" id="{62F939B6-93AF-4DB8-9C6B-D6C7DFDC589F}" vid="{4A3C46E8-61CC-4603-A589-7422A47A8E4A}"/>
+      <thm15:themeFamily xmlns:thm15="http://schemas.microsoft.com/office/thememl/2012/main" xmlns="" name="Office Theme" id="{62F939B6-93AF-4DB8-9C6B-D6C7DFDC589F}" vid="{4A3C46E8-61CC-4603-A589-7422A47A8E4A}"/>
     </a:ext>
   </a:extLst>
 </a:theme>

--- a/문서 및 동영상 자료/시스템 프로그래밍 MINT CHOCO.pptx
+++ b/문서 및 동영상 자료/시스템 프로그래밍 MINT CHOCO.pptx
@@ -126,7 +126,7 @@
   </p:defaultTextStyle>
   <p:extLst>
     <p:ext uri="{EFAFB233-063F-42B5-8137-9DF3F51BA10A}">
-      <p15:sldGuideLst xmlns:p15="http://schemas.microsoft.com/office/powerpoint/2012/main" xmlns="">
+      <p15:sldGuideLst xmlns="" xmlns:p15="http://schemas.microsoft.com/office/powerpoint/2012/main">
         <p15:guide id="1" orient="horz" pos="2160" userDrawn="1">
           <p15:clr>
             <a:srgbClr val="A4A3A4"/>
@@ -22107,7 +22107,7 @@
           <a:p>
             <a:pPr algn="ctr"/>
             <a:r>
-              <a:rPr lang="en-US" altLang="ko-KR" sz="1200" spc="-150" dirty="0">
+              <a:rPr lang="en-US" altLang="ko-KR" sz="1200" spc="-150" dirty="0" smtClean="0">
                 <a:solidFill>
                   <a:schemeClr val="tx1">
                     <a:lumMod val="75000"/>
@@ -22117,7 +22117,7 @@
                 <a:latin typeface="나눔스퀘어" panose="020B0600000101010101" pitchFamily="50" charset="-127"/>
                 <a:ea typeface="나눔스퀘어" panose="020B0600000101010101" pitchFamily="50" charset="-127"/>
               </a:rPr>
-              <a:t>3</a:t>
+              <a:t>10</a:t>
             </a:r>
             <a:endParaRPr lang="ko-KR" altLang="en-US" sz="1200" spc="-150" dirty="0">
               <a:solidFill>
@@ -22514,20 +22514,6 @@
                 </a:rPr>
                 <a:t>능</a:t>
               </a:r>
-              <a:endParaRPr lang="ko-KR" altLang="en-US" sz="2500" b="1" dirty="0">
-                <a:ln w="9525">
-                  <a:solidFill>
-                    <a:schemeClr val="bg1">
-                      <a:alpha val="55000"/>
-                    </a:schemeClr>
-                  </a:solidFill>
-                </a:ln>
-                <a:solidFill>
-                  <a:schemeClr val="bg1"/>
-                </a:solidFill>
-                <a:latin typeface="나눔고딕"/>
-                <a:ea typeface="나눔고딕"/>
-              </a:endParaRPr>
             </a:p>
           </p:txBody>
         </p:sp>
@@ -23524,7 +23510,7 @@
           <a:p>
             <a:pPr algn="ctr"/>
             <a:r>
-              <a:rPr lang="en-US" altLang="ko-KR" sz="1200" spc="-150" dirty="0">
+              <a:rPr lang="en-US" altLang="ko-KR" sz="1200" spc="-150" dirty="0" smtClean="0">
                 <a:solidFill>
                   <a:schemeClr val="tx1">
                     <a:lumMod val="75000"/>
@@ -23534,7 +23520,7 @@
                 <a:latin typeface="나눔스퀘어" panose="020B0600000101010101" pitchFamily="50" charset="-127"/>
                 <a:ea typeface="나눔스퀘어" panose="020B0600000101010101" pitchFamily="50" charset="-127"/>
               </a:rPr>
-              <a:t>3</a:t>
+              <a:t>11</a:t>
             </a:r>
             <a:endParaRPr lang="ko-KR" altLang="en-US" sz="1200" spc="-150" dirty="0">
               <a:solidFill>
@@ -23762,7 +23748,6 @@
               <a:rPr lang="en-US" altLang="ko-KR" spc="-150" dirty="0" smtClean="0"/>
               <a:t>.</a:t>
             </a:r>
-            <a:endParaRPr lang="en-US" altLang="ko-KR" spc="-150" dirty="0" smtClean="0"/>
           </a:p>
         </p:txBody>
       </p:sp>
@@ -24303,7 +24288,7 @@
           <a:p>
             <a:pPr algn="ctr"/>
             <a:r>
-              <a:rPr lang="en-US" altLang="ko-KR" sz="1200" spc="-150" dirty="0">
+              <a:rPr lang="en-US" altLang="ko-KR" sz="1200" spc="-150" dirty="0" smtClean="0">
                 <a:solidFill>
                   <a:schemeClr val="tx1">
                     <a:lumMod val="75000"/>
@@ -24313,7 +24298,7 @@
                 <a:latin typeface="나눔스퀘어" panose="020B0600000101010101" pitchFamily="50" charset="-127"/>
                 <a:ea typeface="나눔스퀘어" panose="020B0600000101010101" pitchFamily="50" charset="-127"/>
               </a:rPr>
-              <a:t>3</a:t>
+              <a:t>12</a:t>
             </a:r>
             <a:endParaRPr lang="ko-KR" altLang="en-US" sz="1200" spc="-150" dirty="0">
               <a:solidFill>
@@ -24797,20 +24782,7 @@
                 <a:latin typeface="나눔스퀘어" panose="020B0600000101010101" pitchFamily="50" charset="-127"/>
                 <a:ea typeface="나눔스퀘어" panose="020B0600000101010101" pitchFamily="50" charset="-127"/>
               </a:rPr>
-              <a:t>문제 및 화면 </a:t>
-            </a:r>
-            <a:r>
-              <a:rPr lang="ko-KR" altLang="en-US" sz="2800" spc="-150" dirty="0" smtClean="0">
-                <a:solidFill>
-                  <a:schemeClr val="tx1">
-                    <a:lumMod val="75000"/>
-                    <a:lumOff val="25000"/>
-                  </a:schemeClr>
-                </a:solidFill>
-                <a:latin typeface="나눔스퀘어" panose="020B0600000101010101" pitchFamily="50" charset="-127"/>
-                <a:ea typeface="나눔스퀘어" panose="020B0600000101010101" pitchFamily="50" charset="-127"/>
-              </a:rPr>
-              <a:t>출력 기능</a:t>
+              <a:t>문제 및 화면 출력 기능</a:t>
             </a:r>
             <a:endParaRPr lang="ko-KR" altLang="en-US" sz="2800" spc="-150" dirty="0">
               <a:solidFill>
@@ -24969,7 +24941,7 @@
           <a:p>
             <a:pPr algn="ctr"/>
             <a:r>
-              <a:rPr lang="en-US" altLang="ko-KR" sz="1200" spc="-150" dirty="0">
+              <a:rPr lang="en-US" altLang="ko-KR" sz="1200" spc="-150" dirty="0" smtClean="0">
                 <a:solidFill>
                   <a:schemeClr val="tx1">
                     <a:lumMod val="75000"/>
@@ -24979,7 +24951,7 @@
                 <a:latin typeface="나눔스퀘어" panose="020B0600000101010101" pitchFamily="50" charset="-127"/>
                 <a:ea typeface="나눔스퀘어" panose="020B0600000101010101" pitchFamily="50" charset="-127"/>
               </a:rPr>
-              <a:t>3</a:t>
+              <a:t>13</a:t>
             </a:r>
             <a:endParaRPr lang="ko-KR" altLang="en-US" sz="1200" spc="-150" dirty="0">
               <a:solidFill>
@@ -25572,7 +25544,7 @@
           <a:p>
             <a:pPr algn="ctr"/>
             <a:r>
-              <a:rPr lang="en-US" altLang="ko-KR" sz="1200" spc="-150" dirty="0">
+              <a:rPr lang="en-US" altLang="ko-KR" sz="1200" spc="-150" dirty="0" smtClean="0">
                 <a:solidFill>
                   <a:schemeClr val="tx1">
                     <a:lumMod val="75000"/>
@@ -25582,7 +25554,7 @@
                 <a:latin typeface="나눔스퀘어" panose="020B0600000101010101" pitchFamily="50" charset="-127"/>
                 <a:ea typeface="나눔스퀘어" panose="020B0600000101010101" pitchFamily="50" charset="-127"/>
               </a:rPr>
-              <a:t>3</a:t>
+              <a:t>14</a:t>
             </a:r>
             <a:endParaRPr lang="ko-KR" altLang="en-US" sz="1200" spc="-150" dirty="0">
               <a:solidFill>
@@ -25720,7 +25692,6 @@
               <a:rPr lang="ko-KR" altLang="en-US" spc="-150" dirty="0" smtClean="0"/>
               <a:t>랜덤적으로 적대적 요소 난이도는 증가하지 않을 수 있음</a:t>
             </a:r>
-            <a:endParaRPr lang="ko-KR" altLang="en-US" spc="-150" dirty="0" smtClean="0"/>
           </a:p>
         </p:txBody>
       </p:sp>
@@ -26185,7 +26156,7 @@
           <a:p>
             <a:pPr algn="ctr"/>
             <a:r>
-              <a:rPr lang="en-US" altLang="ko-KR" sz="1200" spc="-150" dirty="0">
+              <a:rPr lang="en-US" altLang="ko-KR" sz="1200" spc="-150" dirty="0" smtClean="0">
                 <a:solidFill>
                   <a:schemeClr val="tx1">
                     <a:lumMod val="75000"/>
@@ -26195,7 +26166,7 @@
                 <a:latin typeface="나눔스퀘어" panose="020B0600000101010101" pitchFamily="50" charset="-127"/>
                 <a:ea typeface="나눔스퀘어" panose="020B0600000101010101" pitchFamily="50" charset="-127"/>
               </a:rPr>
-              <a:t>3</a:t>
+              <a:t>15</a:t>
             </a:r>
             <a:endParaRPr lang="ko-KR" altLang="en-US" sz="1200" spc="-150" dirty="0">
               <a:solidFill>
@@ -26294,7 +26265,6 @@
               <a:rPr lang="ko-KR" altLang="en-US" spc="-150" dirty="0" smtClean="0"/>
               <a:t>시간적 페널티는 적대적 요소 난이도 증가와 별개로 이루어짐</a:t>
             </a:r>
-            <a:endParaRPr lang="ko-KR" altLang="en-US" spc="-150" dirty="0" smtClean="0"/>
           </a:p>
         </p:txBody>
       </p:sp>
@@ -26954,7 +26924,7 @@
           <a:p>
             <a:pPr algn="ctr"/>
             <a:r>
-              <a:rPr lang="en-US" altLang="ko-KR" sz="1200" spc="-150" dirty="0">
+              <a:rPr lang="en-US" altLang="ko-KR" sz="1200" spc="-150" dirty="0" smtClean="0">
                 <a:solidFill>
                   <a:schemeClr val="tx1">
                     <a:lumMod val="75000"/>
@@ -26964,7 +26934,7 @@
                 <a:latin typeface="나눔스퀘어" panose="020B0600000101010101" pitchFamily="50" charset="-127"/>
                 <a:ea typeface="나눔스퀘어" panose="020B0600000101010101" pitchFamily="50" charset="-127"/>
               </a:rPr>
-              <a:t>2</a:t>
+              <a:t>16</a:t>
             </a:r>
             <a:endParaRPr lang="ko-KR" altLang="en-US" sz="1200" spc="-150" dirty="0">
               <a:solidFill>
@@ -27056,20 +27026,7 @@
                 <a:latin typeface="나눔스퀘어" panose="020B0600000101010101" pitchFamily="50" charset="-127"/>
                 <a:ea typeface="나눔스퀘어" panose="020B0600000101010101" pitchFamily="50" charset="-127"/>
               </a:rPr>
-              <a:t>우리가 사용한 </a:t>
-            </a:r>
-            <a:r>
-              <a:rPr lang="ko-KR" altLang="en-US" sz="2800" spc="-150" dirty="0" smtClean="0">
-                <a:solidFill>
-                  <a:schemeClr val="tx1">
-                    <a:lumMod val="75000"/>
-                    <a:lumOff val="25000"/>
-                  </a:schemeClr>
-                </a:solidFill>
-                <a:latin typeface="나눔스퀘어" panose="020B0600000101010101" pitchFamily="50" charset="-127"/>
-                <a:ea typeface="나눔스퀘어" panose="020B0600000101010101" pitchFamily="50" charset="-127"/>
-              </a:rPr>
-              <a:t>시스템 프로그래밍적 요소</a:t>
+              <a:t>우리가 사용한 시스템 프로그래밍적 요소</a:t>
             </a:r>
             <a:endParaRPr lang="ko-KR" altLang="en-US" sz="2800" spc="-150" dirty="0">
               <a:solidFill>
@@ -27228,7 +27185,7 @@
           <a:p>
             <a:pPr algn="ctr"/>
             <a:r>
-              <a:rPr lang="en-US" altLang="ko-KR" sz="1200" spc="-150" dirty="0">
+              <a:rPr lang="en-US" altLang="ko-KR" sz="1200" spc="-150" dirty="0" smtClean="0">
                 <a:solidFill>
                   <a:schemeClr val="tx1">
                     <a:lumMod val="75000"/>
@@ -27238,7 +27195,7 @@
                 <a:latin typeface="나눔스퀘어" panose="020B0600000101010101" pitchFamily="50" charset="-127"/>
                 <a:ea typeface="나눔스퀘어" panose="020B0600000101010101" pitchFamily="50" charset="-127"/>
               </a:rPr>
-              <a:t>3</a:t>
+              <a:t>17</a:t>
             </a:r>
             <a:endParaRPr lang="ko-KR" altLang="en-US" sz="1200" spc="-150" dirty="0">
               <a:solidFill>
@@ -27280,6 +27237,133 @@
           <a:lstStyle/>
           <a:p>
             <a:endParaRPr lang="ko-KR" altLang="en-US" spc="-150" dirty="0" smtClean="0"/>
+          </a:p>
+        </p:txBody>
+      </p:sp>
+      <p:sp>
+        <p:nvSpPr>
+          <p:cNvPr id="3" name="TextBox 2"/>
+          <p:cNvSpPr txBox="1"/>
+          <p:nvPr/>
+        </p:nvSpPr>
+        <p:spPr>
+          <a:xfrm>
+            <a:off x="1006679" y="2474751"/>
+            <a:ext cx="9211112" cy="2677656"/>
+          </a:xfrm>
+          <a:prstGeom prst="rect">
+            <a:avLst/>
+          </a:prstGeom>
+          <a:noFill/>
+          <a:scene3d>
+            <a:camera prst="obliqueBottomLeft"/>
+            <a:lightRig rig="threePt" dir="t"/>
+          </a:scene3d>
+        </p:spPr>
+        <p:txBody>
+          <a:bodyPr wrap="square" rtlCol="0">
+            <a:spAutoFit/>
+          </a:bodyPr>
+          <a:lstStyle/>
+          <a:p>
+            <a:r>
+              <a:rPr lang="en-US" altLang="ko-KR" sz="2400" spc="-150" dirty="0" smtClean="0"/>
+              <a:t>1. </a:t>
+            </a:r>
+            <a:r>
+              <a:rPr lang="ko-KR" altLang="en-US" sz="2400" spc="-150" dirty="0" smtClean="0"/>
+              <a:t>적과 플레이어 캐릭터의 움직임을 구현하기 위하여 </a:t>
+            </a:r>
+            <a:r>
+              <a:rPr lang="en-US" altLang="ko-KR" sz="2400" spc="-150" dirty="0" smtClean="0"/>
+              <a:t>Signal </a:t>
+            </a:r>
+            <a:r>
+              <a:rPr lang="ko-KR" altLang="en-US" sz="2400" spc="-150" dirty="0" smtClean="0"/>
+              <a:t>사용</a:t>
+            </a:r>
+            <a:endParaRPr lang="en-US" altLang="ko-KR" sz="2400" spc="-150" dirty="0" smtClean="0"/>
+          </a:p>
+          <a:p>
+            <a:endParaRPr lang="en-US" altLang="ko-KR" sz="2400" spc="-150" dirty="0"/>
+          </a:p>
+          <a:p>
+            <a:r>
+              <a:rPr lang="en-US" altLang="ko-KR" sz="2400" spc="-150" dirty="0" smtClean="0"/>
+              <a:t>2. </a:t>
+            </a:r>
+            <a:r>
+              <a:rPr lang="ko-KR" altLang="en-US" sz="2400" spc="-150" dirty="0" smtClean="0"/>
+              <a:t>적극적인 </a:t>
+            </a:r>
+            <a:r>
+              <a:rPr lang="en-US" altLang="ko-KR" sz="2400" spc="-150" dirty="0" err="1" smtClean="0"/>
+              <a:t>curses.h</a:t>
+            </a:r>
+            <a:r>
+              <a:rPr lang="en-US" altLang="ko-KR" sz="2400" spc="-150" dirty="0" smtClean="0"/>
+              <a:t>  </a:t>
+            </a:r>
+            <a:r>
+              <a:rPr lang="ko-KR" altLang="en-US" sz="2400" spc="-150" dirty="0" smtClean="0"/>
+              <a:t>활용</a:t>
+            </a:r>
+            <a:r>
+              <a:rPr lang="en-US" altLang="ko-KR" sz="2400" spc="-150" dirty="0" smtClean="0"/>
+              <a:t>(Color, </a:t>
+            </a:r>
+            <a:r>
+              <a:rPr lang="ko-KR" altLang="en-US" sz="2400" spc="-150" dirty="0" smtClean="0"/>
+              <a:t>지속 갱신</a:t>
+            </a:r>
+            <a:r>
+              <a:rPr lang="en-US" altLang="ko-KR" sz="2400" spc="-150" dirty="0" smtClean="0"/>
+              <a:t>)</a:t>
+            </a:r>
+          </a:p>
+          <a:p>
+            <a:endParaRPr lang="en-US" altLang="ko-KR" sz="2400" spc="-150" dirty="0" smtClean="0"/>
+          </a:p>
+          <a:p>
+            <a:r>
+              <a:rPr lang="en-US" altLang="ko-KR" sz="2400" spc="-150" dirty="0" smtClean="0"/>
+              <a:t>3. </a:t>
+            </a:r>
+            <a:r>
+              <a:rPr lang="ko-KR" altLang="en-US" sz="2400" spc="-150" dirty="0" smtClean="0"/>
+              <a:t>키보드 입력을 위한 </a:t>
+            </a:r>
+            <a:r>
+              <a:rPr lang="en-US" altLang="ko-KR" sz="2400" spc="-150" dirty="0" err="1" smtClean="0"/>
+              <a:t>aio</a:t>
+            </a:r>
+            <a:r>
+              <a:rPr lang="en-US" altLang="ko-KR" sz="2400" spc="-150" dirty="0" smtClean="0"/>
+              <a:t>,.h </a:t>
+            </a:r>
+            <a:r>
+              <a:rPr lang="ko-KR" altLang="en-US" sz="2400" spc="-150" dirty="0" smtClean="0"/>
+              <a:t>사용</a:t>
+            </a:r>
+            <a:endParaRPr lang="en-US" altLang="ko-KR" sz="2400" spc="-150" dirty="0" smtClean="0"/>
+          </a:p>
+          <a:p>
+            <a:endParaRPr lang="en-US" altLang="ko-KR" sz="2400" spc="-150" dirty="0" smtClean="0"/>
+          </a:p>
+          <a:p>
+            <a:r>
+              <a:rPr lang="en-US" altLang="ko-KR" sz="2400" spc="-150" dirty="0" smtClean="0"/>
+              <a:t>4. </a:t>
+            </a:r>
+            <a:r>
+              <a:rPr lang="en-US" altLang="ko-KR" sz="2400" spc="-150" dirty="0" err="1" smtClean="0"/>
+              <a:t>sys.time.h</a:t>
+            </a:r>
+            <a:r>
+              <a:rPr lang="ko-KR" altLang="en-US" sz="2400" spc="-150" dirty="0" smtClean="0"/>
+              <a:t>를 통한 구체적인  타이머 구현</a:t>
+            </a:r>
+            <a:endParaRPr lang="en-US" altLang="ko-KR" sz="2400" spc="-150" dirty="0" smtClean="0"/>
           </a:p>
         </p:txBody>
       </p:sp>
@@ -30387,7 +30471,6 @@
               <a:rPr lang="ko-KR" altLang="en-US" dirty="0"/>
               <a:t>준</a:t>
             </a:r>
-            <a:endParaRPr lang="ko-KR" altLang="en-US" dirty="0"/>
           </a:p>
         </p:txBody>
       </p:sp>
@@ -30474,15 +30557,7 @@
                   <a:schemeClr val="tx1"/>
                 </a:solidFill>
               </a:rPr>
-              <a:t>캐릭터 이동 </a:t>
-            </a:r>
-            <a:r>
-              <a:rPr lang="ko-KR" altLang="en-US" dirty="0" smtClean="0">
-                <a:solidFill>
-                  <a:schemeClr val="tx1"/>
-                </a:solidFill>
-              </a:rPr>
-              <a:t>구현</a:t>
+              <a:t>캐릭터 이동 구현</a:t>
             </a:r>
             <a:endParaRPr lang="en-US" altLang="ko-KR" dirty="0" smtClean="0">
               <a:solidFill>
@@ -32952,7 +33027,7 @@
   <a:extraClrSchemeLst/>
   <a:extLst>
     <a:ext uri="{05A4C25C-085E-4340-85A3-A5531E510DB2}">
-      <thm15:themeFamily xmlns:thm15="http://schemas.microsoft.com/office/thememl/2012/main" xmlns="" name="Default Theme" id="{61DEB19B-2B19-4AD2-838F-1D0A1F1A4AA8}" vid="{EEB53716-E240-45EC-B1D3-DE1153499665}"/>
+      <thm15:themeFamily xmlns="" xmlns:thm15="http://schemas.microsoft.com/office/thememl/2012/main" name="Default Theme" id="{61DEB19B-2B19-4AD2-838F-1D0A1F1A4AA8}" vid="{EEB53716-E240-45EC-B1D3-DE1153499665}"/>
     </a:ext>
   </a:extLst>
 </a:theme>
@@ -33213,7 +33288,7 @@
   <a:extraClrSchemeLst/>
   <a:extLst>
     <a:ext uri="{05A4C25C-085E-4340-85A3-A5531E510DB2}">
-      <thm15:themeFamily xmlns:thm15="http://schemas.microsoft.com/office/thememl/2012/main" xmlns="" name="Office Theme" id="{62F939B6-93AF-4DB8-9C6B-D6C7DFDC589F}" vid="{4A3C46E8-61CC-4603-A589-7422A47A8E4A}"/>
+      <thm15:themeFamily xmlns="" xmlns:thm15="http://schemas.microsoft.com/office/thememl/2012/main" name="Office Theme" id="{62F939B6-93AF-4DB8-9C6B-D6C7DFDC589F}" vid="{4A3C46E8-61CC-4603-A589-7422A47A8E4A}"/>
     </a:ext>
   </a:extLst>
 </a:theme>
